--- a/C Programming.pptx
+++ b/C Programming.pptx
@@ -2,10 +2,20 @@
 <file path=ppt/presentation.xml><?xml version="1.0" encoding="utf-8"?>
 <p:presentation xmlns:a="http://schemas.openxmlformats.org/drawingml/2006/main" xmlns:r="http://schemas.openxmlformats.org/officeDocument/2006/relationships" xmlns:p="http://schemas.openxmlformats.org/presentationml/2006/main" saveSubsetFonts="1">
   <p:sldMasterIdLst>
-    <p:sldMasterId id="2147483648" r:id="rId1"/>
+    <p:sldMasterId id="2147483710" r:id="rId1"/>
   </p:sldMasterIdLst>
+  <p:notesMasterIdLst>
+    <p:notesMasterId r:id="rId10"/>
+  </p:notesMasterIdLst>
   <p:sldIdLst>
-    <p:sldId id="256" r:id="rId2"/>
+    <p:sldId id="257" r:id="rId2"/>
+    <p:sldId id="258" r:id="rId3"/>
+    <p:sldId id="419" r:id="rId4"/>
+    <p:sldId id="420" r:id="rId5"/>
+    <p:sldId id="421" r:id="rId6"/>
+    <p:sldId id="418" r:id="rId7"/>
+    <p:sldId id="272" r:id="rId8"/>
+    <p:sldId id="280" r:id="rId9"/>
   </p:sldIdLst>
   <p:sldSz cx="12192000" cy="6858000"/>
   <p:notesSz cx="6858000" cy="9144000"/>
@@ -104,7 +114,362 @@
       </a:defRPr>
     </a:lvl9pPr>
   </p:defaultTextStyle>
+  <p:extLst>
+    <p:ext uri="{EFAFB233-063F-42B5-8137-9DF3F51BA10A}">
+      <p15:sldGuideLst xmlns:p15="http://schemas.microsoft.com/office/powerpoint/2012/main"/>
+    </p:ext>
+  </p:extLst>
 </p:presentation>
+</file>
+
+<file path=ppt/notesMasters/notesMaster1.xml><?xml version="1.0" encoding="utf-8"?>
+<p:notesMaster xmlns:a="http://schemas.openxmlformats.org/drawingml/2006/main" xmlns:r="http://schemas.openxmlformats.org/officeDocument/2006/relationships" xmlns:p="http://schemas.openxmlformats.org/presentationml/2006/main">
+  <p:cSld>
+    <p:bg>
+      <p:bgRef idx="1001">
+        <a:schemeClr val="bg1"/>
+      </p:bgRef>
+    </p:bg>
+    <p:spTree>
+      <p:nvGrpSpPr>
+        <p:cNvPr id="1" name=""/>
+        <p:cNvGrpSpPr/>
+        <p:nvPr/>
+      </p:nvGrpSpPr>
+      <p:grpSpPr>
+        <a:xfrm>
+          <a:off x="0" y="0"/>
+          <a:ext cx="0" cy="0"/>
+          <a:chOff x="0" y="0"/>
+          <a:chExt cx="0" cy="0"/>
+        </a:xfrm>
+      </p:grpSpPr>
+      <p:sp>
+        <p:nvSpPr>
+          <p:cNvPr id="2" name="Header Placeholder 1"/>
+          <p:cNvSpPr>
+            <a:spLocks noGrp="1"/>
+          </p:cNvSpPr>
+          <p:nvPr>
+            <p:ph type="hdr" sz="quarter"/>
+          </p:nvPr>
+        </p:nvSpPr>
+        <p:spPr>
+          <a:xfrm>
+            <a:off x="0" y="0"/>
+            <a:ext cx="2971800" cy="458788"/>
+          </a:xfrm>
+          <a:prstGeom prst="rect">
+            <a:avLst/>
+          </a:prstGeom>
+        </p:spPr>
+        <p:txBody>
+          <a:bodyPr vert="horz" lIns="91440" tIns="45720" rIns="91440" bIns="45720" rtlCol="0"/>
+          <a:lstStyle>
+            <a:lvl1pPr algn="l">
+              <a:defRPr sz="1200"/>
+            </a:lvl1pPr>
+          </a:lstStyle>
+          <a:p>
+            <a:endParaRPr lang="en-IN"/>
+          </a:p>
+        </p:txBody>
+      </p:sp>
+      <p:sp>
+        <p:nvSpPr>
+          <p:cNvPr id="3" name="Date Placeholder 2"/>
+          <p:cNvSpPr>
+            <a:spLocks noGrp="1"/>
+          </p:cNvSpPr>
+          <p:nvPr>
+            <p:ph type="dt" idx="1"/>
+          </p:nvPr>
+        </p:nvSpPr>
+        <p:spPr>
+          <a:xfrm>
+            <a:off x="3884613" y="0"/>
+            <a:ext cx="2971800" cy="458788"/>
+          </a:xfrm>
+          <a:prstGeom prst="rect">
+            <a:avLst/>
+          </a:prstGeom>
+        </p:spPr>
+        <p:txBody>
+          <a:bodyPr vert="horz" lIns="91440" tIns="45720" rIns="91440" bIns="45720" rtlCol="0"/>
+          <a:lstStyle>
+            <a:lvl1pPr algn="r">
+              <a:defRPr sz="1200"/>
+            </a:lvl1pPr>
+          </a:lstStyle>
+          <a:p>
+            <a:fld id="{61532AF1-4615-4667-912A-829B12F8C4D2}" type="datetimeFigureOut">
+              <a:rPr lang="en-IN" smtClean="0"/>
+              <a:t>26-11-2024</a:t>
+            </a:fld>
+            <a:endParaRPr lang="en-IN"/>
+          </a:p>
+        </p:txBody>
+      </p:sp>
+      <p:sp>
+        <p:nvSpPr>
+          <p:cNvPr id="4" name="Slide Image Placeholder 3"/>
+          <p:cNvSpPr>
+            <a:spLocks noGrp="1" noRot="1" noChangeAspect="1"/>
+          </p:cNvSpPr>
+          <p:nvPr>
+            <p:ph type="sldImg" idx="2"/>
+          </p:nvPr>
+        </p:nvSpPr>
+        <p:spPr>
+          <a:xfrm>
+            <a:off x="685800" y="1143000"/>
+            <a:ext cx="5486400" cy="3086100"/>
+          </a:xfrm>
+          <a:prstGeom prst="rect">
+            <a:avLst/>
+          </a:prstGeom>
+          <a:noFill/>
+          <a:ln w="12700">
+            <a:solidFill>
+              <a:prstClr val="black"/>
+            </a:solidFill>
+          </a:ln>
+        </p:spPr>
+        <p:txBody>
+          <a:bodyPr vert="horz" lIns="91440" tIns="45720" rIns="91440" bIns="45720" rtlCol="0" anchor="ctr"/>
+          <a:lstStyle/>
+          <a:p>
+            <a:endParaRPr lang="en-IN"/>
+          </a:p>
+        </p:txBody>
+      </p:sp>
+      <p:sp>
+        <p:nvSpPr>
+          <p:cNvPr id="5" name="Notes Placeholder 4"/>
+          <p:cNvSpPr>
+            <a:spLocks noGrp="1"/>
+          </p:cNvSpPr>
+          <p:nvPr>
+            <p:ph type="body" sz="quarter" idx="3"/>
+          </p:nvPr>
+        </p:nvSpPr>
+        <p:spPr>
+          <a:xfrm>
+            <a:off x="685800" y="4400550"/>
+            <a:ext cx="5486400" cy="3600450"/>
+          </a:xfrm>
+          <a:prstGeom prst="rect">
+            <a:avLst/>
+          </a:prstGeom>
+        </p:spPr>
+        <p:txBody>
+          <a:bodyPr vert="horz" lIns="91440" tIns="45720" rIns="91440" bIns="45720" rtlCol="0"/>
+          <a:lstStyle/>
+          <a:p>
+            <a:pPr lvl="0"/>
+            <a:r>
+              <a:rPr lang="en-US"/>
+              <a:t>Click to edit Master text styles</a:t>
+            </a:r>
+          </a:p>
+          <a:p>
+            <a:pPr lvl="1"/>
+            <a:r>
+              <a:rPr lang="en-US"/>
+              <a:t>Second level</a:t>
+            </a:r>
+          </a:p>
+          <a:p>
+            <a:pPr lvl="2"/>
+            <a:r>
+              <a:rPr lang="en-US"/>
+              <a:t>Third level</a:t>
+            </a:r>
+          </a:p>
+          <a:p>
+            <a:pPr lvl="3"/>
+            <a:r>
+              <a:rPr lang="en-US"/>
+              <a:t>Fourth level</a:t>
+            </a:r>
+          </a:p>
+          <a:p>
+            <a:pPr lvl="4"/>
+            <a:r>
+              <a:rPr lang="en-US"/>
+              <a:t>Fifth level</a:t>
+            </a:r>
+            <a:endParaRPr lang="en-IN"/>
+          </a:p>
+        </p:txBody>
+      </p:sp>
+      <p:sp>
+        <p:nvSpPr>
+          <p:cNvPr id="6" name="Footer Placeholder 5"/>
+          <p:cNvSpPr>
+            <a:spLocks noGrp="1"/>
+          </p:cNvSpPr>
+          <p:nvPr>
+            <p:ph type="ftr" sz="quarter" idx="4"/>
+          </p:nvPr>
+        </p:nvSpPr>
+        <p:spPr>
+          <a:xfrm>
+            <a:off x="0" y="8685213"/>
+            <a:ext cx="2971800" cy="458787"/>
+          </a:xfrm>
+          <a:prstGeom prst="rect">
+            <a:avLst/>
+          </a:prstGeom>
+        </p:spPr>
+        <p:txBody>
+          <a:bodyPr vert="horz" lIns="91440" tIns="45720" rIns="91440" bIns="45720" rtlCol="0" anchor="b"/>
+          <a:lstStyle>
+            <a:lvl1pPr algn="l">
+              <a:defRPr sz="1200"/>
+            </a:lvl1pPr>
+          </a:lstStyle>
+          <a:p>
+            <a:endParaRPr lang="en-IN"/>
+          </a:p>
+        </p:txBody>
+      </p:sp>
+      <p:sp>
+        <p:nvSpPr>
+          <p:cNvPr id="7" name="Slide Number Placeholder 6"/>
+          <p:cNvSpPr>
+            <a:spLocks noGrp="1"/>
+          </p:cNvSpPr>
+          <p:nvPr>
+            <p:ph type="sldNum" sz="quarter" idx="5"/>
+          </p:nvPr>
+        </p:nvSpPr>
+        <p:spPr>
+          <a:xfrm>
+            <a:off x="3884613" y="8685213"/>
+            <a:ext cx="2971800" cy="458787"/>
+          </a:xfrm>
+          <a:prstGeom prst="rect">
+            <a:avLst/>
+          </a:prstGeom>
+        </p:spPr>
+        <p:txBody>
+          <a:bodyPr vert="horz" lIns="91440" tIns="45720" rIns="91440" bIns="45720" rtlCol="0" anchor="b"/>
+          <a:lstStyle>
+            <a:lvl1pPr algn="r">
+              <a:defRPr sz="1200"/>
+            </a:lvl1pPr>
+          </a:lstStyle>
+          <a:p>
+            <a:fld id="{6638A8E6-D4B7-4286-B37C-5D755B8E2CFC}" type="slidenum">
+              <a:rPr lang="en-IN" smtClean="0"/>
+              <a:t>‹#›</a:t>
+            </a:fld>
+            <a:endParaRPr lang="en-IN"/>
+          </a:p>
+        </p:txBody>
+      </p:sp>
+    </p:spTree>
+    <p:extLst>
+      <p:ext uri="{BB962C8B-B14F-4D97-AF65-F5344CB8AC3E}">
+        <p14:creationId xmlns:p14="http://schemas.microsoft.com/office/powerpoint/2010/main" val="1696485858"/>
+      </p:ext>
+    </p:extLst>
+  </p:cSld>
+  <p:clrMap bg1="lt1" tx1="dk1" bg2="lt2" tx2="dk2" accent1="accent1" accent2="accent2" accent3="accent3" accent4="accent4" accent5="accent5" accent6="accent6" hlink="hlink" folHlink="folHlink"/>
+  <p:notesStyle>
+    <a:lvl1pPr marL="0" algn="l" defTabSz="914400" rtl="0" eaLnBrk="1" latinLnBrk="0" hangingPunct="1">
+      <a:defRPr sz="1200" kern="1200">
+        <a:solidFill>
+          <a:schemeClr val="tx1"/>
+        </a:solidFill>
+        <a:latin typeface="+mn-lt"/>
+        <a:ea typeface="+mn-ea"/>
+        <a:cs typeface="+mn-cs"/>
+      </a:defRPr>
+    </a:lvl1pPr>
+    <a:lvl2pPr marL="457200" algn="l" defTabSz="914400" rtl="0" eaLnBrk="1" latinLnBrk="0" hangingPunct="1">
+      <a:defRPr sz="1200" kern="1200">
+        <a:solidFill>
+          <a:schemeClr val="tx1"/>
+        </a:solidFill>
+        <a:latin typeface="+mn-lt"/>
+        <a:ea typeface="+mn-ea"/>
+        <a:cs typeface="+mn-cs"/>
+      </a:defRPr>
+    </a:lvl2pPr>
+    <a:lvl3pPr marL="914400" algn="l" defTabSz="914400" rtl="0" eaLnBrk="1" latinLnBrk="0" hangingPunct="1">
+      <a:defRPr sz="1200" kern="1200">
+        <a:solidFill>
+          <a:schemeClr val="tx1"/>
+        </a:solidFill>
+        <a:latin typeface="+mn-lt"/>
+        <a:ea typeface="+mn-ea"/>
+        <a:cs typeface="+mn-cs"/>
+      </a:defRPr>
+    </a:lvl3pPr>
+    <a:lvl4pPr marL="1371600" algn="l" defTabSz="914400" rtl="0" eaLnBrk="1" latinLnBrk="0" hangingPunct="1">
+      <a:defRPr sz="1200" kern="1200">
+        <a:solidFill>
+          <a:schemeClr val="tx1"/>
+        </a:solidFill>
+        <a:latin typeface="+mn-lt"/>
+        <a:ea typeface="+mn-ea"/>
+        <a:cs typeface="+mn-cs"/>
+      </a:defRPr>
+    </a:lvl4pPr>
+    <a:lvl5pPr marL="1828800" algn="l" defTabSz="914400" rtl="0" eaLnBrk="1" latinLnBrk="0" hangingPunct="1">
+      <a:defRPr sz="1200" kern="1200">
+        <a:solidFill>
+          <a:schemeClr val="tx1"/>
+        </a:solidFill>
+        <a:latin typeface="+mn-lt"/>
+        <a:ea typeface="+mn-ea"/>
+        <a:cs typeface="+mn-cs"/>
+      </a:defRPr>
+    </a:lvl5pPr>
+    <a:lvl6pPr marL="2286000" algn="l" defTabSz="914400" rtl="0" eaLnBrk="1" latinLnBrk="0" hangingPunct="1">
+      <a:defRPr sz="1200" kern="1200">
+        <a:solidFill>
+          <a:schemeClr val="tx1"/>
+        </a:solidFill>
+        <a:latin typeface="+mn-lt"/>
+        <a:ea typeface="+mn-ea"/>
+        <a:cs typeface="+mn-cs"/>
+      </a:defRPr>
+    </a:lvl6pPr>
+    <a:lvl7pPr marL="2743200" algn="l" defTabSz="914400" rtl="0" eaLnBrk="1" latinLnBrk="0" hangingPunct="1">
+      <a:defRPr sz="1200" kern="1200">
+        <a:solidFill>
+          <a:schemeClr val="tx1"/>
+        </a:solidFill>
+        <a:latin typeface="+mn-lt"/>
+        <a:ea typeface="+mn-ea"/>
+        <a:cs typeface="+mn-cs"/>
+      </a:defRPr>
+    </a:lvl7pPr>
+    <a:lvl8pPr marL="3200400" algn="l" defTabSz="914400" rtl="0" eaLnBrk="1" latinLnBrk="0" hangingPunct="1">
+      <a:defRPr sz="1200" kern="1200">
+        <a:solidFill>
+          <a:schemeClr val="tx1"/>
+        </a:solidFill>
+        <a:latin typeface="+mn-lt"/>
+        <a:ea typeface="+mn-ea"/>
+        <a:cs typeface="+mn-cs"/>
+      </a:defRPr>
+    </a:lvl8pPr>
+    <a:lvl9pPr marL="3657600" algn="l" defTabSz="914400" rtl="0" eaLnBrk="1" latinLnBrk="0" hangingPunct="1">
+      <a:defRPr sz="1200" kern="1200">
+        <a:solidFill>
+          <a:schemeClr val="tx1"/>
+        </a:solidFill>
+        <a:latin typeface="+mn-lt"/>
+        <a:ea typeface="+mn-ea"/>
+        <a:cs typeface="+mn-cs"/>
+      </a:defRPr>
+    </a:lvl9pPr>
+  </p:notesStyle>
+</p:notesMaster>
 </file>
 
 <file path=ppt/slideLayouts/slideLayout1.xml><?xml version="1.0" encoding="utf-8"?>
@@ -129,7 +494,7 @@
           <p:cNvPr id="2" name="Title 1">
             <a:extLst>
               <a:ext uri="{FF2B5EF4-FFF2-40B4-BE49-F238E27FC236}">
-                <a16:creationId xmlns:a16="http://schemas.microsoft.com/office/drawing/2014/main" id="{216A3471-8504-DDC8-3578-6F0D6448043A}"/>
+                <a16:creationId xmlns:a16="http://schemas.microsoft.com/office/drawing/2014/main" id="{D21058BF-C5E1-4B52-BD8A-FD1AD5779347}"/>
               </a:ext>
             </a:extLst>
           </p:cNvPr>
@@ -150,7 +515,7 @@
           <a:bodyPr anchor="b"/>
           <a:lstStyle>
             <a:lvl1pPr algn="ctr">
-              <a:defRPr sz="6000"/>
+              <a:defRPr sz="5400"/>
             </a:lvl1pPr>
           </a:lstStyle>
           <a:p>
@@ -158,7 +523,7 @@
               <a:rPr lang="en-US"/>
               <a:t>Click to edit Master title style</a:t>
             </a:r>
-            <a:endParaRPr lang="en-IN"/>
+            <a:endParaRPr lang="en-US" dirty="0"/>
           </a:p>
         </p:txBody>
       </p:sp>
@@ -167,7 +532,7 @@
           <p:cNvPr id="3" name="Subtitle 2">
             <a:extLst>
               <a:ext uri="{FF2B5EF4-FFF2-40B4-BE49-F238E27FC236}">
-                <a16:creationId xmlns:a16="http://schemas.microsoft.com/office/drawing/2014/main" id="{6E89ECDF-869B-FAFA-A127-2632578D11DF}"/>
+                <a16:creationId xmlns:a16="http://schemas.microsoft.com/office/drawing/2014/main" id="{DFCD51F7-3CC3-4BB7-8291-B1789482E863}"/>
               </a:ext>
             </a:extLst>
           </p:cNvPr>
@@ -229,7 +594,7 @@
               <a:rPr lang="en-US"/>
               <a:t>Click to edit Master subtitle style</a:t>
             </a:r>
-            <a:endParaRPr lang="en-IN"/>
+            <a:endParaRPr lang="en-US" dirty="0"/>
           </a:p>
         </p:txBody>
       </p:sp>
@@ -238,7 +603,7 @@
           <p:cNvPr id="4" name="Date Placeholder 3">
             <a:extLst>
               <a:ext uri="{FF2B5EF4-FFF2-40B4-BE49-F238E27FC236}">
-                <a16:creationId xmlns:a16="http://schemas.microsoft.com/office/drawing/2014/main" id="{A83DE708-E008-99EC-D84F-2262FE3B2DFE}"/>
+                <a16:creationId xmlns:a16="http://schemas.microsoft.com/office/drawing/2014/main" id="{FD320447-D6C7-43E1-AE88-1FB66CC9C55E}"/>
               </a:ext>
             </a:extLst>
           </p:cNvPr>
@@ -254,11 +619,11 @@
           <a:bodyPr/>
           <a:lstStyle/>
           <a:p>
-            <a:fld id="{402317F5-0B40-499A-8D26-40DCCF708FF1}" type="datetimeFigureOut">
-              <a:rPr lang="en-IN" smtClean="0"/>
-              <a:t>25-11-2024</a:t>
+            <a:fld id="{C43A76A3-ADC8-4477-8FC1-B9DD55D84908}" type="datetime1">
+              <a:rPr lang="en-US" smtClean="0"/>
+              <a:t>11/26/2024</a:t>
             </a:fld>
-            <a:endParaRPr lang="en-IN"/>
+            <a:endParaRPr lang="en-US" dirty="0"/>
           </a:p>
         </p:txBody>
       </p:sp>
@@ -267,7 +632,7 @@
           <p:cNvPr id="5" name="Footer Placeholder 4">
             <a:extLst>
               <a:ext uri="{FF2B5EF4-FFF2-40B4-BE49-F238E27FC236}">
-                <a16:creationId xmlns:a16="http://schemas.microsoft.com/office/drawing/2014/main" id="{C869130E-6E58-3F56-92FA-EFA8F606CC45}"/>
+                <a16:creationId xmlns:a16="http://schemas.microsoft.com/office/drawing/2014/main" id="{6F5E17B6-E7FC-473A-8D5F-0E6B838EA754}"/>
               </a:ext>
             </a:extLst>
           </p:cNvPr>
@@ -283,7 +648,7 @@
           <a:bodyPr/>
           <a:lstStyle/>
           <a:p>
-            <a:endParaRPr lang="en-IN"/>
+            <a:endParaRPr lang="en-US"/>
           </a:p>
         </p:txBody>
       </p:sp>
@@ -292,7 +657,7 @@
           <p:cNvPr id="6" name="Slide Number Placeholder 5">
             <a:extLst>
               <a:ext uri="{FF2B5EF4-FFF2-40B4-BE49-F238E27FC236}">
-                <a16:creationId xmlns:a16="http://schemas.microsoft.com/office/drawing/2014/main" id="{C27057DA-449D-0546-92CA-62E564BEFB4F}"/>
+                <a16:creationId xmlns:a16="http://schemas.microsoft.com/office/drawing/2014/main" id="{464AF4E0-FDDB-42B9-862C-7BBC501CDAC5}"/>
               </a:ext>
             </a:extLst>
           </p:cNvPr>
@@ -308,18 +673,18 @@
           <a:bodyPr/>
           <a:lstStyle/>
           <a:p>
-            <a:fld id="{B755A68C-27A5-4CD7-A397-4104F4756096}" type="slidenum">
-              <a:rPr lang="en-IN" smtClean="0"/>
+            <a:fld id="{35747434-7036-48DB-A148-6B3D8EE75CDA}" type="slidenum">
+              <a:rPr lang="en-US" smtClean="0"/>
               <a:t>‹#›</a:t>
             </a:fld>
-            <a:endParaRPr lang="en-IN"/>
+            <a:endParaRPr lang="en-US" dirty="0"/>
           </a:p>
         </p:txBody>
       </p:sp>
     </p:spTree>
     <p:extLst>
       <p:ext uri="{BB962C8B-B14F-4D97-AF65-F5344CB8AC3E}">
-        <p14:creationId xmlns:p14="http://schemas.microsoft.com/office/powerpoint/2010/main" val="2309423315"/>
+        <p14:creationId xmlns:p14="http://schemas.microsoft.com/office/powerpoint/2010/main" val="4235523077"/>
       </p:ext>
     </p:extLst>
   </p:cSld>
@@ -351,7 +716,7 @@
           <p:cNvPr id="2" name="Title 1">
             <a:extLst>
               <a:ext uri="{FF2B5EF4-FFF2-40B4-BE49-F238E27FC236}">
-                <a16:creationId xmlns:a16="http://schemas.microsoft.com/office/drawing/2014/main" id="{03C6A1A6-D226-821B-BA4D-5A7063DDB1F2}"/>
+                <a16:creationId xmlns:a16="http://schemas.microsoft.com/office/drawing/2014/main" id="{4D8E922F-6166-4009-A42D-027DC7180715}"/>
               </a:ext>
             </a:extLst>
           </p:cNvPr>
@@ -371,7 +736,6 @@
               <a:rPr lang="en-US"/>
               <a:t>Click to edit Master title style</a:t>
             </a:r>
-            <a:endParaRPr lang="en-IN"/>
           </a:p>
         </p:txBody>
       </p:sp>
@@ -380,7 +744,7 @@
           <p:cNvPr id="3" name="Vertical Text Placeholder 2">
             <a:extLst>
               <a:ext uri="{FF2B5EF4-FFF2-40B4-BE49-F238E27FC236}">
-                <a16:creationId xmlns:a16="http://schemas.microsoft.com/office/drawing/2014/main" id="{89476541-C731-0727-4829-E4268AA6F3EC}"/>
+                <a16:creationId xmlns:a16="http://schemas.microsoft.com/office/drawing/2014/main" id="{FF7791CF-167D-446D-9F99-6976C986E2FB}"/>
               </a:ext>
             </a:extLst>
           </p:cNvPr>
@@ -429,7 +793,6 @@
               <a:rPr lang="en-US"/>
               <a:t>Fifth level</a:t>
             </a:r>
-            <a:endParaRPr lang="en-IN"/>
           </a:p>
         </p:txBody>
       </p:sp>
@@ -438,7 +801,7 @@
           <p:cNvPr id="4" name="Date Placeholder 3">
             <a:extLst>
               <a:ext uri="{FF2B5EF4-FFF2-40B4-BE49-F238E27FC236}">
-                <a16:creationId xmlns:a16="http://schemas.microsoft.com/office/drawing/2014/main" id="{496525DB-2453-6E41-9C1F-B601B4A0714D}"/>
+                <a16:creationId xmlns:a16="http://schemas.microsoft.com/office/drawing/2014/main" id="{D83CA422-E040-4DE1-9DA5-C8D37C116A7B}"/>
               </a:ext>
             </a:extLst>
           </p:cNvPr>
@@ -454,11 +817,11 @@
           <a:bodyPr/>
           <a:lstStyle/>
           <a:p>
-            <a:fld id="{402317F5-0B40-499A-8D26-40DCCF708FF1}" type="datetimeFigureOut">
-              <a:rPr lang="en-IN" smtClean="0"/>
-              <a:t>25-11-2024</a:t>
+            <a:fld id="{D6762538-DC4D-4667-96E5-B3278DDF8B12}" type="datetime1">
+              <a:rPr lang="en-US" smtClean="0"/>
+              <a:t>11/26/2024</a:t>
             </a:fld>
-            <a:endParaRPr lang="en-IN"/>
+            <a:endParaRPr lang="en-US"/>
           </a:p>
         </p:txBody>
       </p:sp>
@@ -467,7 +830,7 @@
           <p:cNvPr id="5" name="Footer Placeholder 4">
             <a:extLst>
               <a:ext uri="{FF2B5EF4-FFF2-40B4-BE49-F238E27FC236}">
-                <a16:creationId xmlns:a16="http://schemas.microsoft.com/office/drawing/2014/main" id="{A71A7A79-04B6-3C9A-1D32-02B82BAA3E86}"/>
+                <a16:creationId xmlns:a16="http://schemas.microsoft.com/office/drawing/2014/main" id="{6C813B0B-60E7-494E-91CB-055BC26906BC}"/>
               </a:ext>
             </a:extLst>
           </p:cNvPr>
@@ -483,7 +846,7 @@
           <a:bodyPr/>
           <a:lstStyle/>
           <a:p>
-            <a:endParaRPr lang="en-IN"/>
+            <a:endParaRPr lang="en-US"/>
           </a:p>
         </p:txBody>
       </p:sp>
@@ -492,7 +855,7 @@
           <p:cNvPr id="6" name="Slide Number Placeholder 5">
             <a:extLst>
               <a:ext uri="{FF2B5EF4-FFF2-40B4-BE49-F238E27FC236}">
-                <a16:creationId xmlns:a16="http://schemas.microsoft.com/office/drawing/2014/main" id="{4F5EB039-5693-1D9A-A1A6-61DB80CA4DC5}"/>
+                <a16:creationId xmlns:a16="http://schemas.microsoft.com/office/drawing/2014/main" id="{7B48C554-7C1B-4D8F-9B6B-04492656904B}"/>
               </a:ext>
             </a:extLst>
           </p:cNvPr>
@@ -508,18 +871,18 @@
           <a:bodyPr/>
           <a:lstStyle/>
           <a:p>
-            <a:fld id="{B755A68C-27A5-4CD7-A397-4104F4756096}" type="slidenum">
-              <a:rPr lang="en-IN" smtClean="0"/>
+            <a:fld id="{35747434-7036-48DB-A148-6B3D8EE75CDA}" type="slidenum">
+              <a:rPr lang="en-US" smtClean="0"/>
               <a:t>‹#›</a:t>
             </a:fld>
-            <a:endParaRPr lang="en-IN"/>
+            <a:endParaRPr lang="en-US"/>
           </a:p>
         </p:txBody>
       </p:sp>
     </p:spTree>
     <p:extLst>
       <p:ext uri="{BB962C8B-B14F-4D97-AF65-F5344CB8AC3E}">
-        <p14:creationId xmlns:p14="http://schemas.microsoft.com/office/powerpoint/2010/main" val="2027839160"/>
+        <p14:creationId xmlns:p14="http://schemas.microsoft.com/office/powerpoint/2010/main" val="4000035740"/>
       </p:ext>
     </p:extLst>
   </p:cSld>
@@ -551,7 +914,7 @@
           <p:cNvPr id="2" name="Vertical Title 1">
             <a:extLst>
               <a:ext uri="{FF2B5EF4-FFF2-40B4-BE49-F238E27FC236}">
-                <a16:creationId xmlns:a16="http://schemas.microsoft.com/office/drawing/2014/main" id="{21D3902E-EBC4-B40D-8EC3-34A264A547B7}"/>
+                <a16:creationId xmlns:a16="http://schemas.microsoft.com/office/drawing/2014/main" id="{EEC66EF0-6ED8-49A7-BDAD-E20A143FAEAC}"/>
               </a:ext>
             </a:extLst>
           </p:cNvPr>
@@ -576,7 +939,6 @@
               <a:rPr lang="en-US"/>
               <a:t>Click to edit Master title style</a:t>
             </a:r>
-            <a:endParaRPr lang="en-IN"/>
           </a:p>
         </p:txBody>
       </p:sp>
@@ -585,7 +947,7 @@
           <p:cNvPr id="3" name="Vertical Text Placeholder 2">
             <a:extLst>
               <a:ext uri="{FF2B5EF4-FFF2-40B4-BE49-F238E27FC236}">
-                <a16:creationId xmlns:a16="http://schemas.microsoft.com/office/drawing/2014/main" id="{AC1A3BC2-DC42-22D0-FCE9-61545BFC78E3}"/>
+                <a16:creationId xmlns:a16="http://schemas.microsoft.com/office/drawing/2014/main" id="{90FCE9CD-90A9-44BA-B293-0662E077DDE9}"/>
               </a:ext>
             </a:extLst>
           </p:cNvPr>
@@ -639,7 +1001,6 @@
               <a:rPr lang="en-US"/>
               <a:t>Fifth level</a:t>
             </a:r>
-            <a:endParaRPr lang="en-IN"/>
           </a:p>
         </p:txBody>
       </p:sp>
@@ -648,7 +1009,7 @@
           <p:cNvPr id="4" name="Date Placeholder 3">
             <a:extLst>
               <a:ext uri="{FF2B5EF4-FFF2-40B4-BE49-F238E27FC236}">
-                <a16:creationId xmlns:a16="http://schemas.microsoft.com/office/drawing/2014/main" id="{75D10B61-F46F-4026-3DAE-61FEF74BD829}"/>
+                <a16:creationId xmlns:a16="http://schemas.microsoft.com/office/drawing/2014/main" id="{0857DAE0-05C4-460B-B96D-BD183ED030C4}"/>
               </a:ext>
             </a:extLst>
           </p:cNvPr>
@@ -664,11 +1025,11 @@
           <a:bodyPr/>
           <a:lstStyle/>
           <a:p>
-            <a:fld id="{402317F5-0B40-499A-8D26-40DCCF708FF1}" type="datetimeFigureOut">
-              <a:rPr lang="en-IN" smtClean="0"/>
-              <a:t>25-11-2024</a:t>
+            <a:fld id="{05880548-5C08-4BE3-B63E-F2BB63B0B00C}" type="datetime1">
+              <a:rPr lang="en-US" smtClean="0"/>
+              <a:t>11/26/2024</a:t>
             </a:fld>
-            <a:endParaRPr lang="en-IN"/>
+            <a:endParaRPr lang="en-US"/>
           </a:p>
         </p:txBody>
       </p:sp>
@@ -677,7 +1038,7 @@
           <p:cNvPr id="5" name="Footer Placeholder 4">
             <a:extLst>
               <a:ext uri="{FF2B5EF4-FFF2-40B4-BE49-F238E27FC236}">
-                <a16:creationId xmlns:a16="http://schemas.microsoft.com/office/drawing/2014/main" id="{CF12E3CE-C3A5-F20B-37CC-4B5841F471C7}"/>
+                <a16:creationId xmlns:a16="http://schemas.microsoft.com/office/drawing/2014/main" id="{33B3CA93-55C9-4AA3-89A0-55490F745B11}"/>
               </a:ext>
             </a:extLst>
           </p:cNvPr>
@@ -693,7 +1054,7 @@
           <a:bodyPr/>
           <a:lstStyle/>
           <a:p>
-            <a:endParaRPr lang="en-IN"/>
+            <a:endParaRPr lang="en-US"/>
           </a:p>
         </p:txBody>
       </p:sp>
@@ -702,7 +1063,7 @@
           <p:cNvPr id="6" name="Slide Number Placeholder 5">
             <a:extLst>
               <a:ext uri="{FF2B5EF4-FFF2-40B4-BE49-F238E27FC236}">
-                <a16:creationId xmlns:a16="http://schemas.microsoft.com/office/drawing/2014/main" id="{79F49B9D-32E5-D60D-9321-07A559672335}"/>
+                <a16:creationId xmlns:a16="http://schemas.microsoft.com/office/drawing/2014/main" id="{46BFD820-FF26-4325-816F-310C30F80ACC}"/>
               </a:ext>
             </a:extLst>
           </p:cNvPr>
@@ -718,18 +1079,18 @@
           <a:bodyPr/>
           <a:lstStyle/>
           <a:p>
-            <a:fld id="{B755A68C-27A5-4CD7-A397-4104F4756096}" type="slidenum">
-              <a:rPr lang="en-IN" smtClean="0"/>
+            <a:fld id="{35747434-7036-48DB-A148-6B3D8EE75CDA}" type="slidenum">
+              <a:rPr lang="en-US" smtClean="0"/>
               <a:t>‹#›</a:t>
             </a:fld>
-            <a:endParaRPr lang="en-IN"/>
+            <a:endParaRPr lang="en-US"/>
           </a:p>
         </p:txBody>
       </p:sp>
     </p:spTree>
     <p:extLst>
       <p:ext uri="{BB962C8B-B14F-4D97-AF65-F5344CB8AC3E}">
-        <p14:creationId xmlns:p14="http://schemas.microsoft.com/office/powerpoint/2010/main" val="3279455411"/>
+        <p14:creationId xmlns:p14="http://schemas.microsoft.com/office/powerpoint/2010/main" val="2638599161"/>
       </p:ext>
     </p:extLst>
   </p:cSld>
@@ -761,7 +1122,7 @@
           <p:cNvPr id="2" name="Title 1">
             <a:extLst>
               <a:ext uri="{FF2B5EF4-FFF2-40B4-BE49-F238E27FC236}">
-                <a16:creationId xmlns:a16="http://schemas.microsoft.com/office/drawing/2014/main" id="{586CB04D-1C53-2BEC-9359-C90FABBF22B3}"/>
+                <a16:creationId xmlns:a16="http://schemas.microsoft.com/office/drawing/2014/main" id="{3B1736C8-0B4F-4655-A630-0B1D2540B7DD}"/>
               </a:ext>
             </a:extLst>
           </p:cNvPr>
@@ -781,7 +1142,6 @@
               <a:rPr lang="en-US"/>
               <a:t>Click to edit Master title style</a:t>
             </a:r>
-            <a:endParaRPr lang="en-IN"/>
           </a:p>
         </p:txBody>
       </p:sp>
@@ -790,7 +1150,7 @@
           <p:cNvPr id="3" name="Content Placeholder 2">
             <a:extLst>
               <a:ext uri="{FF2B5EF4-FFF2-40B4-BE49-F238E27FC236}">
-                <a16:creationId xmlns:a16="http://schemas.microsoft.com/office/drawing/2014/main" id="{2FAA7C36-868F-79A2-3B53-0496EE3E4FE7}"/>
+                <a16:creationId xmlns:a16="http://schemas.microsoft.com/office/drawing/2014/main" id="{5378B888-85E0-4D92-903E-C3FE7E870DE7}"/>
               </a:ext>
             </a:extLst>
           </p:cNvPr>
@@ -839,7 +1199,6 @@
               <a:rPr lang="en-US"/>
               <a:t>Fifth level</a:t>
             </a:r>
-            <a:endParaRPr lang="en-IN"/>
           </a:p>
         </p:txBody>
       </p:sp>
@@ -848,7 +1207,7 @@
           <p:cNvPr id="4" name="Date Placeholder 3">
             <a:extLst>
               <a:ext uri="{FF2B5EF4-FFF2-40B4-BE49-F238E27FC236}">
-                <a16:creationId xmlns:a16="http://schemas.microsoft.com/office/drawing/2014/main" id="{9819B8C8-6F5C-843A-3100-14E1C864E2A1}"/>
+                <a16:creationId xmlns:a16="http://schemas.microsoft.com/office/drawing/2014/main" id="{FC648916-250B-4232-BD7D-571FDE79F5E7}"/>
               </a:ext>
             </a:extLst>
           </p:cNvPr>
@@ -864,11 +1223,11 @@
           <a:bodyPr/>
           <a:lstStyle/>
           <a:p>
-            <a:fld id="{402317F5-0B40-499A-8D26-40DCCF708FF1}" type="datetimeFigureOut">
-              <a:rPr lang="en-IN" smtClean="0"/>
-              <a:t>25-11-2024</a:t>
+            <a:fld id="{DE7F49BE-398D-479A-8A7E-5DDBCA61EDCB}" type="datetime1">
+              <a:rPr lang="en-US" smtClean="0"/>
+              <a:t>11/26/2024</a:t>
             </a:fld>
-            <a:endParaRPr lang="en-IN"/>
+            <a:endParaRPr lang="en-US" dirty="0"/>
           </a:p>
         </p:txBody>
       </p:sp>
@@ -877,7 +1236,7 @@
           <p:cNvPr id="5" name="Footer Placeholder 4">
             <a:extLst>
               <a:ext uri="{FF2B5EF4-FFF2-40B4-BE49-F238E27FC236}">
-                <a16:creationId xmlns:a16="http://schemas.microsoft.com/office/drawing/2014/main" id="{16DC0212-DB89-25D2-F63E-6F8A036DAD31}"/>
+                <a16:creationId xmlns:a16="http://schemas.microsoft.com/office/drawing/2014/main" id="{B6A8BFB4-647C-4104-B6D4-3346051C36D4}"/>
               </a:ext>
             </a:extLst>
           </p:cNvPr>
@@ -893,7 +1252,7 @@
           <a:bodyPr/>
           <a:lstStyle/>
           <a:p>
-            <a:endParaRPr lang="en-IN"/>
+            <a:endParaRPr lang="en-US"/>
           </a:p>
         </p:txBody>
       </p:sp>
@@ -902,7 +1261,7 @@
           <p:cNvPr id="6" name="Slide Number Placeholder 5">
             <a:extLst>
               <a:ext uri="{FF2B5EF4-FFF2-40B4-BE49-F238E27FC236}">
-                <a16:creationId xmlns:a16="http://schemas.microsoft.com/office/drawing/2014/main" id="{62D23C46-C3B6-80ED-0B76-A58EEC739253}"/>
+                <a16:creationId xmlns:a16="http://schemas.microsoft.com/office/drawing/2014/main" id="{2E0FA73F-2BE8-4370-AE90-58F4CE51FC51}"/>
               </a:ext>
             </a:extLst>
           </p:cNvPr>
@@ -918,18 +1277,18 @@
           <a:bodyPr/>
           <a:lstStyle/>
           <a:p>
-            <a:fld id="{B755A68C-27A5-4CD7-A397-4104F4756096}" type="slidenum">
-              <a:rPr lang="en-IN" smtClean="0"/>
+            <a:fld id="{35747434-7036-48DB-A148-6B3D8EE75CDA}" type="slidenum">
+              <a:rPr lang="en-US" smtClean="0"/>
               <a:t>‹#›</a:t>
             </a:fld>
-            <a:endParaRPr lang="en-IN"/>
+            <a:endParaRPr lang="en-US"/>
           </a:p>
         </p:txBody>
       </p:sp>
     </p:spTree>
     <p:extLst>
       <p:ext uri="{BB962C8B-B14F-4D97-AF65-F5344CB8AC3E}">
-        <p14:creationId xmlns:p14="http://schemas.microsoft.com/office/powerpoint/2010/main" val="3030032535"/>
+        <p14:creationId xmlns:p14="http://schemas.microsoft.com/office/powerpoint/2010/main" val="3012027074"/>
       </p:ext>
     </p:extLst>
   </p:cSld>
@@ -961,7 +1320,7 @@
           <p:cNvPr id="2" name="Title 1">
             <a:extLst>
               <a:ext uri="{FF2B5EF4-FFF2-40B4-BE49-F238E27FC236}">
-                <a16:creationId xmlns:a16="http://schemas.microsoft.com/office/drawing/2014/main" id="{7643F032-FB12-7C02-F276-A49AF9789DE3}"/>
+                <a16:creationId xmlns:a16="http://schemas.microsoft.com/office/drawing/2014/main" id="{A9B1446D-9FAC-4157-A41A-51675C8BE929}"/>
               </a:ext>
             </a:extLst>
           </p:cNvPr>
@@ -974,15 +1333,17 @@
         </p:nvSpPr>
         <p:spPr>
           <a:xfrm>
-            <a:off x="831850" y="1709738"/>
-            <a:ext cx="10515600" cy="2852737"/>
+            <a:off x="777240" y="1709738"/>
+            <a:ext cx="10570210" cy="2758895"/>
           </a:xfrm>
         </p:spPr>
         <p:txBody>
-          <a:bodyPr anchor="b"/>
+          <a:bodyPr anchor="b">
+            <a:normAutofit/>
+          </a:bodyPr>
           <a:lstStyle>
             <a:lvl1pPr>
-              <a:defRPr sz="6000"/>
+              <a:defRPr sz="5400"/>
             </a:lvl1pPr>
           </a:lstStyle>
           <a:p>
@@ -990,7 +1351,7 @@
               <a:rPr lang="en-US"/>
               <a:t>Click to edit Master title style</a:t>
             </a:r>
-            <a:endParaRPr lang="en-IN"/>
+            <a:endParaRPr lang="en-US" dirty="0"/>
           </a:p>
         </p:txBody>
       </p:sp>
@@ -999,7 +1360,7 @@
           <p:cNvPr id="3" name="Text Placeholder 2">
             <a:extLst>
               <a:ext uri="{FF2B5EF4-FFF2-40B4-BE49-F238E27FC236}">
-                <a16:creationId xmlns:a16="http://schemas.microsoft.com/office/drawing/2014/main" id="{AA88CE3A-97D3-68DD-1B53-A896348B444D}"/>
+                <a16:creationId xmlns:a16="http://schemas.microsoft.com/office/drawing/2014/main" id="{92AF8D4A-8F93-4399-9546-64F286400D24}"/>
               </a:ext>
             </a:extLst>
           </p:cNvPr>
@@ -1012,8 +1373,8 @@
         </p:nvSpPr>
         <p:spPr>
           <a:xfrm>
-            <a:off x="831850" y="4589463"/>
-            <a:ext cx="10515600" cy="1500187"/>
+            <a:off x="777240" y="4589463"/>
+            <a:ext cx="10570210" cy="1500187"/>
           </a:xfrm>
         </p:spPr>
         <p:txBody>
@@ -1023,9 +1384,7 @@
               <a:buNone/>
               <a:defRPr sz="2400">
                 <a:solidFill>
-                  <a:schemeClr val="tx1">
-                    <a:tint val="82000"/>
-                  </a:schemeClr>
+                  <a:schemeClr val="tx2"/>
                 </a:solidFill>
               </a:defRPr>
             </a:lvl1pPr>
@@ -1034,7 +1393,7 @@
               <a:defRPr sz="2000">
                 <a:solidFill>
                   <a:schemeClr val="tx1">
-                    <a:tint val="82000"/>
+                    <a:tint val="75000"/>
                   </a:schemeClr>
                 </a:solidFill>
               </a:defRPr>
@@ -1044,7 +1403,7 @@
               <a:defRPr sz="1800">
                 <a:solidFill>
                   <a:schemeClr val="tx1">
-                    <a:tint val="82000"/>
+                    <a:tint val="75000"/>
                   </a:schemeClr>
                 </a:solidFill>
               </a:defRPr>
@@ -1054,7 +1413,7 @@
               <a:defRPr sz="1600">
                 <a:solidFill>
                   <a:schemeClr val="tx1">
-                    <a:tint val="82000"/>
+                    <a:tint val="75000"/>
                   </a:schemeClr>
                 </a:solidFill>
               </a:defRPr>
@@ -1064,7 +1423,7 @@
               <a:defRPr sz="1600">
                 <a:solidFill>
                   <a:schemeClr val="tx1">
-                    <a:tint val="82000"/>
+                    <a:tint val="75000"/>
                   </a:schemeClr>
                 </a:solidFill>
               </a:defRPr>
@@ -1074,7 +1433,7 @@
               <a:defRPr sz="1600">
                 <a:solidFill>
                   <a:schemeClr val="tx1">
-                    <a:tint val="82000"/>
+                    <a:tint val="75000"/>
                   </a:schemeClr>
                 </a:solidFill>
               </a:defRPr>
@@ -1084,7 +1443,7 @@
               <a:defRPr sz="1600">
                 <a:solidFill>
                   <a:schemeClr val="tx1">
-                    <a:tint val="82000"/>
+                    <a:tint val="75000"/>
                   </a:schemeClr>
                 </a:solidFill>
               </a:defRPr>
@@ -1094,7 +1453,7 @@
               <a:defRPr sz="1600">
                 <a:solidFill>
                   <a:schemeClr val="tx1">
-                    <a:tint val="82000"/>
+                    <a:tint val="75000"/>
                   </a:schemeClr>
                 </a:solidFill>
               </a:defRPr>
@@ -1104,7 +1463,7 @@
               <a:defRPr sz="1600">
                 <a:solidFill>
                   <a:schemeClr val="tx1">
-                    <a:tint val="82000"/>
+                    <a:tint val="75000"/>
                   </a:schemeClr>
                 </a:solidFill>
               </a:defRPr>
@@ -1124,7 +1483,7 @@
           <p:cNvPr id="4" name="Date Placeholder 3">
             <a:extLst>
               <a:ext uri="{FF2B5EF4-FFF2-40B4-BE49-F238E27FC236}">
-                <a16:creationId xmlns:a16="http://schemas.microsoft.com/office/drawing/2014/main" id="{574CA491-A6FD-B55D-5BDB-69A0039747AB}"/>
+                <a16:creationId xmlns:a16="http://schemas.microsoft.com/office/drawing/2014/main" id="{819C2FD4-BF96-470C-8247-20DFAE1CF870}"/>
               </a:ext>
             </a:extLst>
           </p:cNvPr>
@@ -1140,11 +1499,11 @@
           <a:bodyPr/>
           <a:lstStyle/>
           <a:p>
-            <a:fld id="{402317F5-0B40-499A-8D26-40DCCF708FF1}" type="datetimeFigureOut">
-              <a:rPr lang="en-IN" smtClean="0"/>
-              <a:t>25-11-2024</a:t>
+            <a:fld id="{CCD0C193-4974-4A1F-9C63-07D595E30D66}" type="datetime1">
+              <a:rPr lang="en-US" smtClean="0"/>
+              <a:t>11/26/2024</a:t>
             </a:fld>
-            <a:endParaRPr lang="en-IN"/>
+            <a:endParaRPr lang="en-US"/>
           </a:p>
         </p:txBody>
       </p:sp>
@@ -1153,7 +1512,7 @@
           <p:cNvPr id="5" name="Footer Placeholder 4">
             <a:extLst>
               <a:ext uri="{FF2B5EF4-FFF2-40B4-BE49-F238E27FC236}">
-                <a16:creationId xmlns:a16="http://schemas.microsoft.com/office/drawing/2014/main" id="{63728DD4-7FE6-39C1-A7F6-369EFD04D174}"/>
+                <a16:creationId xmlns:a16="http://schemas.microsoft.com/office/drawing/2014/main" id="{27175A2D-86C4-4467-BAB8-E9ED004D2C8B}"/>
               </a:ext>
             </a:extLst>
           </p:cNvPr>
@@ -1169,7 +1528,7 @@
           <a:bodyPr/>
           <a:lstStyle/>
           <a:p>
-            <a:endParaRPr lang="en-IN"/>
+            <a:endParaRPr lang="en-US"/>
           </a:p>
         </p:txBody>
       </p:sp>
@@ -1178,7 +1537,7 @@
           <p:cNvPr id="6" name="Slide Number Placeholder 5">
             <a:extLst>
               <a:ext uri="{FF2B5EF4-FFF2-40B4-BE49-F238E27FC236}">
-                <a16:creationId xmlns:a16="http://schemas.microsoft.com/office/drawing/2014/main" id="{6E8041ED-8C7D-1404-C713-97E0B4C83CAE}"/>
+                <a16:creationId xmlns:a16="http://schemas.microsoft.com/office/drawing/2014/main" id="{DE442A4D-D9B2-4C82-95E4-B86F9F5F3802}"/>
               </a:ext>
             </a:extLst>
           </p:cNvPr>
@@ -1194,18 +1553,18 @@
           <a:bodyPr/>
           <a:lstStyle/>
           <a:p>
-            <a:fld id="{B755A68C-27A5-4CD7-A397-4104F4756096}" type="slidenum">
-              <a:rPr lang="en-IN" smtClean="0"/>
+            <a:fld id="{35747434-7036-48DB-A148-6B3D8EE75CDA}" type="slidenum">
+              <a:rPr lang="en-US" smtClean="0"/>
               <a:t>‹#›</a:t>
             </a:fld>
-            <a:endParaRPr lang="en-IN"/>
+            <a:endParaRPr lang="en-US"/>
           </a:p>
         </p:txBody>
       </p:sp>
     </p:spTree>
     <p:extLst>
       <p:ext uri="{BB962C8B-B14F-4D97-AF65-F5344CB8AC3E}">
-        <p14:creationId xmlns:p14="http://schemas.microsoft.com/office/powerpoint/2010/main" val="1452782093"/>
+        <p14:creationId xmlns:p14="http://schemas.microsoft.com/office/powerpoint/2010/main" val="1210474837"/>
       </p:ext>
     </p:extLst>
   </p:cSld>
@@ -1237,7 +1596,7 @@
           <p:cNvPr id="2" name="Title 1">
             <a:extLst>
               <a:ext uri="{FF2B5EF4-FFF2-40B4-BE49-F238E27FC236}">
-                <a16:creationId xmlns:a16="http://schemas.microsoft.com/office/drawing/2014/main" id="{AE0E1EDA-74E3-A8CE-EC05-6B0FE7651E52}"/>
+                <a16:creationId xmlns:a16="http://schemas.microsoft.com/office/drawing/2014/main" id="{B0E6B3AA-8C30-429E-B934-AF12204387B9}"/>
               </a:ext>
             </a:extLst>
           </p:cNvPr>
@@ -1257,7 +1616,7 @@
               <a:rPr lang="en-US"/>
               <a:t>Click to edit Master title style</a:t>
             </a:r>
-            <a:endParaRPr lang="en-IN"/>
+            <a:endParaRPr lang="en-US" dirty="0"/>
           </a:p>
         </p:txBody>
       </p:sp>
@@ -1266,7 +1625,7 @@
           <p:cNvPr id="3" name="Content Placeholder 2">
             <a:extLst>
               <a:ext uri="{FF2B5EF4-FFF2-40B4-BE49-F238E27FC236}">
-                <a16:creationId xmlns:a16="http://schemas.microsoft.com/office/drawing/2014/main" id="{EDE21472-22B8-A491-E10A-9D398A033206}"/>
+                <a16:creationId xmlns:a16="http://schemas.microsoft.com/office/drawing/2014/main" id="{E915834E-691F-4728-88F5-A0C4696695EB}"/>
               </a:ext>
             </a:extLst>
           </p:cNvPr>
@@ -1279,8 +1638,8 @@
         </p:nvSpPr>
         <p:spPr>
           <a:xfrm>
-            <a:off x="838200" y="1825625"/>
-            <a:ext cx="5181600" cy="4351338"/>
+            <a:off x="777240" y="1825625"/>
+            <a:ext cx="5242560" cy="4351338"/>
           </a:xfrm>
         </p:spPr>
         <p:txBody>
@@ -1320,7 +1679,7 @@
               <a:rPr lang="en-US"/>
               <a:t>Fifth level</a:t>
             </a:r>
-            <a:endParaRPr lang="en-IN"/>
+            <a:endParaRPr lang="en-US" dirty="0"/>
           </a:p>
         </p:txBody>
       </p:sp>
@@ -1329,7 +1688,7 @@
           <p:cNvPr id="4" name="Content Placeholder 3">
             <a:extLst>
               <a:ext uri="{FF2B5EF4-FFF2-40B4-BE49-F238E27FC236}">
-                <a16:creationId xmlns:a16="http://schemas.microsoft.com/office/drawing/2014/main" id="{D879C03F-4C96-3A8E-F835-6C941613D19B}"/>
+                <a16:creationId xmlns:a16="http://schemas.microsoft.com/office/drawing/2014/main" id="{13876374-880F-4E25-9F88-79E3C1AB1F9D}"/>
               </a:ext>
             </a:extLst>
           </p:cNvPr>
@@ -1383,7 +1742,6 @@
               <a:rPr lang="en-US"/>
               <a:t>Fifth level</a:t>
             </a:r>
-            <a:endParaRPr lang="en-IN"/>
           </a:p>
         </p:txBody>
       </p:sp>
@@ -1392,7 +1750,7 @@
           <p:cNvPr id="5" name="Date Placeholder 4">
             <a:extLst>
               <a:ext uri="{FF2B5EF4-FFF2-40B4-BE49-F238E27FC236}">
-                <a16:creationId xmlns:a16="http://schemas.microsoft.com/office/drawing/2014/main" id="{6FD640E8-CB9B-9227-6F6F-6C4EB8C8299D}"/>
+                <a16:creationId xmlns:a16="http://schemas.microsoft.com/office/drawing/2014/main" id="{6119BD69-B509-4FCE-95A8-ED03FFC8CC3C}"/>
               </a:ext>
             </a:extLst>
           </p:cNvPr>
@@ -1408,11 +1766,11 @@
           <a:bodyPr/>
           <a:lstStyle/>
           <a:p>
-            <a:fld id="{402317F5-0B40-499A-8D26-40DCCF708FF1}" type="datetimeFigureOut">
-              <a:rPr lang="en-IN" smtClean="0"/>
-              <a:t>25-11-2024</a:t>
+            <a:fld id="{701AA87F-28D4-4BF0-B81F-877A89DFD5AC}" type="datetime1">
+              <a:rPr lang="en-US" smtClean="0"/>
+              <a:t>11/26/2024</a:t>
             </a:fld>
-            <a:endParaRPr lang="en-IN"/>
+            <a:endParaRPr lang="en-US"/>
           </a:p>
         </p:txBody>
       </p:sp>
@@ -1421,7 +1779,7 @@
           <p:cNvPr id="6" name="Footer Placeholder 5">
             <a:extLst>
               <a:ext uri="{FF2B5EF4-FFF2-40B4-BE49-F238E27FC236}">
-                <a16:creationId xmlns:a16="http://schemas.microsoft.com/office/drawing/2014/main" id="{BA6758EB-E406-60D4-EDE3-1BF5677F5B64}"/>
+                <a16:creationId xmlns:a16="http://schemas.microsoft.com/office/drawing/2014/main" id="{DB7C287B-AE5B-490B-BF81-A50D7A2E872A}"/>
               </a:ext>
             </a:extLst>
           </p:cNvPr>
@@ -1437,7 +1795,7 @@
           <a:bodyPr/>
           <a:lstStyle/>
           <a:p>
-            <a:endParaRPr lang="en-IN"/>
+            <a:endParaRPr lang="en-US"/>
           </a:p>
         </p:txBody>
       </p:sp>
@@ -1446,7 +1804,7 @@
           <p:cNvPr id="7" name="Slide Number Placeholder 6">
             <a:extLst>
               <a:ext uri="{FF2B5EF4-FFF2-40B4-BE49-F238E27FC236}">
-                <a16:creationId xmlns:a16="http://schemas.microsoft.com/office/drawing/2014/main" id="{D7C9AEFE-B329-06CF-2CFE-2579A4D942FD}"/>
+                <a16:creationId xmlns:a16="http://schemas.microsoft.com/office/drawing/2014/main" id="{B43C2246-303C-4A29-B6EA-E62CEDE6C2A1}"/>
               </a:ext>
             </a:extLst>
           </p:cNvPr>
@@ -1462,18 +1820,18 @@
           <a:bodyPr/>
           <a:lstStyle/>
           <a:p>
-            <a:fld id="{B755A68C-27A5-4CD7-A397-4104F4756096}" type="slidenum">
-              <a:rPr lang="en-IN" smtClean="0"/>
+            <a:fld id="{35747434-7036-48DB-A148-6B3D8EE75CDA}" type="slidenum">
+              <a:rPr lang="en-US" smtClean="0"/>
               <a:t>‹#›</a:t>
             </a:fld>
-            <a:endParaRPr lang="en-IN"/>
+            <a:endParaRPr lang="en-US"/>
           </a:p>
         </p:txBody>
       </p:sp>
     </p:spTree>
     <p:extLst>
       <p:ext uri="{BB962C8B-B14F-4D97-AF65-F5344CB8AC3E}">
-        <p14:creationId xmlns:p14="http://schemas.microsoft.com/office/powerpoint/2010/main" val="674073613"/>
+        <p14:creationId xmlns:p14="http://schemas.microsoft.com/office/powerpoint/2010/main" val="2410602725"/>
       </p:ext>
     </p:extLst>
   </p:cSld>
@@ -1505,7 +1863,7 @@
           <p:cNvPr id="2" name="Title 1">
             <a:extLst>
               <a:ext uri="{FF2B5EF4-FFF2-40B4-BE49-F238E27FC236}">
-                <a16:creationId xmlns:a16="http://schemas.microsoft.com/office/drawing/2014/main" id="{7BBE4DCE-34E1-5325-2474-699E584707B4}"/>
+                <a16:creationId xmlns:a16="http://schemas.microsoft.com/office/drawing/2014/main" id="{2E42FE79-D5BE-43E8-B6C5-2675B7F4D818}"/>
               </a:ext>
             </a:extLst>
           </p:cNvPr>
@@ -1518,8 +1876,8 @@
         </p:nvSpPr>
         <p:spPr>
           <a:xfrm>
-            <a:off x="839788" y="365125"/>
-            <a:ext cx="10515600" cy="1325563"/>
+            <a:off x="777240" y="365125"/>
+            <a:ext cx="10578148" cy="1325563"/>
           </a:xfrm>
         </p:spPr>
         <p:txBody>
@@ -1530,7 +1888,7 @@
               <a:rPr lang="en-US"/>
               <a:t>Click to edit Master title style</a:t>
             </a:r>
-            <a:endParaRPr lang="en-IN"/>
+            <a:endParaRPr lang="en-US" dirty="0"/>
           </a:p>
         </p:txBody>
       </p:sp>
@@ -1539,7 +1897,7 @@
           <p:cNvPr id="3" name="Text Placeholder 2">
             <a:extLst>
               <a:ext uri="{FF2B5EF4-FFF2-40B4-BE49-F238E27FC236}">
-                <a16:creationId xmlns:a16="http://schemas.microsoft.com/office/drawing/2014/main" id="{454DA651-22F6-B92D-EABA-2334781F5E6F}"/>
+                <a16:creationId xmlns:a16="http://schemas.microsoft.com/office/drawing/2014/main" id="{F69D3A07-BA51-4113-902E-830A887D2394}"/>
               </a:ext>
             </a:extLst>
           </p:cNvPr>
@@ -1552,8 +1910,8 @@
         </p:nvSpPr>
         <p:spPr>
           <a:xfrm>
-            <a:off x="839788" y="1681163"/>
-            <a:ext cx="5157787" cy="823912"/>
+            <a:off x="777240" y="1801812"/>
+            <a:ext cx="5220335" cy="935037"/>
           </a:xfrm>
         </p:spPr>
         <p:txBody>
@@ -1610,7 +1968,7 @@
           <p:cNvPr id="4" name="Content Placeholder 3">
             <a:extLst>
               <a:ext uri="{FF2B5EF4-FFF2-40B4-BE49-F238E27FC236}">
-                <a16:creationId xmlns:a16="http://schemas.microsoft.com/office/drawing/2014/main" id="{4E10D510-CCCD-86CD-05DF-35D9C9BD3E23}"/>
+                <a16:creationId xmlns:a16="http://schemas.microsoft.com/office/drawing/2014/main" id="{28E320A9-E274-4E1B-B02D-9A3F510A1F22}"/>
               </a:ext>
             </a:extLst>
           </p:cNvPr>
@@ -1623,8 +1981,8 @@
         </p:nvSpPr>
         <p:spPr>
           <a:xfrm>
-            <a:off x="839788" y="2505075"/>
-            <a:ext cx="5157787" cy="3684588"/>
+            <a:off x="777240" y="2825749"/>
+            <a:ext cx="5220335" cy="3363913"/>
           </a:xfrm>
         </p:spPr>
         <p:txBody>
@@ -1664,7 +2022,7 @@
               <a:rPr lang="en-US"/>
               <a:t>Fifth level</a:t>
             </a:r>
-            <a:endParaRPr lang="en-IN"/>
+            <a:endParaRPr lang="en-US" dirty="0"/>
           </a:p>
         </p:txBody>
       </p:sp>
@@ -1673,7 +2031,7 @@
           <p:cNvPr id="5" name="Text Placeholder 4">
             <a:extLst>
               <a:ext uri="{FF2B5EF4-FFF2-40B4-BE49-F238E27FC236}">
-                <a16:creationId xmlns:a16="http://schemas.microsoft.com/office/drawing/2014/main" id="{152D7914-64B2-DD94-6832-CF7258C56B50}"/>
+                <a16:creationId xmlns:a16="http://schemas.microsoft.com/office/drawing/2014/main" id="{DBE80D3A-C2A8-4B78-B7E2-4908C74B1C43}"/>
               </a:ext>
             </a:extLst>
           </p:cNvPr>
@@ -1686,8 +2044,8 @@
         </p:nvSpPr>
         <p:spPr>
           <a:xfrm>
-            <a:off x="6172200" y="1681163"/>
-            <a:ext cx="5183188" cy="823912"/>
+            <a:off x="6172200" y="1801812"/>
+            <a:ext cx="5183188" cy="935037"/>
           </a:xfrm>
         </p:spPr>
         <p:txBody>
@@ -1744,7 +2102,7 @@
           <p:cNvPr id="6" name="Content Placeholder 5">
             <a:extLst>
               <a:ext uri="{FF2B5EF4-FFF2-40B4-BE49-F238E27FC236}">
-                <a16:creationId xmlns:a16="http://schemas.microsoft.com/office/drawing/2014/main" id="{445EB5C3-A194-5135-2B65-AD0510AEB9AE}"/>
+                <a16:creationId xmlns:a16="http://schemas.microsoft.com/office/drawing/2014/main" id="{FC5D84DD-9460-4B08-86AD-27486A940047}"/>
               </a:ext>
             </a:extLst>
           </p:cNvPr>
@@ -1757,8 +2115,8 @@
         </p:nvSpPr>
         <p:spPr>
           <a:xfrm>
-            <a:off x="6172200" y="2505075"/>
-            <a:ext cx="5183188" cy="3684588"/>
+            <a:off x="6172200" y="2825749"/>
+            <a:ext cx="5183188" cy="3363913"/>
           </a:xfrm>
         </p:spPr>
         <p:txBody>
@@ -1798,7 +2156,6 @@
               <a:rPr lang="en-US"/>
               <a:t>Fifth level</a:t>
             </a:r>
-            <a:endParaRPr lang="en-IN"/>
           </a:p>
         </p:txBody>
       </p:sp>
@@ -1807,7 +2164,7 @@
           <p:cNvPr id="7" name="Date Placeholder 6">
             <a:extLst>
               <a:ext uri="{FF2B5EF4-FFF2-40B4-BE49-F238E27FC236}">
-                <a16:creationId xmlns:a16="http://schemas.microsoft.com/office/drawing/2014/main" id="{4FCAA2F8-D8EB-02F3-FD24-51980FD12DD1}"/>
+                <a16:creationId xmlns:a16="http://schemas.microsoft.com/office/drawing/2014/main" id="{E4B0B7F8-282C-4210-AE7D-F35228BAC803}"/>
               </a:ext>
             </a:extLst>
           </p:cNvPr>
@@ -1823,11 +2180,11 @@
           <a:bodyPr/>
           <a:lstStyle/>
           <a:p>
-            <a:fld id="{402317F5-0B40-499A-8D26-40DCCF708FF1}" type="datetimeFigureOut">
-              <a:rPr lang="en-IN" smtClean="0"/>
-              <a:t>25-11-2024</a:t>
+            <a:fld id="{A8A9F1F3-208B-49A3-B337-9C8ACEB3E0E1}" type="datetime1">
+              <a:rPr lang="en-US" smtClean="0"/>
+              <a:t>11/26/2024</a:t>
             </a:fld>
-            <a:endParaRPr lang="en-IN"/>
+            <a:endParaRPr lang="en-US"/>
           </a:p>
         </p:txBody>
       </p:sp>
@@ -1836,7 +2193,7 @@
           <p:cNvPr id="8" name="Footer Placeholder 7">
             <a:extLst>
               <a:ext uri="{FF2B5EF4-FFF2-40B4-BE49-F238E27FC236}">
-                <a16:creationId xmlns:a16="http://schemas.microsoft.com/office/drawing/2014/main" id="{320F55E5-9BCA-8C59-2C02-6B1F0CA55C7E}"/>
+                <a16:creationId xmlns:a16="http://schemas.microsoft.com/office/drawing/2014/main" id="{FAE343A9-1067-4DCF-BACC-1F7F38050226}"/>
               </a:ext>
             </a:extLst>
           </p:cNvPr>
@@ -1852,7 +2209,7 @@
           <a:bodyPr/>
           <a:lstStyle/>
           <a:p>
-            <a:endParaRPr lang="en-IN"/>
+            <a:endParaRPr lang="en-US"/>
           </a:p>
         </p:txBody>
       </p:sp>
@@ -1861,7 +2218,7 @@
           <p:cNvPr id="9" name="Slide Number Placeholder 8">
             <a:extLst>
               <a:ext uri="{FF2B5EF4-FFF2-40B4-BE49-F238E27FC236}">
-                <a16:creationId xmlns:a16="http://schemas.microsoft.com/office/drawing/2014/main" id="{28818500-E76A-6413-184E-3247A2F3F900}"/>
+                <a16:creationId xmlns:a16="http://schemas.microsoft.com/office/drawing/2014/main" id="{0F84E471-04DB-4DB5-8CC5-16B3FC88509D}"/>
               </a:ext>
             </a:extLst>
           </p:cNvPr>
@@ -1877,18 +2234,18 @@
           <a:bodyPr/>
           <a:lstStyle/>
           <a:p>
-            <a:fld id="{B755A68C-27A5-4CD7-A397-4104F4756096}" type="slidenum">
-              <a:rPr lang="en-IN" smtClean="0"/>
+            <a:fld id="{35747434-7036-48DB-A148-6B3D8EE75CDA}" type="slidenum">
+              <a:rPr lang="en-US" smtClean="0"/>
               <a:t>‹#›</a:t>
             </a:fld>
-            <a:endParaRPr lang="en-IN"/>
+            <a:endParaRPr lang="en-US"/>
           </a:p>
         </p:txBody>
       </p:sp>
     </p:spTree>
     <p:extLst>
       <p:ext uri="{BB962C8B-B14F-4D97-AF65-F5344CB8AC3E}">
-        <p14:creationId xmlns:p14="http://schemas.microsoft.com/office/powerpoint/2010/main" val="3511293980"/>
+        <p14:creationId xmlns:p14="http://schemas.microsoft.com/office/powerpoint/2010/main" val="326155857"/>
       </p:ext>
     </p:extLst>
   </p:cSld>
@@ -1920,7 +2277,7 @@
           <p:cNvPr id="2" name="Title 1">
             <a:extLst>
               <a:ext uri="{FF2B5EF4-FFF2-40B4-BE49-F238E27FC236}">
-                <a16:creationId xmlns:a16="http://schemas.microsoft.com/office/drawing/2014/main" id="{2D3C222B-09F6-D78C-13E5-DBEC7DEE4E48}"/>
+                <a16:creationId xmlns:a16="http://schemas.microsoft.com/office/drawing/2014/main" id="{766D87C0-272E-4E50-A316-78079B2B923E}"/>
               </a:ext>
             </a:extLst>
           </p:cNvPr>
@@ -1931,7 +2288,12 @@
             <p:ph type="title"/>
           </p:nvPr>
         </p:nvSpPr>
-        <p:spPr/>
+        <p:spPr>
+          <a:xfrm>
+            <a:off x="777240" y="365125"/>
+            <a:ext cx="10659110" cy="1325563"/>
+          </a:xfrm>
+        </p:spPr>
         <p:txBody>
           <a:bodyPr/>
           <a:lstStyle/>
@@ -1940,7 +2302,7 @@
               <a:rPr lang="en-US"/>
               <a:t>Click to edit Master title style</a:t>
             </a:r>
-            <a:endParaRPr lang="en-IN"/>
+            <a:endParaRPr lang="en-US" dirty="0"/>
           </a:p>
         </p:txBody>
       </p:sp>
@@ -1949,7 +2311,7 @@
           <p:cNvPr id="3" name="Date Placeholder 2">
             <a:extLst>
               <a:ext uri="{FF2B5EF4-FFF2-40B4-BE49-F238E27FC236}">
-                <a16:creationId xmlns:a16="http://schemas.microsoft.com/office/drawing/2014/main" id="{FDBAD2E8-2502-1035-3C6F-FA9C928F38F2}"/>
+                <a16:creationId xmlns:a16="http://schemas.microsoft.com/office/drawing/2014/main" id="{F906C1C9-1F69-432A-858C-D828B56E1659}"/>
               </a:ext>
             </a:extLst>
           </p:cNvPr>
@@ -1965,11 +2327,11 @@
           <a:bodyPr/>
           <a:lstStyle/>
           <a:p>
-            <a:fld id="{402317F5-0B40-499A-8D26-40DCCF708FF1}" type="datetimeFigureOut">
-              <a:rPr lang="en-IN" smtClean="0"/>
-              <a:t>25-11-2024</a:t>
+            <a:fld id="{27AF6CA6-7293-4AA2-A0E0-A3BF4416E786}" type="datetime1">
+              <a:rPr lang="en-US" smtClean="0"/>
+              <a:t>11/26/2024</a:t>
             </a:fld>
-            <a:endParaRPr lang="en-IN"/>
+            <a:endParaRPr lang="en-US"/>
           </a:p>
         </p:txBody>
       </p:sp>
@@ -1978,7 +2340,7 @@
           <p:cNvPr id="4" name="Footer Placeholder 3">
             <a:extLst>
               <a:ext uri="{FF2B5EF4-FFF2-40B4-BE49-F238E27FC236}">
-                <a16:creationId xmlns:a16="http://schemas.microsoft.com/office/drawing/2014/main" id="{5B8E89B1-8925-15AA-007C-3A062C2DB2FA}"/>
+                <a16:creationId xmlns:a16="http://schemas.microsoft.com/office/drawing/2014/main" id="{BD6D9A1B-D149-4B97-B161-3D7C9ADBCF78}"/>
               </a:ext>
             </a:extLst>
           </p:cNvPr>
@@ -1994,7 +2356,7 @@
           <a:bodyPr/>
           <a:lstStyle/>
           <a:p>
-            <a:endParaRPr lang="en-IN"/>
+            <a:endParaRPr lang="en-US"/>
           </a:p>
         </p:txBody>
       </p:sp>
@@ -2003,7 +2365,7 @@
           <p:cNvPr id="5" name="Slide Number Placeholder 4">
             <a:extLst>
               <a:ext uri="{FF2B5EF4-FFF2-40B4-BE49-F238E27FC236}">
-                <a16:creationId xmlns:a16="http://schemas.microsoft.com/office/drawing/2014/main" id="{1B4C69BC-D696-C784-F207-2470165A70C2}"/>
+                <a16:creationId xmlns:a16="http://schemas.microsoft.com/office/drawing/2014/main" id="{7AB3722F-8C88-4E54-8CD6-12D31A05F813}"/>
               </a:ext>
             </a:extLst>
           </p:cNvPr>
@@ -2019,18 +2381,18 @@
           <a:bodyPr/>
           <a:lstStyle/>
           <a:p>
-            <a:fld id="{B755A68C-27A5-4CD7-A397-4104F4756096}" type="slidenum">
-              <a:rPr lang="en-IN" smtClean="0"/>
+            <a:fld id="{35747434-7036-48DB-A148-6B3D8EE75CDA}" type="slidenum">
+              <a:rPr lang="en-US" smtClean="0"/>
               <a:t>‹#›</a:t>
             </a:fld>
-            <a:endParaRPr lang="en-IN"/>
+            <a:endParaRPr lang="en-US"/>
           </a:p>
         </p:txBody>
       </p:sp>
     </p:spTree>
     <p:extLst>
       <p:ext uri="{BB962C8B-B14F-4D97-AF65-F5344CB8AC3E}">
-        <p14:creationId xmlns:p14="http://schemas.microsoft.com/office/powerpoint/2010/main" val="575440646"/>
+        <p14:creationId xmlns:p14="http://schemas.microsoft.com/office/powerpoint/2010/main" val="2539784294"/>
       </p:ext>
     </p:extLst>
   </p:cSld>
@@ -2062,7 +2424,7 @@
           <p:cNvPr id="2" name="Date Placeholder 1">
             <a:extLst>
               <a:ext uri="{FF2B5EF4-FFF2-40B4-BE49-F238E27FC236}">
-                <a16:creationId xmlns:a16="http://schemas.microsoft.com/office/drawing/2014/main" id="{1B634EDC-3787-0CDA-0CBF-A5F4A7DE8938}"/>
+                <a16:creationId xmlns:a16="http://schemas.microsoft.com/office/drawing/2014/main" id="{C0E1B4EE-6DFC-45F3-9174-D913EB57CB9D}"/>
               </a:ext>
             </a:extLst>
           </p:cNvPr>
@@ -2078,11 +2440,11 @@
           <a:bodyPr/>
           <a:lstStyle/>
           <a:p>
-            <a:fld id="{402317F5-0B40-499A-8D26-40DCCF708FF1}" type="datetimeFigureOut">
-              <a:rPr lang="en-IN" smtClean="0"/>
-              <a:t>25-11-2024</a:t>
+            <a:fld id="{98D87016-7BCD-46FB-8EE3-AB6C369108B4}" type="datetime1">
+              <a:rPr lang="en-US" smtClean="0"/>
+              <a:t>11/26/2024</a:t>
             </a:fld>
-            <a:endParaRPr lang="en-IN"/>
+            <a:endParaRPr lang="en-US"/>
           </a:p>
         </p:txBody>
       </p:sp>
@@ -2091,7 +2453,7 @@
           <p:cNvPr id="3" name="Footer Placeholder 2">
             <a:extLst>
               <a:ext uri="{FF2B5EF4-FFF2-40B4-BE49-F238E27FC236}">
-                <a16:creationId xmlns:a16="http://schemas.microsoft.com/office/drawing/2014/main" id="{835F720B-0CE7-0D3A-5B54-EBCF2833D3C8}"/>
+                <a16:creationId xmlns:a16="http://schemas.microsoft.com/office/drawing/2014/main" id="{0BF7F7DC-6DDE-4337-AD27-BBE7D5422483}"/>
               </a:ext>
             </a:extLst>
           </p:cNvPr>
@@ -2107,7 +2469,7 @@
           <a:bodyPr/>
           <a:lstStyle/>
           <a:p>
-            <a:endParaRPr lang="en-IN"/>
+            <a:endParaRPr lang="en-US"/>
           </a:p>
         </p:txBody>
       </p:sp>
@@ -2116,7 +2478,7 @@
           <p:cNvPr id="4" name="Slide Number Placeholder 3">
             <a:extLst>
               <a:ext uri="{FF2B5EF4-FFF2-40B4-BE49-F238E27FC236}">
-                <a16:creationId xmlns:a16="http://schemas.microsoft.com/office/drawing/2014/main" id="{198FF7BD-9F0C-12ED-C5F5-627605D65482}"/>
+                <a16:creationId xmlns:a16="http://schemas.microsoft.com/office/drawing/2014/main" id="{CCC58EA9-3AC4-421E-B133-1FA7757DF8BA}"/>
               </a:ext>
             </a:extLst>
           </p:cNvPr>
@@ -2132,18 +2494,18 @@
           <a:bodyPr/>
           <a:lstStyle/>
           <a:p>
-            <a:fld id="{B755A68C-27A5-4CD7-A397-4104F4756096}" type="slidenum">
-              <a:rPr lang="en-IN" smtClean="0"/>
+            <a:fld id="{35747434-7036-48DB-A148-6B3D8EE75CDA}" type="slidenum">
+              <a:rPr lang="en-US" smtClean="0"/>
               <a:t>‹#›</a:t>
             </a:fld>
-            <a:endParaRPr lang="en-IN"/>
+            <a:endParaRPr lang="en-US"/>
           </a:p>
         </p:txBody>
       </p:sp>
     </p:spTree>
     <p:extLst>
       <p:ext uri="{BB962C8B-B14F-4D97-AF65-F5344CB8AC3E}">
-        <p14:creationId xmlns:p14="http://schemas.microsoft.com/office/powerpoint/2010/main" val="835109594"/>
+        <p14:creationId xmlns:p14="http://schemas.microsoft.com/office/powerpoint/2010/main" val="2732262789"/>
       </p:ext>
     </p:extLst>
   </p:cSld>
@@ -2175,7 +2537,7 @@
           <p:cNvPr id="2" name="Title 1">
             <a:extLst>
               <a:ext uri="{FF2B5EF4-FFF2-40B4-BE49-F238E27FC236}">
-                <a16:creationId xmlns:a16="http://schemas.microsoft.com/office/drawing/2014/main" id="{29F28C98-C1D6-9E17-25DC-7E66CEE9D81E}"/>
+                <a16:creationId xmlns:a16="http://schemas.microsoft.com/office/drawing/2014/main" id="{B9E035BB-74CC-43E9-B71F-A5C05D17EB78}"/>
               </a:ext>
             </a:extLst>
           </p:cNvPr>
@@ -2188,15 +2550,17 @@
         </p:nvSpPr>
         <p:spPr>
           <a:xfrm>
-            <a:off x="839788" y="457200"/>
-            <a:ext cx="3932237" cy="1600200"/>
+            <a:off x="777240" y="457200"/>
+            <a:ext cx="3994785" cy="2501900"/>
           </a:xfrm>
         </p:spPr>
         <p:txBody>
-          <a:bodyPr anchor="b"/>
+          <a:bodyPr anchor="b">
+            <a:normAutofit/>
+          </a:bodyPr>
           <a:lstStyle>
             <a:lvl1pPr>
-              <a:defRPr sz="3200"/>
+              <a:defRPr sz="4000"/>
             </a:lvl1pPr>
           </a:lstStyle>
           <a:p>
@@ -2204,7 +2568,7 @@
               <a:rPr lang="en-US"/>
               <a:t>Click to edit Master title style</a:t>
             </a:r>
-            <a:endParaRPr lang="en-IN"/>
+            <a:endParaRPr lang="en-US" dirty="0"/>
           </a:p>
         </p:txBody>
       </p:sp>
@@ -2213,7 +2577,7 @@
           <p:cNvPr id="3" name="Content Placeholder 2">
             <a:extLst>
               <a:ext uri="{FF2B5EF4-FFF2-40B4-BE49-F238E27FC236}">
-                <a16:creationId xmlns:a16="http://schemas.microsoft.com/office/drawing/2014/main" id="{17B75F48-0E67-5650-6100-B54B2BBFDEB8}"/>
+                <a16:creationId xmlns:a16="http://schemas.microsoft.com/office/drawing/2014/main" id="{DCAADC9E-7845-4DB1-87E3-6FBFB2B03B8A}"/>
               </a:ext>
             </a:extLst>
           </p:cNvPr>
@@ -2226,27 +2590,29 @@
         </p:nvSpPr>
         <p:spPr>
           <a:xfrm>
-            <a:off x="5183188" y="987425"/>
-            <a:ext cx="6172200" cy="4873625"/>
+            <a:off x="5183188" y="457201"/>
+            <a:ext cx="6172200" cy="5403850"/>
           </a:xfrm>
         </p:spPr>
         <p:txBody>
-          <a:bodyPr/>
+          <a:bodyPr>
+            <a:normAutofit/>
+          </a:bodyPr>
           <a:lstStyle>
             <a:lvl1pPr>
-              <a:defRPr sz="3200"/>
+              <a:defRPr sz="2000"/>
             </a:lvl1pPr>
             <a:lvl2pPr>
-              <a:defRPr sz="2800"/>
+              <a:defRPr sz="1800"/>
             </a:lvl2pPr>
             <a:lvl3pPr>
-              <a:defRPr sz="2400"/>
+              <a:defRPr sz="1600"/>
             </a:lvl3pPr>
             <a:lvl4pPr>
-              <a:defRPr sz="2000"/>
+              <a:defRPr sz="1400"/>
             </a:lvl4pPr>
             <a:lvl5pPr>
-              <a:defRPr sz="2000"/>
+              <a:defRPr sz="1400"/>
             </a:lvl5pPr>
             <a:lvl6pPr>
               <a:defRPr sz="2000"/>
@@ -2295,7 +2661,7 @@
               <a:rPr lang="en-US"/>
               <a:t>Fifth level</a:t>
             </a:r>
-            <a:endParaRPr lang="en-IN"/>
+            <a:endParaRPr lang="en-US" dirty="0"/>
           </a:p>
         </p:txBody>
       </p:sp>
@@ -2304,7 +2670,7 @@
           <p:cNvPr id="4" name="Text Placeholder 3">
             <a:extLst>
               <a:ext uri="{FF2B5EF4-FFF2-40B4-BE49-F238E27FC236}">
-                <a16:creationId xmlns:a16="http://schemas.microsoft.com/office/drawing/2014/main" id="{4A9BA99D-18C6-D38A-21F3-121DE9062BAF}"/>
+                <a16:creationId xmlns:a16="http://schemas.microsoft.com/office/drawing/2014/main" id="{75C925A8-2A07-43B9-B549-061F3684986B}"/>
               </a:ext>
             </a:extLst>
           </p:cNvPr>
@@ -2317,16 +2683,18 @@
         </p:nvSpPr>
         <p:spPr>
           <a:xfrm>
-            <a:off x="839788" y="2057400"/>
-            <a:ext cx="3932237" cy="3811588"/>
+            <a:off x="777240" y="3092450"/>
+            <a:ext cx="3994785" cy="2776537"/>
           </a:xfrm>
         </p:spPr>
         <p:txBody>
-          <a:bodyPr/>
+          <a:bodyPr>
+            <a:normAutofit/>
+          </a:bodyPr>
           <a:lstStyle>
             <a:lvl1pPr marL="0" indent="0">
               <a:buNone/>
-              <a:defRPr sz="1600"/>
+              <a:defRPr sz="2000"/>
             </a:lvl1pPr>
             <a:lvl2pPr marL="457200" indent="0">
               <a:buNone/>
@@ -2375,7 +2743,7 @@
           <p:cNvPr id="5" name="Date Placeholder 4">
             <a:extLst>
               <a:ext uri="{FF2B5EF4-FFF2-40B4-BE49-F238E27FC236}">
-                <a16:creationId xmlns:a16="http://schemas.microsoft.com/office/drawing/2014/main" id="{C46E2C50-3A73-4774-88F2-22696F3D43CE}"/>
+                <a16:creationId xmlns:a16="http://schemas.microsoft.com/office/drawing/2014/main" id="{F31A9037-0564-43A1-8156-1D9932E1F85F}"/>
               </a:ext>
             </a:extLst>
           </p:cNvPr>
@@ -2391,11 +2759,11 @@
           <a:bodyPr/>
           <a:lstStyle/>
           <a:p>
-            <a:fld id="{402317F5-0B40-499A-8D26-40DCCF708FF1}" type="datetimeFigureOut">
-              <a:rPr lang="en-IN" smtClean="0"/>
-              <a:t>25-11-2024</a:t>
+            <a:fld id="{A1547011-1FFC-4EF8-9A2E-53B4AD2ADBD4}" type="datetime1">
+              <a:rPr lang="en-US" smtClean="0"/>
+              <a:t>11/26/2024</a:t>
             </a:fld>
-            <a:endParaRPr lang="en-IN"/>
+            <a:endParaRPr lang="en-US"/>
           </a:p>
         </p:txBody>
       </p:sp>
@@ -2404,7 +2772,7 @@
           <p:cNvPr id="6" name="Footer Placeholder 5">
             <a:extLst>
               <a:ext uri="{FF2B5EF4-FFF2-40B4-BE49-F238E27FC236}">
-                <a16:creationId xmlns:a16="http://schemas.microsoft.com/office/drawing/2014/main" id="{B55AAE3B-3911-8A80-C5F0-9E7B99F07C72}"/>
+                <a16:creationId xmlns:a16="http://schemas.microsoft.com/office/drawing/2014/main" id="{CBFF0D40-D0E1-49C9-BE47-91BBC50AB2BE}"/>
               </a:ext>
             </a:extLst>
           </p:cNvPr>
@@ -2420,7 +2788,7 @@
           <a:bodyPr/>
           <a:lstStyle/>
           <a:p>
-            <a:endParaRPr lang="en-IN"/>
+            <a:endParaRPr lang="en-US"/>
           </a:p>
         </p:txBody>
       </p:sp>
@@ -2429,7 +2797,7 @@
           <p:cNvPr id="7" name="Slide Number Placeholder 6">
             <a:extLst>
               <a:ext uri="{FF2B5EF4-FFF2-40B4-BE49-F238E27FC236}">
-                <a16:creationId xmlns:a16="http://schemas.microsoft.com/office/drawing/2014/main" id="{947B5609-0839-2CB4-2C76-F10A13F68EB6}"/>
+                <a16:creationId xmlns:a16="http://schemas.microsoft.com/office/drawing/2014/main" id="{C4D129BD-890D-412E-9805-D29F4A0D3622}"/>
               </a:ext>
             </a:extLst>
           </p:cNvPr>
@@ -2445,18 +2813,18 @@
           <a:bodyPr/>
           <a:lstStyle/>
           <a:p>
-            <a:fld id="{B755A68C-27A5-4CD7-A397-4104F4756096}" type="slidenum">
-              <a:rPr lang="en-IN" smtClean="0"/>
+            <a:fld id="{35747434-7036-48DB-A148-6B3D8EE75CDA}" type="slidenum">
+              <a:rPr lang="en-US" smtClean="0"/>
               <a:t>‹#›</a:t>
             </a:fld>
-            <a:endParaRPr lang="en-IN"/>
+            <a:endParaRPr lang="en-US"/>
           </a:p>
         </p:txBody>
       </p:sp>
     </p:spTree>
     <p:extLst>
       <p:ext uri="{BB962C8B-B14F-4D97-AF65-F5344CB8AC3E}">
-        <p14:creationId xmlns:p14="http://schemas.microsoft.com/office/powerpoint/2010/main" val="3370425808"/>
+        <p14:creationId xmlns:p14="http://schemas.microsoft.com/office/powerpoint/2010/main" val="689523023"/>
       </p:ext>
     </p:extLst>
   </p:cSld>
@@ -2488,7 +2856,7 @@
           <p:cNvPr id="2" name="Title 1">
             <a:extLst>
               <a:ext uri="{FF2B5EF4-FFF2-40B4-BE49-F238E27FC236}">
-                <a16:creationId xmlns:a16="http://schemas.microsoft.com/office/drawing/2014/main" id="{80D2A0B9-DD86-9AB7-9C7E-431EEF25D97F}"/>
+                <a16:creationId xmlns:a16="http://schemas.microsoft.com/office/drawing/2014/main" id="{1D78ADB4-BA7B-42C2-9C6C-58B2763F8617}"/>
               </a:ext>
             </a:extLst>
           </p:cNvPr>
@@ -2501,15 +2869,15 @@
         </p:nvSpPr>
         <p:spPr>
           <a:xfrm>
-            <a:off x="839788" y="457200"/>
-            <a:ext cx="3932237" cy="1600200"/>
+            <a:off x="777240" y="457200"/>
+            <a:ext cx="3994785" cy="2505456"/>
           </a:xfrm>
         </p:spPr>
         <p:txBody>
           <a:bodyPr anchor="b"/>
           <a:lstStyle>
             <a:lvl1pPr>
-              <a:defRPr sz="3200"/>
+              <a:defRPr sz="4000"/>
             </a:lvl1pPr>
           </a:lstStyle>
           <a:p>
@@ -2517,7 +2885,7 @@
               <a:rPr lang="en-US"/>
               <a:t>Click to edit Master title style</a:t>
             </a:r>
-            <a:endParaRPr lang="en-IN"/>
+            <a:endParaRPr lang="en-US" dirty="0"/>
           </a:p>
         </p:txBody>
       </p:sp>
@@ -2526,7 +2894,7 @@
           <p:cNvPr id="3" name="Picture Placeholder 2">
             <a:extLst>
               <a:ext uri="{FF2B5EF4-FFF2-40B4-BE49-F238E27FC236}">
-                <a16:creationId xmlns:a16="http://schemas.microsoft.com/office/drawing/2014/main" id="{D2624894-3B9F-8BE4-12D4-3A07C7E66F24}"/>
+                <a16:creationId xmlns:a16="http://schemas.microsoft.com/office/drawing/2014/main" id="{E9519B58-B546-4E6B-BE00-3D1D64DA8699}"/>
               </a:ext>
             </a:extLst>
           </p:cNvPr>
@@ -2539,8 +2907,8 @@
         </p:nvSpPr>
         <p:spPr>
           <a:xfrm>
-            <a:off x="5183188" y="987425"/>
-            <a:ext cx="6172200" cy="4873625"/>
+            <a:off x="5183188" y="457201"/>
+            <a:ext cx="6172200" cy="5403850"/>
           </a:xfrm>
         </p:spPr>
         <p:txBody>
@@ -2584,7 +2952,11 @@
             </a:lvl9pPr>
           </a:lstStyle>
           <a:p>
-            <a:endParaRPr lang="en-IN"/>
+            <a:r>
+              <a:rPr lang="en-US"/>
+              <a:t>Click icon to add picture</a:t>
+            </a:r>
+            <a:endParaRPr lang="en-US" dirty="0"/>
           </a:p>
         </p:txBody>
       </p:sp>
@@ -2593,7 +2965,7 @@
           <p:cNvPr id="4" name="Text Placeholder 3">
             <a:extLst>
               <a:ext uri="{FF2B5EF4-FFF2-40B4-BE49-F238E27FC236}">
-                <a16:creationId xmlns:a16="http://schemas.microsoft.com/office/drawing/2014/main" id="{83BE5192-6B11-CCDD-341A-FF66A458838E}"/>
+                <a16:creationId xmlns:a16="http://schemas.microsoft.com/office/drawing/2014/main" id="{3FAA0AB8-41A9-4548-9B83-3EFF79A00793}"/>
               </a:ext>
             </a:extLst>
           </p:cNvPr>
@@ -2606,16 +2978,18 @@
         </p:nvSpPr>
         <p:spPr>
           <a:xfrm>
-            <a:off x="839788" y="2057400"/>
-            <a:ext cx="3932237" cy="3811588"/>
+            <a:off x="777240" y="3081275"/>
+            <a:ext cx="3994785" cy="2779776"/>
           </a:xfrm>
         </p:spPr>
         <p:txBody>
-          <a:bodyPr/>
+          <a:bodyPr>
+            <a:normAutofit/>
+          </a:bodyPr>
           <a:lstStyle>
             <a:lvl1pPr marL="0" indent="0">
               <a:buNone/>
-              <a:defRPr sz="1600"/>
+              <a:defRPr sz="2000"/>
             </a:lvl1pPr>
             <a:lvl2pPr marL="457200" indent="0">
               <a:buNone/>
@@ -2664,7 +3038,7 @@
           <p:cNvPr id="5" name="Date Placeholder 4">
             <a:extLst>
               <a:ext uri="{FF2B5EF4-FFF2-40B4-BE49-F238E27FC236}">
-                <a16:creationId xmlns:a16="http://schemas.microsoft.com/office/drawing/2014/main" id="{0FE046C5-5756-38A1-9D09-EBDD07973F3F}"/>
+                <a16:creationId xmlns:a16="http://schemas.microsoft.com/office/drawing/2014/main" id="{63BB33ED-A015-4992-A004-33D41CFFADA1}"/>
               </a:ext>
             </a:extLst>
           </p:cNvPr>
@@ -2680,11 +3054,11 @@
           <a:bodyPr/>
           <a:lstStyle/>
           <a:p>
-            <a:fld id="{402317F5-0B40-499A-8D26-40DCCF708FF1}" type="datetimeFigureOut">
-              <a:rPr lang="en-IN" smtClean="0"/>
-              <a:t>25-11-2024</a:t>
+            <a:fld id="{9562EB47-45B4-4EF5-A743-B4885DD2F060}" type="datetime1">
+              <a:rPr lang="en-US" smtClean="0"/>
+              <a:t>11/26/2024</a:t>
             </a:fld>
-            <a:endParaRPr lang="en-IN"/>
+            <a:endParaRPr lang="en-US"/>
           </a:p>
         </p:txBody>
       </p:sp>
@@ -2693,7 +3067,7 @@
           <p:cNvPr id="6" name="Footer Placeholder 5">
             <a:extLst>
               <a:ext uri="{FF2B5EF4-FFF2-40B4-BE49-F238E27FC236}">
-                <a16:creationId xmlns:a16="http://schemas.microsoft.com/office/drawing/2014/main" id="{2FAA6623-A6CF-C706-5D8C-33B886087918}"/>
+                <a16:creationId xmlns:a16="http://schemas.microsoft.com/office/drawing/2014/main" id="{D3C29CDA-E85F-47D1-83B7-02A50DEBFD3F}"/>
               </a:ext>
             </a:extLst>
           </p:cNvPr>
@@ -2709,7 +3083,7 @@
           <a:bodyPr/>
           <a:lstStyle/>
           <a:p>
-            <a:endParaRPr lang="en-IN"/>
+            <a:endParaRPr lang="en-US"/>
           </a:p>
         </p:txBody>
       </p:sp>
@@ -2718,7 +3092,7 @@
           <p:cNvPr id="7" name="Slide Number Placeholder 6">
             <a:extLst>
               <a:ext uri="{FF2B5EF4-FFF2-40B4-BE49-F238E27FC236}">
-                <a16:creationId xmlns:a16="http://schemas.microsoft.com/office/drawing/2014/main" id="{E15101F0-B0ED-606E-548B-C8AAE0005C0E}"/>
+                <a16:creationId xmlns:a16="http://schemas.microsoft.com/office/drawing/2014/main" id="{1749625F-5352-4136-8AC4-F8899D00A1A9}"/>
               </a:ext>
             </a:extLst>
           </p:cNvPr>
@@ -2734,18 +3108,18 @@
           <a:bodyPr/>
           <a:lstStyle/>
           <a:p>
-            <a:fld id="{B755A68C-27A5-4CD7-A397-4104F4756096}" type="slidenum">
-              <a:rPr lang="en-IN" smtClean="0"/>
+            <a:fld id="{35747434-7036-48DB-A148-6B3D8EE75CDA}" type="slidenum">
+              <a:rPr lang="en-US" smtClean="0"/>
               <a:t>‹#›</a:t>
             </a:fld>
-            <a:endParaRPr lang="en-IN"/>
+            <a:endParaRPr lang="en-US"/>
           </a:p>
         </p:txBody>
       </p:sp>
     </p:spTree>
     <p:extLst>
       <p:ext uri="{BB962C8B-B14F-4D97-AF65-F5344CB8AC3E}">
-        <p14:creationId xmlns:p14="http://schemas.microsoft.com/office/powerpoint/2010/main" val="3611406607"/>
+        <p14:creationId xmlns:p14="http://schemas.microsoft.com/office/powerpoint/2010/main" val="3161330176"/>
       </p:ext>
     </p:extLst>
   </p:cSld>
@@ -2777,133 +3151,1365 @@
           <a:chExt cx="0" cy="0"/>
         </a:xfrm>
       </p:grpSpPr>
-      <p:sp>
-        <p:nvSpPr>
-          <p:cNvPr id="2" name="Title Placeholder 1">
-            <a:extLst>
-              <a:ext uri="{FF2B5EF4-FFF2-40B4-BE49-F238E27FC236}">
-                <a16:creationId xmlns:a16="http://schemas.microsoft.com/office/drawing/2014/main" id="{3EEBCEBA-D024-BEE5-1E31-B11B17F3229D}"/>
-              </a:ext>
-            </a:extLst>
-          </p:cNvPr>
-          <p:cNvSpPr>
-            <a:spLocks noGrp="1"/>
-          </p:cNvSpPr>
-          <p:nvPr>
-            <p:ph type="title"/>
-          </p:nvPr>
+      <p:sp useBgFill="1">
+        <p:nvSpPr>
+          <p:cNvPr id="39" name="Rectangle 38">
+            <a:extLst>
+              <a:ext uri="{FF2B5EF4-FFF2-40B4-BE49-F238E27FC236}">
+                <a16:creationId xmlns:a16="http://schemas.microsoft.com/office/drawing/2014/main" id="{99B5B3C5-A599-465B-B2B9-866E8B2087CE}"/>
+              </a:ext>
+            </a:extLst>
+          </p:cNvPr>
+          <p:cNvSpPr/>
+          <p:nvPr/>
         </p:nvSpPr>
         <p:spPr>
           <a:xfrm>
-            <a:off x="838200" y="365125"/>
-            <a:ext cx="10515600" cy="1325563"/>
+            <a:off x="-1" y="-1"/>
+            <a:ext cx="12192001" cy="6858001"/>
+          </a:xfrm>
+          <a:prstGeom prst="rect">
+            <a:avLst/>
+          </a:prstGeom>
+          <a:ln>
+            <a:noFill/>
+          </a:ln>
+        </p:spPr>
+        <p:style>
+          <a:lnRef idx="2">
+            <a:schemeClr val="accent1">
+              <a:shade val="50000"/>
+            </a:schemeClr>
+          </a:lnRef>
+          <a:fillRef idx="1">
+            <a:schemeClr val="accent1"/>
+          </a:fillRef>
+          <a:effectRef idx="0">
+            <a:schemeClr val="accent1"/>
+          </a:effectRef>
+          <a:fontRef idx="minor">
+            <a:schemeClr val="lt1"/>
+          </a:fontRef>
+        </p:style>
+        <p:txBody>
+          <a:bodyPr rtlCol="0" anchor="ctr"/>
+          <a:lstStyle/>
+          <a:p>
+            <a:pPr algn="ctr"/>
+            <a:endParaRPr lang="en-US" dirty="0"/>
+          </a:p>
+        </p:txBody>
+      </p:sp>
+      <p:sp>
+        <p:nvSpPr>
+          <p:cNvPr id="41" name="Rectangle 40">
+            <a:extLst>
+              <a:ext uri="{FF2B5EF4-FFF2-40B4-BE49-F238E27FC236}">
+                <a16:creationId xmlns:a16="http://schemas.microsoft.com/office/drawing/2014/main" id="{25C84982-7DD0-43B1-8A2D-BFA4DF1B4E60}"/>
+              </a:ext>
+            </a:extLst>
+          </p:cNvPr>
+          <p:cNvSpPr/>
+          <p:nvPr/>
+        </p:nvSpPr>
+        <p:spPr>
+          <a:xfrm>
+            <a:off x="-1" y="-1"/>
+            <a:ext cx="12192001" cy="6858001"/>
+          </a:xfrm>
+          <a:prstGeom prst="rect">
+            <a:avLst/>
+          </a:prstGeom>
+          <a:solidFill>
+            <a:schemeClr val="bg2"/>
+          </a:solidFill>
+          <a:ln>
+            <a:noFill/>
+          </a:ln>
+        </p:spPr>
+        <p:style>
+          <a:lnRef idx="2">
+            <a:schemeClr val="accent1">
+              <a:shade val="50000"/>
+            </a:schemeClr>
+          </a:lnRef>
+          <a:fillRef idx="1">
+            <a:schemeClr val="accent1"/>
+          </a:fillRef>
+          <a:effectRef idx="0">
+            <a:schemeClr val="accent1"/>
+          </a:effectRef>
+          <a:fontRef idx="minor">
+            <a:schemeClr val="lt1"/>
+          </a:fontRef>
+        </p:style>
+        <p:txBody>
+          <a:bodyPr rtlCol="0" anchor="ctr"/>
+          <a:lstStyle/>
+          <a:p>
+            <a:pPr algn="ctr"/>
+            <a:endParaRPr lang="en-US" sz="900" dirty="0">
+              <a:solidFill>
+                <a:schemeClr val="bg1"/>
+              </a:solidFill>
+              <a:latin typeface="+mj-lt"/>
+            </a:endParaRPr>
+          </a:p>
+        </p:txBody>
+      </p:sp>
+      <p:grpSp>
+        <p:nvGrpSpPr>
+          <p:cNvPr id="8" name="Decorative Circles">
+            <a:extLst>
+              <a:ext uri="{FF2B5EF4-FFF2-40B4-BE49-F238E27FC236}">
+                <a16:creationId xmlns:a16="http://schemas.microsoft.com/office/drawing/2014/main" id="{1D912E1C-3BBA-42F0-A3EE-FEC382E7230A}"/>
+              </a:ext>
+            </a:extLst>
+          </p:cNvPr>
+          <p:cNvGrpSpPr/>
+          <p:nvPr/>
+        </p:nvGrpSpPr>
+        <p:grpSpPr>
+          <a:xfrm>
+            <a:off x="-1" y="-1"/>
+            <a:ext cx="12192001" cy="6858001"/>
+            <a:chOff x="-1" y="-1"/>
+            <a:chExt cx="12192001" cy="6858001"/>
+          </a:xfrm>
+        </p:grpSpPr>
+        <p:sp>
+          <p:nvSpPr>
+            <p:cNvPr id="21" name="Oval 20">
+              <a:extLst>
+                <a:ext uri="{FF2B5EF4-FFF2-40B4-BE49-F238E27FC236}">
+                  <a16:creationId xmlns:a16="http://schemas.microsoft.com/office/drawing/2014/main" id="{2FEEAC76-E273-46A8-8F8E-CE59860FE70D}"/>
+                </a:ext>
+              </a:extLst>
+            </p:cNvPr>
+            <p:cNvSpPr/>
+            <p:nvPr/>
+          </p:nvSpPr>
+          <p:spPr>
+            <a:xfrm>
+              <a:off x="209098" y="727602"/>
+              <a:ext cx="172408" cy="172408"/>
+            </a:xfrm>
+            <a:prstGeom prst="ellipse">
+              <a:avLst/>
+            </a:prstGeom>
+            <a:solidFill>
+              <a:schemeClr val="accent2">
+                <a:lumMod val="40000"/>
+                <a:lumOff val="60000"/>
+                <a:alpha val="50000"/>
+              </a:schemeClr>
+            </a:solidFill>
+            <a:ln>
+              <a:noFill/>
+            </a:ln>
+          </p:spPr>
+          <p:style>
+            <a:lnRef idx="2">
+              <a:schemeClr val="accent1">
+                <a:shade val="50000"/>
+              </a:schemeClr>
+            </a:lnRef>
+            <a:fillRef idx="1">
+              <a:schemeClr val="accent1"/>
+            </a:fillRef>
+            <a:effectRef idx="0">
+              <a:schemeClr val="accent1"/>
+            </a:effectRef>
+            <a:fontRef idx="minor">
+              <a:schemeClr val="lt1"/>
+            </a:fontRef>
+          </p:style>
+          <p:txBody>
+            <a:bodyPr rtlCol="0" anchor="ctr"/>
+            <a:lstStyle/>
+            <a:p>
+              <a:pPr algn="ctr"/>
+              <a:endParaRPr lang="en-US"/>
+            </a:p>
+          </p:txBody>
+        </p:sp>
+        <p:sp>
+          <p:nvSpPr>
+            <p:cNvPr id="25" name="Oval 24">
+              <a:extLst>
+                <a:ext uri="{FF2B5EF4-FFF2-40B4-BE49-F238E27FC236}">
+                  <a16:creationId xmlns:a16="http://schemas.microsoft.com/office/drawing/2014/main" id="{76594A0E-9400-45AD-A431-1DA1C0B28966}"/>
+                </a:ext>
+              </a:extLst>
+            </p:cNvPr>
+            <p:cNvSpPr/>
+            <p:nvPr/>
+          </p:nvSpPr>
+          <p:spPr>
+            <a:xfrm>
+              <a:off x="949947" y="136523"/>
+              <a:ext cx="113367" cy="113367"/>
+            </a:xfrm>
+            <a:prstGeom prst="ellipse">
+              <a:avLst/>
+            </a:prstGeom>
+            <a:solidFill>
+              <a:srgbClr val="F39E29">
+                <a:alpha val="50000"/>
+              </a:srgbClr>
+            </a:solidFill>
+            <a:ln>
+              <a:noFill/>
+            </a:ln>
+          </p:spPr>
+          <p:style>
+            <a:lnRef idx="2">
+              <a:schemeClr val="accent1">
+                <a:shade val="50000"/>
+              </a:schemeClr>
+            </a:lnRef>
+            <a:fillRef idx="1">
+              <a:schemeClr val="accent1"/>
+            </a:fillRef>
+            <a:effectRef idx="0">
+              <a:schemeClr val="accent1"/>
+            </a:effectRef>
+            <a:fontRef idx="minor">
+              <a:schemeClr val="lt1"/>
+            </a:fontRef>
+          </p:style>
+          <p:txBody>
+            <a:bodyPr rtlCol="0" anchor="ctr"/>
+            <a:lstStyle/>
+            <a:p>
+              <a:pPr algn="ctr"/>
+              <a:endParaRPr lang="en-US"/>
+            </a:p>
+          </p:txBody>
+        </p:sp>
+        <p:sp>
+          <p:nvSpPr>
+            <p:cNvPr id="31" name="Oval 30">
+              <a:extLst>
+                <a:ext uri="{FF2B5EF4-FFF2-40B4-BE49-F238E27FC236}">
+                  <a16:creationId xmlns:a16="http://schemas.microsoft.com/office/drawing/2014/main" id="{20916D6C-D32F-42B6-8512-CD5EDB8F2B9B}"/>
+                </a:ext>
+              </a:extLst>
+            </p:cNvPr>
+            <p:cNvSpPr/>
+            <p:nvPr/>
+          </p:nvSpPr>
+          <p:spPr>
+            <a:xfrm>
+              <a:off x="11575290" y="5859047"/>
+              <a:ext cx="305780" cy="305780"/>
+            </a:xfrm>
+            <a:prstGeom prst="ellipse">
+              <a:avLst/>
+            </a:prstGeom>
+            <a:solidFill>
+              <a:schemeClr val="accent1">
+                <a:lumMod val="60000"/>
+                <a:lumOff val="40000"/>
+                <a:alpha val="50000"/>
+              </a:schemeClr>
+            </a:solidFill>
+            <a:ln>
+              <a:noFill/>
+            </a:ln>
+          </p:spPr>
+          <p:style>
+            <a:lnRef idx="2">
+              <a:schemeClr val="accent1">
+                <a:shade val="50000"/>
+              </a:schemeClr>
+            </a:lnRef>
+            <a:fillRef idx="1">
+              <a:schemeClr val="accent1"/>
+            </a:fillRef>
+            <a:effectRef idx="0">
+              <a:schemeClr val="accent1"/>
+            </a:effectRef>
+            <a:fontRef idx="minor">
+              <a:schemeClr val="lt1"/>
+            </a:fontRef>
+          </p:style>
+          <p:txBody>
+            <a:bodyPr rtlCol="0" anchor="ctr"/>
+            <a:lstStyle/>
+            <a:p>
+              <a:pPr algn="ctr"/>
+              <a:endParaRPr lang="en-US"/>
+            </a:p>
+          </p:txBody>
+        </p:sp>
+        <p:sp>
+          <p:nvSpPr>
+            <p:cNvPr id="7" name="Oval 6">
+              <a:extLst>
+                <a:ext uri="{FF2B5EF4-FFF2-40B4-BE49-F238E27FC236}">
+                  <a16:creationId xmlns:a16="http://schemas.microsoft.com/office/drawing/2014/main" id="{3834846D-59C6-40F4-907C-F1A4689B58F1}"/>
+                </a:ext>
+              </a:extLst>
+            </p:cNvPr>
+            <p:cNvSpPr/>
+            <p:nvPr/>
+          </p:nvSpPr>
+          <p:spPr>
+            <a:xfrm>
+              <a:off x="95730" y="1133938"/>
+              <a:ext cx="226735" cy="226735"/>
+            </a:xfrm>
+            <a:prstGeom prst="ellipse">
+              <a:avLst/>
+            </a:prstGeom>
+            <a:solidFill>
+              <a:schemeClr val="accent3">
+                <a:alpha val="50000"/>
+              </a:schemeClr>
+            </a:solidFill>
+            <a:ln>
+              <a:noFill/>
+            </a:ln>
+          </p:spPr>
+          <p:style>
+            <a:lnRef idx="2">
+              <a:schemeClr val="accent1">
+                <a:shade val="50000"/>
+              </a:schemeClr>
+            </a:lnRef>
+            <a:fillRef idx="1">
+              <a:schemeClr val="accent1"/>
+            </a:fillRef>
+            <a:effectRef idx="0">
+              <a:schemeClr val="accent1"/>
+            </a:effectRef>
+            <a:fontRef idx="minor">
+              <a:schemeClr val="lt1"/>
+            </a:fontRef>
+          </p:style>
+          <p:txBody>
+            <a:bodyPr rtlCol="0" anchor="ctr"/>
+            <a:lstStyle/>
+            <a:p>
+              <a:pPr algn="ctr"/>
+              <a:endParaRPr lang="en-US"/>
+            </a:p>
+          </p:txBody>
+        </p:sp>
+        <p:sp>
+          <p:nvSpPr>
+            <p:cNvPr id="47" name="Oval 46">
+              <a:extLst>
+                <a:ext uri="{FF2B5EF4-FFF2-40B4-BE49-F238E27FC236}">
+                  <a16:creationId xmlns:a16="http://schemas.microsoft.com/office/drawing/2014/main" id="{5A257CDF-2E36-4DC7-8EE4-5CD8F8ECAC87}"/>
+                </a:ext>
+              </a:extLst>
+            </p:cNvPr>
+            <p:cNvSpPr/>
+            <p:nvPr/>
+          </p:nvSpPr>
+          <p:spPr>
+            <a:xfrm>
+              <a:off x="11536830" y="554419"/>
+              <a:ext cx="382700" cy="382700"/>
+            </a:xfrm>
+            <a:prstGeom prst="ellipse">
+              <a:avLst/>
+            </a:prstGeom>
+            <a:solidFill>
+              <a:schemeClr val="accent2">
+                <a:lumMod val="60000"/>
+                <a:lumOff val="40000"/>
+                <a:alpha val="72000"/>
+              </a:schemeClr>
+            </a:solidFill>
+            <a:ln>
+              <a:noFill/>
+            </a:ln>
+          </p:spPr>
+          <p:style>
+            <a:lnRef idx="2">
+              <a:schemeClr val="accent1">
+                <a:shade val="50000"/>
+              </a:schemeClr>
+            </a:lnRef>
+            <a:fillRef idx="1">
+              <a:schemeClr val="accent1"/>
+            </a:fillRef>
+            <a:effectRef idx="0">
+              <a:schemeClr val="accent1"/>
+            </a:effectRef>
+            <a:fontRef idx="minor">
+              <a:schemeClr val="lt1"/>
+            </a:fontRef>
+          </p:style>
+          <p:txBody>
+            <a:bodyPr rtlCol="0" anchor="ctr"/>
+            <a:lstStyle/>
+            <a:p>
+              <a:pPr algn="ctr"/>
+              <a:endParaRPr lang="en-US" dirty="0"/>
+            </a:p>
+          </p:txBody>
+        </p:sp>
+        <p:sp>
+          <p:nvSpPr>
+            <p:cNvPr id="48" name="Oval 47">
+              <a:extLst>
+                <a:ext uri="{FF2B5EF4-FFF2-40B4-BE49-F238E27FC236}">
+                  <a16:creationId xmlns:a16="http://schemas.microsoft.com/office/drawing/2014/main" id="{D5B26E0E-A115-4AE2-82D8-76BB93CC494F}"/>
+                </a:ext>
+              </a:extLst>
+            </p:cNvPr>
+            <p:cNvSpPr/>
+            <p:nvPr/>
+          </p:nvSpPr>
+          <p:spPr>
+            <a:xfrm>
+              <a:off x="11224303" y="299808"/>
+              <a:ext cx="113367" cy="113367"/>
+            </a:xfrm>
+            <a:prstGeom prst="ellipse">
+              <a:avLst/>
+            </a:prstGeom>
+            <a:solidFill>
+              <a:srgbClr val="F39E29"/>
+            </a:solidFill>
+            <a:ln>
+              <a:noFill/>
+            </a:ln>
+          </p:spPr>
+          <p:style>
+            <a:lnRef idx="2">
+              <a:schemeClr val="accent1">
+                <a:shade val="50000"/>
+              </a:schemeClr>
+            </a:lnRef>
+            <a:fillRef idx="1">
+              <a:schemeClr val="accent1"/>
+            </a:fillRef>
+            <a:effectRef idx="0">
+              <a:schemeClr val="accent1"/>
+            </a:effectRef>
+            <a:fontRef idx="minor">
+              <a:schemeClr val="lt1"/>
+            </a:fontRef>
+          </p:style>
+          <p:txBody>
+            <a:bodyPr rtlCol="0" anchor="ctr"/>
+            <a:lstStyle/>
+            <a:p>
+              <a:pPr algn="ctr"/>
+              <a:endParaRPr lang="en-US"/>
+            </a:p>
+          </p:txBody>
+        </p:sp>
+        <p:sp>
+          <p:nvSpPr>
+            <p:cNvPr id="49" name="Oval 48">
+              <a:extLst>
+                <a:ext uri="{FF2B5EF4-FFF2-40B4-BE49-F238E27FC236}">
+                  <a16:creationId xmlns:a16="http://schemas.microsoft.com/office/drawing/2014/main" id="{755058DB-7E01-4E95-BF59-983AA1BBB38E}"/>
+                </a:ext>
+              </a:extLst>
+            </p:cNvPr>
+            <p:cNvSpPr/>
+            <p:nvPr/>
+          </p:nvSpPr>
+          <p:spPr>
+            <a:xfrm>
+              <a:off x="11629630" y="5482355"/>
+              <a:ext cx="94160" cy="94160"/>
+            </a:xfrm>
+            <a:prstGeom prst="ellipse">
+              <a:avLst/>
+            </a:prstGeom>
+            <a:solidFill>
+              <a:srgbClr val="E3BEBE">
+                <a:alpha val="28000"/>
+              </a:srgbClr>
+            </a:solidFill>
+            <a:ln>
+              <a:noFill/>
+            </a:ln>
+          </p:spPr>
+          <p:style>
+            <a:lnRef idx="2">
+              <a:schemeClr val="accent1">
+                <a:shade val="50000"/>
+              </a:schemeClr>
+            </a:lnRef>
+            <a:fillRef idx="1">
+              <a:schemeClr val="accent1"/>
+            </a:fillRef>
+            <a:effectRef idx="0">
+              <a:schemeClr val="accent1"/>
+            </a:effectRef>
+            <a:fontRef idx="minor">
+              <a:schemeClr val="lt1"/>
+            </a:fontRef>
+          </p:style>
+          <p:txBody>
+            <a:bodyPr rtlCol="0" anchor="ctr"/>
+            <a:lstStyle/>
+            <a:p>
+              <a:pPr algn="ctr"/>
+              <a:endParaRPr lang="en-US"/>
+            </a:p>
+          </p:txBody>
+        </p:sp>
+        <p:sp>
+          <p:nvSpPr>
+            <p:cNvPr id="51" name="Oval 50">
+              <a:extLst>
+                <a:ext uri="{FF2B5EF4-FFF2-40B4-BE49-F238E27FC236}">
+                  <a16:creationId xmlns:a16="http://schemas.microsoft.com/office/drawing/2014/main" id="{A810F7E2-23F3-44D6-B09E-71E556536052}"/>
+                </a:ext>
+              </a:extLst>
+            </p:cNvPr>
+            <p:cNvSpPr/>
+            <p:nvPr/>
+          </p:nvSpPr>
+          <p:spPr>
+            <a:xfrm>
+              <a:off x="10415328" y="6124958"/>
+              <a:ext cx="113367" cy="113367"/>
+            </a:xfrm>
+            <a:prstGeom prst="ellipse">
+              <a:avLst/>
+            </a:prstGeom>
+            <a:solidFill>
+              <a:schemeClr val="accent3"/>
+            </a:solidFill>
+            <a:ln>
+              <a:noFill/>
+            </a:ln>
+          </p:spPr>
+          <p:style>
+            <a:lnRef idx="2">
+              <a:schemeClr val="accent1">
+                <a:shade val="50000"/>
+              </a:schemeClr>
+            </a:lnRef>
+            <a:fillRef idx="1">
+              <a:schemeClr val="accent1"/>
+            </a:fillRef>
+            <a:effectRef idx="0">
+              <a:schemeClr val="accent1"/>
+            </a:effectRef>
+            <a:fontRef idx="minor">
+              <a:schemeClr val="lt1"/>
+            </a:fontRef>
+          </p:style>
+          <p:txBody>
+            <a:bodyPr rtlCol="0" anchor="ctr"/>
+            <a:lstStyle/>
+            <a:p>
+              <a:pPr algn="ctr"/>
+              <a:endParaRPr lang="en-US"/>
+            </a:p>
+          </p:txBody>
+        </p:sp>
+        <p:sp>
+          <p:nvSpPr>
+            <p:cNvPr id="52" name="Oval 51">
+              <a:extLst>
+                <a:ext uri="{FF2B5EF4-FFF2-40B4-BE49-F238E27FC236}">
+                  <a16:creationId xmlns:a16="http://schemas.microsoft.com/office/drawing/2014/main" id="{59D5C391-E1DB-410A-A78C-ED3BBDFF0758}"/>
+                </a:ext>
+              </a:extLst>
+            </p:cNvPr>
+            <p:cNvSpPr/>
+            <p:nvPr/>
+          </p:nvSpPr>
+          <p:spPr>
+            <a:xfrm>
+              <a:off x="10120382" y="6255986"/>
+              <a:ext cx="305780" cy="305780"/>
+            </a:xfrm>
+            <a:prstGeom prst="ellipse">
+              <a:avLst/>
+            </a:prstGeom>
+            <a:solidFill>
+              <a:schemeClr val="accent1">
+                <a:lumMod val="20000"/>
+                <a:lumOff val="80000"/>
+              </a:schemeClr>
+            </a:solidFill>
+            <a:ln>
+              <a:noFill/>
+            </a:ln>
+          </p:spPr>
+          <p:style>
+            <a:lnRef idx="2">
+              <a:schemeClr val="accent1">
+                <a:shade val="50000"/>
+              </a:schemeClr>
+            </a:lnRef>
+            <a:fillRef idx="1">
+              <a:schemeClr val="accent1"/>
+            </a:fillRef>
+            <a:effectRef idx="0">
+              <a:schemeClr val="accent1"/>
+            </a:effectRef>
+            <a:fontRef idx="minor">
+              <a:schemeClr val="lt1"/>
+            </a:fontRef>
+          </p:style>
+          <p:txBody>
+            <a:bodyPr rtlCol="0" anchor="ctr"/>
+            <a:lstStyle/>
+            <a:p>
+              <a:pPr algn="ctr"/>
+              <a:endParaRPr lang="en-US" dirty="0"/>
+            </a:p>
+          </p:txBody>
+        </p:sp>
+        <p:sp>
+          <p:nvSpPr>
+            <p:cNvPr id="53" name="Oval 52">
+              <a:extLst>
+                <a:ext uri="{FF2B5EF4-FFF2-40B4-BE49-F238E27FC236}">
+                  <a16:creationId xmlns:a16="http://schemas.microsoft.com/office/drawing/2014/main" id="{77C4944D-9373-4283-BCAA-927A0316659E}"/>
+                </a:ext>
+              </a:extLst>
+            </p:cNvPr>
+            <p:cNvSpPr/>
+            <p:nvPr/>
+          </p:nvSpPr>
+          <p:spPr>
+            <a:xfrm>
+              <a:off x="9934343" y="6204350"/>
+              <a:ext cx="113367" cy="113367"/>
+            </a:xfrm>
+            <a:prstGeom prst="ellipse">
+              <a:avLst/>
+            </a:prstGeom>
+            <a:solidFill>
+              <a:schemeClr val="accent6">
+                <a:lumMod val="40000"/>
+                <a:lumOff val="60000"/>
+              </a:schemeClr>
+            </a:solidFill>
+            <a:ln>
+              <a:noFill/>
+            </a:ln>
+          </p:spPr>
+          <p:style>
+            <a:lnRef idx="2">
+              <a:schemeClr val="accent1">
+                <a:shade val="50000"/>
+              </a:schemeClr>
+            </a:lnRef>
+            <a:fillRef idx="1">
+              <a:schemeClr val="accent1"/>
+            </a:fillRef>
+            <a:effectRef idx="0">
+              <a:schemeClr val="accent1"/>
+            </a:effectRef>
+            <a:fontRef idx="minor">
+              <a:schemeClr val="lt1"/>
+            </a:fontRef>
+          </p:style>
+          <p:txBody>
+            <a:bodyPr rtlCol="0" anchor="ctr"/>
+            <a:lstStyle/>
+            <a:p>
+              <a:pPr algn="ctr"/>
+              <a:endParaRPr lang="en-US"/>
+            </a:p>
+          </p:txBody>
+        </p:sp>
+        <p:sp>
+          <p:nvSpPr>
+            <p:cNvPr id="54" name="Freeform: Shape 53">
+              <a:extLst>
+                <a:ext uri="{FF2B5EF4-FFF2-40B4-BE49-F238E27FC236}">
+                  <a16:creationId xmlns:a16="http://schemas.microsoft.com/office/drawing/2014/main" id="{6804C521-2D9F-4CE4-AFD3-D4F1551FEC6A}"/>
+                </a:ext>
+              </a:extLst>
+            </p:cNvPr>
+            <p:cNvSpPr/>
+            <p:nvPr/>
+          </p:nvSpPr>
+          <p:spPr>
+            <a:xfrm>
+              <a:off x="11642244" y="6317718"/>
+              <a:ext cx="549756" cy="540282"/>
+            </a:xfrm>
+            <a:custGeom>
+              <a:avLst/>
+              <a:gdLst>
+                <a:gd name="connsiteX0" fmla="*/ 1224540 w 2115556"/>
+                <a:gd name="connsiteY0" fmla="*/ 0 h 2079100"/>
+                <a:gd name="connsiteX1" fmla="*/ 2090421 w 2115556"/>
+                <a:gd name="connsiteY1" fmla="*/ 358660 h 2079100"/>
+                <a:gd name="connsiteX2" fmla="*/ 2115556 w 2115556"/>
+                <a:gd name="connsiteY2" fmla="*/ 386315 h 2079100"/>
+                <a:gd name="connsiteX3" fmla="*/ 2115556 w 2115556"/>
+                <a:gd name="connsiteY3" fmla="*/ 2062765 h 2079100"/>
+                <a:gd name="connsiteX4" fmla="*/ 2100710 w 2115556"/>
+                <a:gd name="connsiteY4" fmla="*/ 2079100 h 2079100"/>
+                <a:gd name="connsiteX5" fmla="*/ 348370 w 2115556"/>
+                <a:gd name="connsiteY5" fmla="*/ 2079100 h 2079100"/>
+                <a:gd name="connsiteX6" fmla="*/ 279625 w 2115556"/>
+                <a:gd name="connsiteY6" fmla="*/ 2003461 h 2079100"/>
+                <a:gd name="connsiteX7" fmla="*/ 0 w 2115556"/>
+                <a:gd name="connsiteY7" fmla="*/ 1224540 h 2079100"/>
+                <a:gd name="connsiteX8" fmla="*/ 1224540 w 2115556"/>
+                <a:gd name="connsiteY8" fmla="*/ 0 h 2079100"/>
+              </a:gdLst>
+              <a:ahLst/>
+              <a:cxnLst>
+                <a:cxn ang="0">
+                  <a:pos x="connsiteX0" y="connsiteY0"/>
+                </a:cxn>
+                <a:cxn ang="0">
+                  <a:pos x="connsiteX1" y="connsiteY1"/>
+                </a:cxn>
+                <a:cxn ang="0">
+                  <a:pos x="connsiteX2" y="connsiteY2"/>
+                </a:cxn>
+                <a:cxn ang="0">
+                  <a:pos x="connsiteX3" y="connsiteY3"/>
+                </a:cxn>
+                <a:cxn ang="0">
+                  <a:pos x="connsiteX4" y="connsiteY4"/>
+                </a:cxn>
+                <a:cxn ang="0">
+                  <a:pos x="connsiteX5" y="connsiteY5"/>
+                </a:cxn>
+                <a:cxn ang="0">
+                  <a:pos x="connsiteX6" y="connsiteY6"/>
+                </a:cxn>
+                <a:cxn ang="0">
+                  <a:pos x="connsiteX7" y="connsiteY7"/>
+                </a:cxn>
+                <a:cxn ang="0">
+                  <a:pos x="connsiteX8" y="connsiteY8"/>
+                </a:cxn>
+              </a:cxnLst>
+              <a:rect l="l" t="t" r="r" b="b"/>
+              <a:pathLst>
+                <a:path w="2115556" h="2079100">
+                  <a:moveTo>
+                    <a:pt x="1224540" y="0"/>
+                  </a:moveTo>
+                  <a:cubicBezTo>
+                    <a:pt x="1562687" y="0"/>
+                    <a:pt x="1868823" y="137062"/>
+                    <a:pt x="2090421" y="358660"/>
+                  </a:cubicBezTo>
+                  <a:lnTo>
+                    <a:pt x="2115556" y="386315"/>
+                  </a:lnTo>
+                  <a:lnTo>
+                    <a:pt x="2115556" y="2062765"/>
+                  </a:lnTo>
+                  <a:lnTo>
+                    <a:pt x="2100710" y="2079100"/>
+                  </a:lnTo>
+                  <a:lnTo>
+                    <a:pt x="348370" y="2079100"/>
+                  </a:lnTo>
+                  <a:lnTo>
+                    <a:pt x="279625" y="2003461"/>
+                  </a:lnTo>
+                  <a:cubicBezTo>
+                    <a:pt x="104938" y="1791789"/>
+                    <a:pt x="0" y="1520419"/>
+                    <a:pt x="0" y="1224540"/>
+                  </a:cubicBezTo>
+                  <a:cubicBezTo>
+                    <a:pt x="0" y="548245"/>
+                    <a:pt x="548245" y="0"/>
+                    <a:pt x="1224540" y="0"/>
+                  </a:cubicBezTo>
+                  <a:close/>
+                </a:path>
+              </a:pathLst>
+            </a:custGeom>
+            <a:solidFill>
+              <a:schemeClr val="accent6">
+                <a:lumMod val="40000"/>
+                <a:lumOff val="60000"/>
+              </a:schemeClr>
+            </a:solidFill>
+            <a:ln>
+              <a:noFill/>
+            </a:ln>
+          </p:spPr>
+          <p:style>
+            <a:lnRef idx="2">
+              <a:schemeClr val="accent1">
+                <a:shade val="50000"/>
+              </a:schemeClr>
+            </a:lnRef>
+            <a:fillRef idx="1">
+              <a:schemeClr val="accent1"/>
+            </a:fillRef>
+            <a:effectRef idx="0">
+              <a:schemeClr val="accent1"/>
+            </a:effectRef>
+            <a:fontRef idx="minor">
+              <a:schemeClr val="lt1"/>
+            </a:fontRef>
+          </p:style>
+          <p:txBody>
+            <a:bodyPr wrap="square" rtlCol="0" anchor="ctr">
+              <a:noAutofit/>
+            </a:bodyPr>
+            <a:lstStyle/>
+            <a:p>
+              <a:pPr algn="ctr"/>
+              <a:endParaRPr lang="en-US" sz="900" dirty="0">
+                <a:solidFill>
+                  <a:schemeClr val="bg1"/>
+                </a:solidFill>
+                <a:latin typeface="+mj-lt"/>
+              </a:endParaRPr>
+            </a:p>
+          </p:txBody>
+        </p:sp>
+        <p:sp>
+          <p:nvSpPr>
+            <p:cNvPr id="56" name="Freeform: Shape 55">
+              <a:extLst>
+                <a:ext uri="{FF2B5EF4-FFF2-40B4-BE49-F238E27FC236}">
+                  <a16:creationId xmlns:a16="http://schemas.microsoft.com/office/drawing/2014/main" id="{755AC65C-13EF-4182-AA3C-62BE165CC033}"/>
+                </a:ext>
+              </a:extLst>
+            </p:cNvPr>
+            <p:cNvSpPr/>
+            <p:nvPr/>
+          </p:nvSpPr>
+          <p:spPr>
+            <a:xfrm>
+              <a:off x="-1" y="-1"/>
+              <a:ext cx="510196" cy="538336"/>
+            </a:xfrm>
+            <a:custGeom>
+              <a:avLst/>
+              <a:gdLst>
+                <a:gd name="connsiteX0" fmla="*/ 0 w 510196"/>
+                <a:gd name="connsiteY0" fmla="*/ 0 h 538336"/>
+                <a:gd name="connsiteX1" fmla="*/ 459276 w 510196"/>
+                <a:gd name="connsiteY1" fmla="*/ 0 h 538336"/>
+                <a:gd name="connsiteX2" fmla="*/ 482126 w 510196"/>
+                <a:gd name="connsiteY2" fmla="*/ 42098 h 538336"/>
+                <a:gd name="connsiteX3" fmla="*/ 510196 w 510196"/>
+                <a:gd name="connsiteY3" fmla="*/ 181136 h 538336"/>
+                <a:gd name="connsiteX4" fmla="*/ 152996 w 510196"/>
+                <a:gd name="connsiteY4" fmla="*/ 538336 h 538336"/>
+                <a:gd name="connsiteX5" fmla="*/ 13958 w 510196"/>
+                <a:gd name="connsiteY5" fmla="*/ 510266 h 538336"/>
+                <a:gd name="connsiteX6" fmla="*/ 0 w 510196"/>
+                <a:gd name="connsiteY6" fmla="*/ 502690 h 538336"/>
+              </a:gdLst>
+              <a:ahLst/>
+              <a:cxnLst>
+                <a:cxn ang="0">
+                  <a:pos x="connsiteX0" y="connsiteY0"/>
+                </a:cxn>
+                <a:cxn ang="0">
+                  <a:pos x="connsiteX1" y="connsiteY1"/>
+                </a:cxn>
+                <a:cxn ang="0">
+                  <a:pos x="connsiteX2" y="connsiteY2"/>
+                </a:cxn>
+                <a:cxn ang="0">
+                  <a:pos x="connsiteX3" y="connsiteY3"/>
+                </a:cxn>
+                <a:cxn ang="0">
+                  <a:pos x="connsiteX4" y="connsiteY4"/>
+                </a:cxn>
+                <a:cxn ang="0">
+                  <a:pos x="connsiteX5" y="connsiteY5"/>
+                </a:cxn>
+                <a:cxn ang="0">
+                  <a:pos x="connsiteX6" y="connsiteY6"/>
+                </a:cxn>
+              </a:cxnLst>
+              <a:rect l="l" t="t" r="r" b="b"/>
+              <a:pathLst>
+                <a:path w="510196" h="538336">
+                  <a:moveTo>
+                    <a:pt x="0" y="0"/>
+                  </a:moveTo>
+                  <a:lnTo>
+                    <a:pt x="459276" y="0"/>
+                  </a:lnTo>
+                  <a:lnTo>
+                    <a:pt x="482126" y="42098"/>
+                  </a:lnTo>
+                  <a:cubicBezTo>
+                    <a:pt x="500201" y="84833"/>
+                    <a:pt x="510196" y="131817"/>
+                    <a:pt x="510196" y="181136"/>
+                  </a:cubicBezTo>
+                  <a:cubicBezTo>
+                    <a:pt x="510196" y="378412"/>
+                    <a:pt x="350272" y="538336"/>
+                    <a:pt x="152996" y="538336"/>
+                  </a:cubicBezTo>
+                  <a:cubicBezTo>
+                    <a:pt x="103677" y="538336"/>
+                    <a:pt x="56693" y="528341"/>
+                    <a:pt x="13958" y="510266"/>
+                  </a:cubicBezTo>
+                  <a:lnTo>
+                    <a:pt x="0" y="502690"/>
+                  </a:lnTo>
+                  <a:close/>
+                </a:path>
+              </a:pathLst>
+            </a:custGeom>
+            <a:solidFill>
+              <a:schemeClr val="accent1">
+                <a:lumMod val="20000"/>
+                <a:lumOff val="80000"/>
+              </a:schemeClr>
+            </a:solidFill>
+            <a:ln>
+              <a:noFill/>
+            </a:ln>
+          </p:spPr>
+          <p:style>
+            <a:lnRef idx="2">
+              <a:schemeClr val="accent1">
+                <a:shade val="50000"/>
+              </a:schemeClr>
+            </a:lnRef>
+            <a:fillRef idx="1">
+              <a:schemeClr val="accent1"/>
+            </a:fillRef>
+            <a:effectRef idx="0">
+              <a:schemeClr val="accent1"/>
+            </a:effectRef>
+            <a:fontRef idx="minor">
+              <a:schemeClr val="lt1"/>
+            </a:fontRef>
+          </p:style>
+          <p:txBody>
+            <a:bodyPr wrap="square" rtlCol="0" anchor="ctr">
+              <a:noAutofit/>
+            </a:bodyPr>
+            <a:lstStyle/>
+            <a:p>
+              <a:pPr algn="ctr"/>
+              <a:endParaRPr lang="en-US" sz="900" dirty="0">
+                <a:solidFill>
+                  <a:schemeClr val="bg1"/>
+                </a:solidFill>
+                <a:latin typeface="+mj-lt"/>
+              </a:endParaRPr>
+            </a:p>
+          </p:txBody>
+        </p:sp>
+        <p:sp>
+          <p:nvSpPr>
+            <p:cNvPr id="58" name="Freeform: Shape 57">
+              <a:extLst>
+                <a:ext uri="{FF2B5EF4-FFF2-40B4-BE49-F238E27FC236}">
+                  <a16:creationId xmlns:a16="http://schemas.microsoft.com/office/drawing/2014/main" id="{E40DA8D2-FA4B-4282-9D44-48C27B63A153}"/>
+                </a:ext>
+              </a:extLst>
+            </p:cNvPr>
+            <p:cNvSpPr/>
+            <p:nvPr/>
+          </p:nvSpPr>
+          <p:spPr>
+            <a:xfrm>
+              <a:off x="10528695" y="1"/>
+              <a:ext cx="554074" cy="282754"/>
+            </a:xfrm>
+            <a:custGeom>
+              <a:avLst/>
+              <a:gdLst>
+                <a:gd name="connsiteX0" fmla="*/ 644 w 309162"/>
+                <a:gd name="connsiteY0" fmla="*/ 0 h 157771"/>
+                <a:gd name="connsiteX1" fmla="*/ 308518 w 309162"/>
+                <a:gd name="connsiteY1" fmla="*/ 0 h 157771"/>
+                <a:gd name="connsiteX2" fmla="*/ 309162 w 309162"/>
+                <a:gd name="connsiteY2" fmla="*/ 3190 h 157771"/>
+                <a:gd name="connsiteX3" fmla="*/ 154581 w 309162"/>
+                <a:gd name="connsiteY3" fmla="*/ 157771 h 157771"/>
+                <a:gd name="connsiteX4" fmla="*/ 0 w 309162"/>
+                <a:gd name="connsiteY4" fmla="*/ 3190 h 157771"/>
+              </a:gdLst>
+              <a:ahLst/>
+              <a:cxnLst>
+                <a:cxn ang="0">
+                  <a:pos x="connsiteX0" y="connsiteY0"/>
+                </a:cxn>
+                <a:cxn ang="0">
+                  <a:pos x="connsiteX1" y="connsiteY1"/>
+                </a:cxn>
+                <a:cxn ang="0">
+                  <a:pos x="connsiteX2" y="connsiteY2"/>
+                </a:cxn>
+                <a:cxn ang="0">
+                  <a:pos x="connsiteX3" y="connsiteY3"/>
+                </a:cxn>
+                <a:cxn ang="0">
+                  <a:pos x="connsiteX4" y="connsiteY4"/>
+                </a:cxn>
+              </a:cxnLst>
+              <a:rect l="l" t="t" r="r" b="b"/>
+              <a:pathLst>
+                <a:path w="309162" h="157771">
+                  <a:moveTo>
+                    <a:pt x="644" y="0"/>
+                  </a:moveTo>
+                  <a:lnTo>
+                    <a:pt x="308518" y="0"/>
+                  </a:lnTo>
+                  <a:lnTo>
+                    <a:pt x="309162" y="3190"/>
+                  </a:lnTo>
+                  <a:cubicBezTo>
+                    <a:pt x="309162" y="88563"/>
+                    <a:pt x="239954" y="157771"/>
+                    <a:pt x="154581" y="157771"/>
+                  </a:cubicBezTo>
+                  <a:cubicBezTo>
+                    <a:pt x="69208" y="157771"/>
+                    <a:pt x="0" y="88563"/>
+                    <a:pt x="0" y="3190"/>
+                  </a:cubicBezTo>
+                  <a:close/>
+                </a:path>
+              </a:pathLst>
+            </a:custGeom>
+            <a:solidFill>
+              <a:schemeClr val="accent4">
+                <a:lumMod val="60000"/>
+                <a:lumOff val="40000"/>
+              </a:schemeClr>
+            </a:solidFill>
+            <a:ln>
+              <a:noFill/>
+            </a:ln>
+          </p:spPr>
+          <p:style>
+            <a:lnRef idx="2">
+              <a:schemeClr val="accent1">
+                <a:shade val="50000"/>
+              </a:schemeClr>
+            </a:lnRef>
+            <a:fillRef idx="1">
+              <a:schemeClr val="accent1"/>
+            </a:fillRef>
+            <a:effectRef idx="0">
+              <a:schemeClr val="accent1"/>
+            </a:effectRef>
+            <a:fontRef idx="minor">
+              <a:schemeClr val="lt1"/>
+            </a:fontRef>
+          </p:style>
+          <p:txBody>
+            <a:bodyPr wrap="square" rtlCol="0" anchor="ctr">
+              <a:noAutofit/>
+            </a:bodyPr>
+            <a:lstStyle/>
+            <a:p>
+              <a:pPr algn="ctr"/>
+              <a:endParaRPr lang="en-US" sz="900" dirty="0">
+                <a:solidFill>
+                  <a:schemeClr val="bg1"/>
+                </a:solidFill>
+                <a:latin typeface="+mj-lt"/>
+              </a:endParaRPr>
+            </a:p>
+          </p:txBody>
+        </p:sp>
+        <p:sp>
+          <p:nvSpPr>
+            <p:cNvPr id="10" name="Oval 9">
+              <a:extLst>
+                <a:ext uri="{FF2B5EF4-FFF2-40B4-BE49-F238E27FC236}">
+                  <a16:creationId xmlns:a16="http://schemas.microsoft.com/office/drawing/2014/main" id="{99065014-CB18-414D-A527-31ECC45700AB}"/>
+                </a:ext>
+              </a:extLst>
+            </p:cNvPr>
+            <p:cNvSpPr/>
+            <p:nvPr/>
+          </p:nvSpPr>
+          <p:spPr>
+            <a:xfrm>
+              <a:off x="504140" y="1132500"/>
+              <a:ext cx="84680" cy="84680"/>
+            </a:xfrm>
+            <a:prstGeom prst="ellipse">
+              <a:avLst/>
+            </a:prstGeom>
+            <a:solidFill>
+              <a:schemeClr val="accent2"/>
+            </a:solidFill>
+            <a:ln>
+              <a:noFill/>
+            </a:ln>
+          </p:spPr>
+          <p:style>
+            <a:lnRef idx="0">
+              <a:scrgbClr r="0" g="0" b="0"/>
+            </a:lnRef>
+            <a:fillRef idx="0">
+              <a:scrgbClr r="0" g="0" b="0"/>
+            </a:fillRef>
+            <a:effectRef idx="0">
+              <a:scrgbClr r="0" g="0" b="0"/>
+            </a:effectRef>
+            <a:fontRef idx="minor">
+              <a:schemeClr val="lt1"/>
+            </a:fontRef>
+          </p:style>
+          <p:txBody>
+            <a:bodyPr rtlCol="0" anchor="ctr"/>
+            <a:lstStyle/>
+            <a:p>
+              <a:pPr algn="ctr"/>
+              <a:endParaRPr lang="en-US"/>
+            </a:p>
+          </p:txBody>
+        </p:sp>
+        <p:sp>
+          <p:nvSpPr>
+            <p:cNvPr id="61" name="Freeform: Shape 60">
+              <a:extLst>
+                <a:ext uri="{FF2B5EF4-FFF2-40B4-BE49-F238E27FC236}">
+                  <a16:creationId xmlns:a16="http://schemas.microsoft.com/office/drawing/2014/main" id="{8F39E27A-56C1-4328-8DF1-2DA147C78483}"/>
+                </a:ext>
+              </a:extLst>
+            </p:cNvPr>
+            <p:cNvSpPr/>
+            <p:nvPr/>
+          </p:nvSpPr>
+          <p:spPr>
+            <a:xfrm>
+              <a:off x="12051348" y="5576515"/>
+              <a:ext cx="137603" cy="210490"/>
+            </a:xfrm>
+            <a:custGeom>
+              <a:avLst/>
+              <a:gdLst>
+                <a:gd name="connsiteX0" fmla="*/ 105245 w 137603"/>
+                <a:gd name="connsiteY0" fmla="*/ 0 h 210490"/>
+                <a:gd name="connsiteX1" fmla="*/ 137603 w 137603"/>
+                <a:gd name="connsiteY1" fmla="*/ 6533 h 210490"/>
+                <a:gd name="connsiteX2" fmla="*/ 137603 w 137603"/>
+                <a:gd name="connsiteY2" fmla="*/ 203957 h 210490"/>
+                <a:gd name="connsiteX3" fmla="*/ 105245 w 137603"/>
+                <a:gd name="connsiteY3" fmla="*/ 210490 h 210490"/>
+                <a:gd name="connsiteX4" fmla="*/ 0 w 137603"/>
+                <a:gd name="connsiteY4" fmla="*/ 105245 h 210490"/>
+                <a:gd name="connsiteX5" fmla="*/ 105245 w 137603"/>
+                <a:gd name="connsiteY5" fmla="*/ 0 h 210490"/>
+              </a:gdLst>
+              <a:ahLst/>
+              <a:cxnLst>
+                <a:cxn ang="0">
+                  <a:pos x="connsiteX0" y="connsiteY0"/>
+                </a:cxn>
+                <a:cxn ang="0">
+                  <a:pos x="connsiteX1" y="connsiteY1"/>
+                </a:cxn>
+                <a:cxn ang="0">
+                  <a:pos x="connsiteX2" y="connsiteY2"/>
+                </a:cxn>
+                <a:cxn ang="0">
+                  <a:pos x="connsiteX3" y="connsiteY3"/>
+                </a:cxn>
+                <a:cxn ang="0">
+                  <a:pos x="connsiteX4" y="connsiteY4"/>
+                </a:cxn>
+                <a:cxn ang="0">
+                  <a:pos x="connsiteX5" y="connsiteY5"/>
+                </a:cxn>
+              </a:cxnLst>
+              <a:rect l="l" t="t" r="r" b="b"/>
+              <a:pathLst>
+                <a:path w="137603" h="210490">
+                  <a:moveTo>
+                    <a:pt x="105245" y="0"/>
+                  </a:moveTo>
+                  <a:lnTo>
+                    <a:pt x="137603" y="6533"/>
+                  </a:lnTo>
+                  <a:lnTo>
+                    <a:pt x="137603" y="203957"/>
+                  </a:lnTo>
+                  <a:lnTo>
+                    <a:pt x="105245" y="210490"/>
+                  </a:lnTo>
+                  <a:cubicBezTo>
+                    <a:pt x="47120" y="210490"/>
+                    <a:pt x="0" y="163370"/>
+                    <a:pt x="0" y="105245"/>
+                  </a:cubicBezTo>
+                  <a:cubicBezTo>
+                    <a:pt x="0" y="47120"/>
+                    <a:pt x="47120" y="0"/>
+                    <a:pt x="105245" y="0"/>
+                  </a:cubicBezTo>
+                  <a:close/>
+                </a:path>
+              </a:pathLst>
+            </a:custGeom>
+            <a:solidFill>
+              <a:schemeClr val="accent3">
+                <a:lumMod val="40000"/>
+                <a:lumOff val="60000"/>
+              </a:schemeClr>
+            </a:solidFill>
+            <a:ln>
+              <a:noFill/>
+            </a:ln>
+          </p:spPr>
+          <p:style>
+            <a:lnRef idx="2">
+              <a:schemeClr val="accent1">
+                <a:shade val="50000"/>
+              </a:schemeClr>
+            </a:lnRef>
+            <a:fillRef idx="1">
+              <a:schemeClr val="accent1"/>
+            </a:fillRef>
+            <a:effectRef idx="0">
+              <a:schemeClr val="accent1"/>
+            </a:effectRef>
+            <a:fontRef idx="minor">
+              <a:schemeClr val="lt1"/>
+            </a:fontRef>
+          </p:style>
+          <p:txBody>
+            <a:bodyPr wrap="square" rtlCol="0" anchor="ctr">
+              <a:noAutofit/>
+            </a:bodyPr>
+            <a:lstStyle/>
+            <a:p>
+              <a:pPr algn="ctr"/>
+              <a:endParaRPr lang="en-US" sz="900" dirty="0">
+                <a:solidFill>
+                  <a:schemeClr val="bg1"/>
+                </a:solidFill>
+                <a:latin typeface="+mj-lt"/>
+              </a:endParaRPr>
+            </a:p>
+          </p:txBody>
+        </p:sp>
+      </p:grpSp>
+      <p:sp>
+        <p:nvSpPr>
+          <p:cNvPr id="4" name="Date Placeholder 3">
+            <a:extLst>
+              <a:ext uri="{FF2B5EF4-FFF2-40B4-BE49-F238E27FC236}">
+                <a16:creationId xmlns:a16="http://schemas.microsoft.com/office/drawing/2014/main" id="{442C5EC6-E331-4312-AC12-56D55F7D2B15}"/>
+              </a:ext>
+            </a:extLst>
+          </p:cNvPr>
+          <p:cNvSpPr>
+            <a:spLocks noGrp="1"/>
+          </p:cNvSpPr>
+          <p:nvPr>
+            <p:ph type="dt" sz="half" idx="2"/>
+          </p:nvPr>
+        </p:nvSpPr>
+        <p:spPr>
+          <a:xfrm>
+            <a:off x="777240" y="6488268"/>
+            <a:ext cx="2743200" cy="233209"/>
           </a:xfrm>
           <a:prstGeom prst="rect">
             <a:avLst/>
           </a:prstGeom>
         </p:spPr>
         <p:txBody>
-          <a:bodyPr vert="horz" lIns="91440" tIns="45720" rIns="91440" bIns="45720" rtlCol="0" anchor="ctr">
-            <a:normAutofit/>
-          </a:bodyPr>
-          <a:lstStyle/>
-          <a:p>
-            <a:r>
-              <a:rPr lang="en-US"/>
-              <a:t>Click to edit Master title style</a:t>
-            </a:r>
-            <a:endParaRPr lang="en-IN"/>
-          </a:p>
-        </p:txBody>
-      </p:sp>
-      <p:sp>
-        <p:nvSpPr>
-          <p:cNvPr id="3" name="Text Placeholder 2">
-            <a:extLst>
-              <a:ext uri="{FF2B5EF4-FFF2-40B4-BE49-F238E27FC236}">
-                <a16:creationId xmlns:a16="http://schemas.microsoft.com/office/drawing/2014/main" id="{C61CA0AD-D0AA-C816-8703-35C80DDAF717}"/>
-              </a:ext>
-            </a:extLst>
-          </p:cNvPr>
-          <p:cNvSpPr>
-            <a:spLocks noGrp="1"/>
-          </p:cNvSpPr>
-          <p:nvPr>
-            <p:ph type="body" idx="1"/>
+          <a:bodyPr vert="horz" lIns="91440" tIns="45720" rIns="91440" bIns="45720" rtlCol="0" anchor="ctr"/>
+          <a:lstStyle>
+            <a:lvl1pPr algn="l">
+              <a:defRPr sz="1000">
+                <a:solidFill>
+                  <a:schemeClr val="tx1">
+                    <a:tint val="75000"/>
+                  </a:schemeClr>
+                </a:solidFill>
+              </a:defRPr>
+            </a:lvl1pPr>
+          </a:lstStyle>
+          <a:p>
+            <a:fld id="{4A8D24A4-5FEC-4062-8995-EB21925B3B40}" type="datetime1">
+              <a:rPr lang="en-US" smtClean="0"/>
+              <a:t>11/26/2024</a:t>
+            </a:fld>
+            <a:endParaRPr lang="en-US" sz="1000" dirty="0"/>
+          </a:p>
+        </p:txBody>
+      </p:sp>
+      <p:sp>
+        <p:nvSpPr>
+          <p:cNvPr id="5" name="Footer Placeholder 4">
+            <a:extLst>
+              <a:ext uri="{FF2B5EF4-FFF2-40B4-BE49-F238E27FC236}">
+                <a16:creationId xmlns:a16="http://schemas.microsoft.com/office/drawing/2014/main" id="{3337FC5D-92B2-4B4D-8111-6EDEF280692A}"/>
+              </a:ext>
+            </a:extLst>
+          </p:cNvPr>
+          <p:cNvSpPr>
+            <a:spLocks noGrp="1"/>
+          </p:cNvSpPr>
+          <p:nvPr>
+            <p:ph type="ftr" sz="quarter" idx="3"/>
           </p:nvPr>
         </p:nvSpPr>
         <p:spPr>
           <a:xfrm>
-            <a:off x="838200" y="1825625"/>
-            <a:ext cx="10515600" cy="4351338"/>
+            <a:off x="4038600" y="6488268"/>
+            <a:ext cx="4114800" cy="233209"/>
           </a:xfrm>
           <a:prstGeom prst="rect">
             <a:avLst/>
           </a:prstGeom>
         </p:spPr>
         <p:txBody>
-          <a:bodyPr vert="horz" lIns="91440" tIns="45720" rIns="91440" bIns="45720" rtlCol="0">
-            <a:normAutofit/>
-          </a:bodyPr>
-          <a:lstStyle/>
-          <a:p>
-            <a:pPr lvl="0"/>
-            <a:r>
-              <a:rPr lang="en-US"/>
-              <a:t>Click to edit Master text styles</a:t>
-            </a:r>
-          </a:p>
-          <a:p>
-            <a:pPr lvl="1"/>
-            <a:r>
-              <a:rPr lang="en-US"/>
-              <a:t>Second level</a:t>
-            </a:r>
-          </a:p>
-          <a:p>
-            <a:pPr lvl="2"/>
-            <a:r>
-              <a:rPr lang="en-US"/>
-              <a:t>Third level</a:t>
-            </a:r>
-          </a:p>
-          <a:p>
-            <a:pPr lvl="3"/>
-            <a:r>
-              <a:rPr lang="en-US"/>
-              <a:t>Fourth level</a:t>
-            </a:r>
-          </a:p>
-          <a:p>
-            <a:pPr lvl="4"/>
-            <a:r>
-              <a:rPr lang="en-US"/>
-              <a:t>Fifth level</a:t>
-            </a:r>
-            <a:endParaRPr lang="en-IN"/>
-          </a:p>
-        </p:txBody>
-      </p:sp>
-      <p:sp>
-        <p:nvSpPr>
-          <p:cNvPr id="4" name="Date Placeholder 3">
-            <a:extLst>
-              <a:ext uri="{FF2B5EF4-FFF2-40B4-BE49-F238E27FC236}">
-                <a16:creationId xmlns:a16="http://schemas.microsoft.com/office/drawing/2014/main" id="{E7E0067E-3456-E65D-FA8E-C42C9BB0C595}"/>
-              </a:ext>
-            </a:extLst>
-          </p:cNvPr>
-          <p:cNvSpPr>
-            <a:spLocks noGrp="1"/>
-          </p:cNvSpPr>
-          <p:nvPr>
-            <p:ph type="dt" sz="half" idx="2"/>
+          <a:bodyPr vert="horz" lIns="91440" tIns="45720" rIns="91440" bIns="45720" rtlCol="0" anchor="ctr"/>
+          <a:lstStyle>
+            <a:lvl1pPr algn="ctr">
+              <a:defRPr sz="1000">
+                <a:solidFill>
+                  <a:schemeClr val="tx1">
+                    <a:tint val="75000"/>
+                  </a:schemeClr>
+                </a:solidFill>
+              </a:defRPr>
+            </a:lvl1pPr>
+          </a:lstStyle>
+          <a:p>
+            <a:endParaRPr lang="en-US" sz="1000"/>
+          </a:p>
+        </p:txBody>
+      </p:sp>
+      <p:sp>
+        <p:nvSpPr>
+          <p:cNvPr id="6" name="Slide Number Placeholder 5">
+            <a:extLst>
+              <a:ext uri="{FF2B5EF4-FFF2-40B4-BE49-F238E27FC236}">
+                <a16:creationId xmlns:a16="http://schemas.microsoft.com/office/drawing/2014/main" id="{723A104D-C777-4A6E-8A43-F94028E5E311}"/>
+              </a:ext>
+            </a:extLst>
+          </p:cNvPr>
+          <p:cNvSpPr>
+            <a:spLocks noGrp="1"/>
+          </p:cNvSpPr>
+          <p:nvPr>
+            <p:ph type="sldNum" sz="quarter" idx="4"/>
           </p:nvPr>
         </p:nvSpPr>
         <p:spPr>
           <a:xfrm>
-            <a:off x="838200" y="6356350"/>
-            <a:ext cx="2743200" cy="365125"/>
+            <a:off x="8693150" y="6488268"/>
+            <a:ext cx="2743200" cy="233209"/>
           </a:xfrm>
           <a:prstGeom prst="rect">
             <a:avLst/>
@@ -2912,136 +4518,272 @@
         <p:txBody>
           <a:bodyPr vert="horz" lIns="91440" tIns="45720" rIns="91440" bIns="45720" rtlCol="0" anchor="ctr"/>
           <a:lstStyle>
-            <a:lvl1pPr algn="l">
-              <a:defRPr sz="1200">
+            <a:lvl1pPr algn="r">
+              <a:defRPr sz="1000">
                 <a:solidFill>
                   <a:schemeClr val="tx1">
-                    <a:tint val="82000"/>
+                    <a:tint val="75000"/>
                   </a:schemeClr>
                 </a:solidFill>
               </a:defRPr>
             </a:lvl1pPr>
           </a:lstStyle>
           <a:p>
-            <a:fld id="{402317F5-0B40-499A-8D26-40DCCF708FF1}" type="datetimeFigureOut">
-              <a:rPr lang="en-IN" smtClean="0"/>
-              <a:t>25-11-2024</a:t>
+            <a:fld id="{35747434-7036-48DB-A148-6B3D8EE75CDA}" type="slidenum">
+              <a:rPr lang="en-US" smtClean="0"/>
+              <a:pPr/>
+              <a:t>‹#›</a:t>
             </a:fld>
-            <a:endParaRPr lang="en-IN"/>
-          </a:p>
-        </p:txBody>
-      </p:sp>
-      <p:sp>
-        <p:nvSpPr>
-          <p:cNvPr id="5" name="Footer Placeholder 4">
-            <a:extLst>
-              <a:ext uri="{FF2B5EF4-FFF2-40B4-BE49-F238E27FC236}">
-                <a16:creationId xmlns:a16="http://schemas.microsoft.com/office/drawing/2014/main" id="{4D84971E-38DC-7591-DF1D-67966DC20FFE}"/>
-              </a:ext>
-            </a:extLst>
-          </p:cNvPr>
-          <p:cNvSpPr>
-            <a:spLocks noGrp="1"/>
-          </p:cNvSpPr>
-          <p:nvPr>
-            <p:ph type="ftr" sz="quarter" idx="3"/>
+            <a:endParaRPr lang="en-US" sz="1000" dirty="0"/>
+          </a:p>
+        </p:txBody>
+      </p:sp>
+      <p:sp>
+        <p:nvSpPr>
+          <p:cNvPr id="2" name="Title Placeholder 1">
+            <a:extLst>
+              <a:ext uri="{FF2B5EF4-FFF2-40B4-BE49-F238E27FC236}">
+                <a16:creationId xmlns:a16="http://schemas.microsoft.com/office/drawing/2014/main" id="{12D3A74F-6169-4D30-A245-B46D738BEA81}"/>
+              </a:ext>
+            </a:extLst>
+          </p:cNvPr>
+          <p:cNvSpPr>
+            <a:spLocks noGrp="1"/>
+          </p:cNvSpPr>
+          <p:nvPr>
+            <p:ph type="title"/>
           </p:nvPr>
         </p:nvSpPr>
         <p:spPr>
           <a:xfrm>
-            <a:off x="4038600" y="6356350"/>
-            <a:ext cx="4114800" cy="365125"/>
+            <a:off x="777240" y="365125"/>
+            <a:ext cx="10659110" cy="1325563"/>
           </a:xfrm>
           <a:prstGeom prst="rect">
             <a:avLst/>
           </a:prstGeom>
         </p:spPr>
         <p:txBody>
-          <a:bodyPr vert="horz" lIns="91440" tIns="45720" rIns="91440" bIns="45720" rtlCol="0" anchor="ctr"/>
-          <a:lstStyle>
-            <a:lvl1pPr algn="ctr">
-              <a:defRPr sz="1200">
-                <a:solidFill>
-                  <a:schemeClr val="tx1">
-                    <a:tint val="82000"/>
-                  </a:schemeClr>
-                </a:solidFill>
-              </a:defRPr>
-            </a:lvl1pPr>
-          </a:lstStyle>
-          <a:p>
-            <a:endParaRPr lang="en-IN"/>
-          </a:p>
-        </p:txBody>
-      </p:sp>
-      <p:sp>
-        <p:nvSpPr>
-          <p:cNvPr id="6" name="Slide Number Placeholder 5">
-            <a:extLst>
-              <a:ext uri="{FF2B5EF4-FFF2-40B4-BE49-F238E27FC236}">
-                <a16:creationId xmlns:a16="http://schemas.microsoft.com/office/drawing/2014/main" id="{A420B7FE-7507-32AF-7637-8779BAFF7972}"/>
-              </a:ext>
-            </a:extLst>
-          </p:cNvPr>
-          <p:cNvSpPr>
-            <a:spLocks noGrp="1"/>
-          </p:cNvSpPr>
-          <p:nvPr>
-            <p:ph type="sldNum" sz="quarter" idx="4"/>
+          <a:bodyPr vert="horz" lIns="91440" tIns="45720" rIns="91440" bIns="45720" rtlCol="0" anchor="ctr">
+            <a:normAutofit/>
+          </a:bodyPr>
+          <a:lstStyle/>
+          <a:p>
+            <a:r>
+              <a:rPr lang="en-US"/>
+              <a:t>Click to edit Master title style</a:t>
+            </a:r>
+            <a:endParaRPr lang="en-US" dirty="0"/>
+          </a:p>
+        </p:txBody>
+      </p:sp>
+      <p:sp>
+        <p:nvSpPr>
+          <p:cNvPr id="3" name="Text Placeholder 2">
+            <a:extLst>
+              <a:ext uri="{FF2B5EF4-FFF2-40B4-BE49-F238E27FC236}">
+                <a16:creationId xmlns:a16="http://schemas.microsoft.com/office/drawing/2014/main" id="{A3877E64-7A05-44DA-81FA-6EF4806BBF0E}"/>
+              </a:ext>
+            </a:extLst>
+          </p:cNvPr>
+          <p:cNvSpPr>
+            <a:spLocks noGrp="1"/>
+          </p:cNvSpPr>
+          <p:nvPr>
+            <p:ph type="body" idx="1"/>
           </p:nvPr>
         </p:nvSpPr>
         <p:spPr>
           <a:xfrm>
-            <a:off x="8610600" y="6356350"/>
-            <a:ext cx="2743200" cy="365125"/>
+            <a:off x="777240" y="1825625"/>
+            <a:ext cx="10659110" cy="4351338"/>
           </a:xfrm>
           <a:prstGeom prst="rect">
             <a:avLst/>
           </a:prstGeom>
         </p:spPr>
         <p:txBody>
-          <a:bodyPr vert="horz" lIns="91440" tIns="45720" rIns="91440" bIns="45720" rtlCol="0" anchor="ctr"/>
-          <a:lstStyle>
-            <a:lvl1pPr algn="r">
-              <a:defRPr sz="1200">
-                <a:solidFill>
-                  <a:schemeClr val="tx1">
-                    <a:tint val="82000"/>
-                  </a:schemeClr>
-                </a:solidFill>
-              </a:defRPr>
-            </a:lvl1pPr>
-          </a:lstStyle>
-          <a:p>
-            <a:fld id="{B755A68C-27A5-4CD7-A397-4104F4756096}" type="slidenum">
-              <a:rPr lang="en-IN" smtClean="0"/>
-              <a:t>‹#›</a:t>
-            </a:fld>
-            <a:endParaRPr lang="en-IN"/>
-          </a:p>
-        </p:txBody>
-      </p:sp>
+          <a:bodyPr vert="horz" lIns="91440" tIns="45720" rIns="91440" bIns="45720" rtlCol="0">
+            <a:normAutofit/>
+          </a:bodyPr>
+          <a:lstStyle/>
+          <a:p>
+            <a:pPr lvl="0"/>
+            <a:r>
+              <a:rPr lang="en-US" dirty="0"/>
+              <a:t>Click to edit Master text styles</a:t>
+            </a:r>
+          </a:p>
+          <a:p>
+            <a:pPr lvl="1"/>
+            <a:r>
+              <a:rPr lang="en-US" dirty="0"/>
+              <a:t>Second level</a:t>
+            </a:r>
+          </a:p>
+          <a:p>
+            <a:pPr lvl="2"/>
+            <a:r>
+              <a:rPr lang="en-US" dirty="0"/>
+              <a:t>Third level</a:t>
+            </a:r>
+          </a:p>
+          <a:p>
+            <a:pPr lvl="3"/>
+            <a:r>
+              <a:rPr lang="en-US" dirty="0"/>
+              <a:t>Fourth level</a:t>
+            </a:r>
+          </a:p>
+          <a:p>
+            <a:pPr lvl="4"/>
+            <a:r>
+              <a:rPr lang="en-US" dirty="0"/>
+              <a:t>Fifth level</a:t>
+            </a:r>
+          </a:p>
+        </p:txBody>
+      </p:sp>
+      <p:grpSp>
+        <p:nvGrpSpPr>
+          <p:cNvPr id="9" name="Group 8">
+            <a:extLst>
+              <a:ext uri="{FF2B5EF4-FFF2-40B4-BE49-F238E27FC236}">
+                <a16:creationId xmlns:a16="http://schemas.microsoft.com/office/drawing/2014/main" id="{3281849D-54CA-C13E-3D84-DB247AB9A268}"/>
+              </a:ext>
+            </a:extLst>
+          </p:cNvPr>
+          <p:cNvGrpSpPr/>
+          <p:nvPr userDrawn="1"/>
+        </p:nvGrpSpPr>
+        <p:grpSpPr>
+          <a:xfrm>
+            <a:off x="130629" y="6291189"/>
+            <a:ext cx="2743201" cy="495445"/>
+            <a:chOff x="195943" y="6091967"/>
+            <a:chExt cx="3506755" cy="629508"/>
+          </a:xfrm>
+        </p:grpSpPr>
+        <p:sp>
+          <p:nvSpPr>
+            <p:cNvPr id="11" name="Oval 10">
+              <a:extLst>
+                <a:ext uri="{FF2B5EF4-FFF2-40B4-BE49-F238E27FC236}">
+                  <a16:creationId xmlns:a16="http://schemas.microsoft.com/office/drawing/2014/main" id="{6401CC4C-E0EC-38D2-F7AA-61FC22E4D90D}"/>
+                </a:ext>
+              </a:extLst>
+            </p:cNvPr>
+            <p:cNvSpPr/>
+            <p:nvPr userDrawn="1"/>
+          </p:nvSpPr>
+          <p:spPr>
+            <a:xfrm>
+              <a:off x="195943" y="6091967"/>
+              <a:ext cx="642257" cy="629508"/>
+            </a:xfrm>
+            <a:prstGeom prst="ellipse">
+              <a:avLst/>
+            </a:prstGeom>
+            <a:blipFill dpi="0" rotWithShape="1">
+              <a:blip r:embed="rId13">
+                <a:extLst>
+                  <a:ext uri="{28A0092B-C50C-407E-A947-70E740481C1C}">
+                    <a14:useLocalDpi xmlns:a14="http://schemas.microsoft.com/office/drawing/2010/main" val="0"/>
+                  </a:ext>
+                </a:extLst>
+              </a:blip>
+              <a:srcRect/>
+              <a:stretch>
+                <a:fillRect/>
+              </a:stretch>
+            </a:blipFill>
+            <a:ln>
+              <a:noFill/>
+            </a:ln>
+          </p:spPr>
+          <p:style>
+            <a:lnRef idx="2">
+              <a:schemeClr val="accent1">
+                <a:shade val="15000"/>
+              </a:schemeClr>
+            </a:lnRef>
+            <a:fillRef idx="1">
+              <a:schemeClr val="accent1"/>
+            </a:fillRef>
+            <a:effectRef idx="0">
+              <a:schemeClr val="accent1"/>
+            </a:effectRef>
+            <a:fontRef idx="minor">
+              <a:schemeClr val="lt1"/>
+            </a:fontRef>
+          </p:style>
+          <p:txBody>
+            <a:bodyPr rtlCol="0" anchor="ctr"/>
+            <a:lstStyle/>
+            <a:p>
+              <a:pPr algn="ctr"/>
+              <a:endParaRPr lang="en-US"/>
+            </a:p>
+          </p:txBody>
+        </p:sp>
+        <p:sp>
+          <p:nvSpPr>
+            <p:cNvPr id="12" name="TextBox 11">
+              <a:extLst>
+                <a:ext uri="{FF2B5EF4-FFF2-40B4-BE49-F238E27FC236}">
+                  <a16:creationId xmlns:a16="http://schemas.microsoft.com/office/drawing/2014/main" id="{0875BEBF-DA68-8945-6205-DE7DE602B3BD}"/>
+                </a:ext>
+              </a:extLst>
+            </p:cNvPr>
+            <p:cNvSpPr txBox="1"/>
+            <p:nvPr userDrawn="1"/>
+          </p:nvSpPr>
+          <p:spPr>
+            <a:xfrm>
+              <a:off x="838200" y="6163561"/>
+              <a:ext cx="2864498" cy="369332"/>
+            </a:xfrm>
+            <a:prstGeom prst="rect">
+              <a:avLst/>
+            </a:prstGeom>
+            <a:noFill/>
+          </p:spPr>
+          <p:txBody>
+            <a:bodyPr wrap="square" rtlCol="0">
+              <a:spAutoFit/>
+            </a:bodyPr>
+            <a:lstStyle/>
+            <a:p>
+              <a:r>
+                <a:rPr lang="en-US" b="1" dirty="0"/>
+                <a:t>PRAMOD NAIK</a:t>
+              </a:r>
+            </a:p>
+          </p:txBody>
+        </p:sp>
+      </p:grpSp>
     </p:spTree>
     <p:extLst>
       <p:ext uri="{BB962C8B-B14F-4D97-AF65-F5344CB8AC3E}">
-        <p14:creationId xmlns:p14="http://schemas.microsoft.com/office/powerpoint/2010/main" val="686545994"/>
+        <p14:creationId xmlns:p14="http://schemas.microsoft.com/office/powerpoint/2010/main" val="1202753200"/>
       </p:ext>
     </p:extLst>
   </p:cSld>
   <p:clrMap bg1="lt1" tx1="dk1" bg2="lt2" tx2="dk2" accent1="accent1" accent2="accent2" accent3="accent3" accent4="accent4" accent5="accent5" accent6="accent6" hlink="hlink" folHlink="folHlink"/>
   <p:sldLayoutIdLst>
-    <p:sldLayoutId id="2147483649" r:id="rId1"/>
-    <p:sldLayoutId id="2147483650" r:id="rId2"/>
-    <p:sldLayoutId id="2147483651" r:id="rId3"/>
-    <p:sldLayoutId id="2147483652" r:id="rId4"/>
-    <p:sldLayoutId id="2147483653" r:id="rId5"/>
-    <p:sldLayoutId id="2147483654" r:id="rId6"/>
-    <p:sldLayoutId id="2147483655" r:id="rId7"/>
-    <p:sldLayoutId id="2147483656" r:id="rId8"/>
-    <p:sldLayoutId id="2147483657" r:id="rId9"/>
-    <p:sldLayoutId id="2147483658" r:id="rId10"/>
-    <p:sldLayoutId id="2147483659" r:id="rId11"/>
+    <p:sldLayoutId id="2147483705" r:id="rId1"/>
+    <p:sldLayoutId id="2147483706" r:id="rId2"/>
+    <p:sldLayoutId id="2147483707" r:id="rId3"/>
+    <p:sldLayoutId id="2147483708" r:id="rId4"/>
+    <p:sldLayoutId id="2147483709" r:id="rId5"/>
+    <p:sldLayoutId id="2147483703" r:id="rId6"/>
+    <p:sldLayoutId id="2147483699" r:id="rId7"/>
+    <p:sldLayoutId id="2147483700" r:id="rId8"/>
+    <p:sldLayoutId id="2147483701" r:id="rId9"/>
+    <p:sldLayoutId id="2147483702" r:id="rId10"/>
+    <p:sldLayoutId id="2147483704" r:id="rId11"/>
   </p:sldLayoutIdLst>
+  <p:hf sldNum="0" hdr="0" ftr="0" dt="0"/>
   <p:txStyles>
     <p:titleStyle>
       <a:lvl1pPr algn="l" defTabSz="914400" rtl="0" eaLnBrk="1" latinLnBrk="0" hangingPunct="1">
@@ -3052,9 +4794,9 @@
           <a:spcPct val="0"/>
         </a:spcBef>
         <a:buNone/>
-        <a:defRPr sz="4400" kern="1200">
+        <a:defRPr sz="5400" kern="1200">
           <a:solidFill>
-            <a:schemeClr val="tx1"/>
+            <a:schemeClr val="tx2"/>
           </a:solidFill>
           <a:latin typeface="+mj-lt"/>
           <a:ea typeface="+mj-ea"/>
@@ -3070,11 +4812,17 @@
         <a:spcBef>
           <a:spcPts val="1000"/>
         </a:spcBef>
+        <a:buClr>
+          <a:schemeClr val="tx2">
+            <a:lumMod val="75000"/>
+            <a:lumOff val="25000"/>
+          </a:schemeClr>
+        </a:buClr>
         <a:buFont typeface="Arial" panose="020B0604020202020204" pitchFamily="34" charset="0"/>
         <a:buChar char="•"/>
-        <a:defRPr sz="2800" kern="1200">
+        <a:defRPr sz="2000" kern="1200">
           <a:solidFill>
-            <a:schemeClr val="tx1"/>
+            <a:schemeClr val="tx2"/>
           </a:solidFill>
           <a:latin typeface="+mn-lt"/>
           <a:ea typeface="+mn-ea"/>
@@ -3088,11 +4836,17 @@
         <a:spcBef>
           <a:spcPts val="500"/>
         </a:spcBef>
+        <a:buClr>
+          <a:schemeClr val="tx2">
+            <a:lumMod val="75000"/>
+            <a:lumOff val="25000"/>
+          </a:schemeClr>
+        </a:buClr>
         <a:buFont typeface="Arial" panose="020B0604020202020204" pitchFamily="34" charset="0"/>
         <a:buChar char="•"/>
-        <a:defRPr sz="2400" kern="1200">
+        <a:defRPr sz="1800" kern="1200">
           <a:solidFill>
-            <a:schemeClr val="tx1"/>
+            <a:schemeClr val="tx2"/>
           </a:solidFill>
           <a:latin typeface="+mn-lt"/>
           <a:ea typeface="+mn-ea"/>
@@ -3106,11 +4860,17 @@
         <a:spcBef>
           <a:spcPts val="500"/>
         </a:spcBef>
+        <a:buClr>
+          <a:schemeClr val="tx2">
+            <a:lumMod val="75000"/>
+            <a:lumOff val="25000"/>
+          </a:schemeClr>
+        </a:buClr>
         <a:buFont typeface="Arial" panose="020B0604020202020204" pitchFamily="34" charset="0"/>
         <a:buChar char="•"/>
-        <a:defRPr sz="2000" kern="1200">
+        <a:defRPr sz="1600" kern="1200">
           <a:solidFill>
-            <a:schemeClr val="tx1"/>
+            <a:schemeClr val="tx2"/>
           </a:solidFill>
           <a:latin typeface="+mn-lt"/>
           <a:ea typeface="+mn-ea"/>
@@ -3124,11 +4884,17 @@
         <a:spcBef>
           <a:spcPts val="500"/>
         </a:spcBef>
+        <a:buClr>
+          <a:schemeClr val="tx2">
+            <a:lumMod val="75000"/>
+            <a:lumOff val="25000"/>
+          </a:schemeClr>
+        </a:buClr>
         <a:buFont typeface="Arial" panose="020B0604020202020204" pitchFamily="34" charset="0"/>
         <a:buChar char="•"/>
-        <a:defRPr sz="1800" kern="1200">
+        <a:defRPr sz="1400" kern="1200">
           <a:solidFill>
-            <a:schemeClr val="tx1"/>
+            <a:schemeClr val="tx2"/>
           </a:solidFill>
           <a:latin typeface="+mn-lt"/>
           <a:ea typeface="+mn-ea"/>
@@ -3142,11 +4908,17 @@
         <a:spcBef>
           <a:spcPts val="500"/>
         </a:spcBef>
+        <a:buClr>
+          <a:schemeClr val="tx2">
+            <a:lumMod val="75000"/>
+            <a:lumOff val="25000"/>
+          </a:schemeClr>
+        </a:buClr>
         <a:buFont typeface="Arial" panose="020B0604020202020204" pitchFamily="34" charset="0"/>
         <a:buChar char="•"/>
-        <a:defRPr sz="1800" kern="1200">
+        <a:defRPr sz="1400" kern="1200">
           <a:solidFill>
-            <a:schemeClr val="tx1"/>
+            <a:schemeClr val="tx2"/>
           </a:solidFill>
           <a:latin typeface="+mn-lt"/>
           <a:ea typeface="+mn-ea"/>
@@ -3328,6 +5100,14 @@
 <file path=ppt/slides/slide1.xml><?xml version="1.0" encoding="utf-8"?>
 <p:sld xmlns:a="http://schemas.openxmlformats.org/drawingml/2006/main" xmlns:r="http://schemas.openxmlformats.org/officeDocument/2006/relationships" xmlns:p="http://schemas.openxmlformats.org/presentationml/2006/main">
   <p:cSld>
+    <p:bg>
+      <p:bgPr>
+        <a:solidFill>
+          <a:schemeClr val="bg1"/>
+        </a:solidFill>
+        <a:effectLst/>
+      </p:bgPr>
+    </p:bg>
     <p:spTree>
       <p:nvGrpSpPr>
         <p:cNvPr id="1" name=""/>
@@ -3342,41 +5122,1657 @@
           <a:chExt cx="0" cy="0"/>
         </a:xfrm>
       </p:grpSpPr>
-      <p:sp>
-        <p:nvSpPr>
-          <p:cNvPr id="3" name="Subtitle 2">
-            <a:extLst>
-              <a:ext uri="{FF2B5EF4-FFF2-40B4-BE49-F238E27FC236}">
-                <a16:creationId xmlns:a16="http://schemas.microsoft.com/office/drawing/2014/main" id="{C5802E66-3CCA-E9F9-B1C9-271E9225501B}"/>
-              </a:ext>
-            </a:extLst>
-          </p:cNvPr>
-          <p:cNvSpPr>
-            <a:spLocks noGrp="1"/>
-          </p:cNvSpPr>
-          <p:nvPr>
-            <p:ph type="subTitle" idx="1"/>
+      <p:sp useBgFill="1">
+        <p:nvSpPr>
+          <p:cNvPr id="3210" name="Rectangle 3209">
+            <a:extLst>
+              <a:ext uri="{FF2B5EF4-FFF2-40B4-BE49-F238E27FC236}">
+                <a16:creationId xmlns:a16="http://schemas.microsoft.com/office/drawing/2014/main" id="{5B87A0C9-A217-4BF6-9142-AE0655711B41}"/>
+              </a:ext>
+              <a:ext uri="{C183D7F6-B498-43B3-948B-1728B52AA6E4}">
+                <adec:decorative xmlns:adec="http://schemas.microsoft.com/office/drawing/2017/decorative" val="1"/>
+              </a:ext>
+            </a:extLst>
+          </p:cNvPr>
+          <p:cNvSpPr>
+            <a:spLocks noGrp="1" noRot="1" noChangeAspect="1" noMove="1" noResize="1" noEditPoints="1" noAdjustHandles="1" noChangeArrowheads="1" noChangeShapeType="1" noTextEdit="1"/>
+          </p:cNvSpPr>
+          <p:nvPr>
+            <p:extLst>
+              <p:ext uri="{386F3935-93C4-4BCD-93E2-E3B085C9AB24}">
+                <p16:designElem xmlns:p16="http://schemas.microsoft.com/office/powerpoint/2015/main" val="1"/>
+              </p:ext>
+            </p:extLst>
           </p:nvPr>
         </p:nvSpPr>
         <p:spPr>
           <a:xfrm>
-            <a:off x="609600" y="500743"/>
-            <a:ext cx="10961914" cy="5758543"/>
+            <a:off x="0" y="0"/>
+            <a:ext cx="12192000" cy="6858000"/>
+          </a:xfrm>
+          <a:prstGeom prst="rect">
+            <a:avLst/>
+          </a:prstGeom>
+          <a:ln>
+            <a:noFill/>
+          </a:ln>
+        </p:spPr>
+        <p:style>
+          <a:lnRef idx="2">
+            <a:schemeClr val="accent1">
+              <a:shade val="50000"/>
+            </a:schemeClr>
+          </a:lnRef>
+          <a:fillRef idx="1">
+            <a:schemeClr val="accent1"/>
+          </a:fillRef>
+          <a:effectRef idx="0">
+            <a:schemeClr val="accent1"/>
+          </a:effectRef>
+          <a:fontRef idx="minor">
+            <a:schemeClr val="lt1"/>
+          </a:fontRef>
+        </p:style>
+        <p:txBody>
+          <a:bodyPr rtlCol="0" anchor="ctr"/>
+          <a:lstStyle/>
+          <a:p>
+            <a:pPr algn="ctr"/>
+            <a:endParaRPr lang="en-US" dirty="0"/>
+          </a:p>
+        </p:txBody>
+      </p:sp>
+      <p:sp>
+        <p:nvSpPr>
+          <p:cNvPr id="3212" name="Rectangle 3211">
+            <a:extLst>
+              <a:ext uri="{FF2B5EF4-FFF2-40B4-BE49-F238E27FC236}">
+                <a16:creationId xmlns:a16="http://schemas.microsoft.com/office/drawing/2014/main" id="{D0B4DB25-E5FF-4E57-AD7E-3445A20CF5C3}"/>
+              </a:ext>
+              <a:ext uri="{C183D7F6-B498-43B3-948B-1728B52AA6E4}">
+                <adec:decorative xmlns:adec="http://schemas.microsoft.com/office/drawing/2017/decorative" val="1"/>
+              </a:ext>
+            </a:extLst>
+          </p:cNvPr>
+          <p:cNvSpPr>
+            <a:spLocks noGrp="1" noRot="1" noChangeAspect="1" noMove="1" noResize="1" noEditPoints="1" noAdjustHandles="1" noChangeArrowheads="1" noChangeShapeType="1" noTextEdit="1"/>
+          </p:cNvSpPr>
+          <p:nvPr>
+            <p:extLst>
+              <p:ext uri="{386F3935-93C4-4BCD-93E2-E3B085C9AB24}">
+                <p16:designElem xmlns:p16="http://schemas.microsoft.com/office/powerpoint/2015/main" val="1"/>
+              </p:ext>
+            </p:extLst>
+          </p:nvPr>
+        </p:nvSpPr>
+        <p:spPr>
+          <a:xfrm>
+            <a:off x="0" y="0"/>
+            <a:ext cx="12192000" cy="6858000"/>
+          </a:xfrm>
+          <a:prstGeom prst="rect">
+            <a:avLst/>
+          </a:prstGeom>
+          <a:solidFill>
+            <a:schemeClr val="bg2">
+              <a:lumMod val="90000"/>
+              <a:alpha val="30000"/>
+            </a:schemeClr>
+          </a:solidFill>
+          <a:ln>
+            <a:noFill/>
+          </a:ln>
+        </p:spPr>
+        <p:style>
+          <a:lnRef idx="2">
+            <a:schemeClr val="accent1">
+              <a:shade val="50000"/>
+            </a:schemeClr>
+          </a:lnRef>
+          <a:fillRef idx="1">
+            <a:schemeClr val="accent1"/>
+          </a:fillRef>
+          <a:effectRef idx="0">
+            <a:schemeClr val="accent1"/>
+          </a:effectRef>
+          <a:fontRef idx="minor">
+            <a:schemeClr val="lt1"/>
+          </a:fontRef>
+        </p:style>
+        <p:txBody>
+          <a:bodyPr rtlCol="0" anchor="ctr"/>
+          <a:lstStyle/>
+          <a:p>
+            <a:pPr algn="ctr"/>
+            <a:endParaRPr lang="en-US" sz="900" dirty="0">
+              <a:solidFill>
+                <a:schemeClr val="bg1"/>
+              </a:solidFill>
+              <a:latin typeface="+mj-lt"/>
+            </a:endParaRPr>
+          </a:p>
+        </p:txBody>
+      </p:sp>
+      <p:sp>
+        <p:nvSpPr>
+          <p:cNvPr id="3166" name="Title 1">
+            <a:extLst>
+              <a:ext uri="{FF2B5EF4-FFF2-40B4-BE49-F238E27FC236}">
+                <a16:creationId xmlns:a16="http://schemas.microsoft.com/office/drawing/2014/main" id="{B37B7D3C-E578-6073-826E-7DB6C6D5DD0A}"/>
+              </a:ext>
+            </a:extLst>
+          </p:cNvPr>
+          <p:cNvSpPr>
+            <a:spLocks noGrp="1"/>
+          </p:cNvSpPr>
+          <p:nvPr>
+            <p:ph type="title"/>
+          </p:nvPr>
+        </p:nvSpPr>
+        <p:spPr>
+          <a:xfrm>
+            <a:off x="541764" y="1561052"/>
+            <a:ext cx="5049402" cy="2493876"/>
           </a:xfrm>
         </p:spPr>
         <p:txBody>
-          <a:bodyPr/>
+          <a:bodyPr anchor="b">
+            <a:normAutofit/>
+          </a:bodyPr>
           <a:lstStyle/>
           <a:p>
-            <a:pPr algn="l"/>
-            <a:endParaRPr lang="en-IN" dirty="0"/>
-          </a:p>
-        </p:txBody>
-      </p:sp>
+            <a:r>
+              <a:rPr lang="en-US" sz="4800"/>
+              <a:t>Programming and Problem Solving in </a:t>
+            </a:r>
+            <a:r>
+              <a:rPr lang="en-US" sz="4800" b="1"/>
+              <a:t>C</a:t>
+            </a:r>
+            <a:endParaRPr lang="en-IN" sz="4800" b="1" dirty="0"/>
+          </a:p>
+        </p:txBody>
+      </p:sp>
+      <p:grpSp>
+        <p:nvGrpSpPr>
+          <p:cNvPr id="3214" name="decorative circles">
+            <a:extLst>
+              <a:ext uri="{FF2B5EF4-FFF2-40B4-BE49-F238E27FC236}">
+                <a16:creationId xmlns:a16="http://schemas.microsoft.com/office/drawing/2014/main" id="{7C3A2A36-5A95-4B17-8AB2-F408D3FFCFDC}"/>
+              </a:ext>
+              <a:ext uri="{C183D7F6-B498-43B3-948B-1728B52AA6E4}">
+                <adec:decorative xmlns:adec="http://schemas.microsoft.com/office/drawing/2017/decorative" val="1"/>
+              </a:ext>
+            </a:extLst>
+          </p:cNvPr>
+          <p:cNvGrpSpPr>
+            <a:grpSpLocks noGrp="1" noUngrp="1" noRot="1" noChangeAspect="1" noMove="1" noResize="1"/>
+          </p:cNvGrpSpPr>
+          <p:nvPr>
+            <p:extLst>
+              <p:ext uri="{386F3935-93C4-4BCD-93E2-E3B085C9AB24}">
+                <p16:designElem xmlns:p16="http://schemas.microsoft.com/office/powerpoint/2015/main" val="1"/>
+              </p:ext>
+            </p:extLst>
+          </p:nvPr>
+        </p:nvGrpSpPr>
+        <p:grpSpPr>
+          <a:xfrm>
+            <a:off x="7098662" y="310026"/>
+            <a:ext cx="1902995" cy="6016634"/>
+            <a:chOff x="7098662" y="310026"/>
+            <a:chExt cx="1902995" cy="6016634"/>
+          </a:xfrm>
+        </p:grpSpPr>
+        <p:sp>
+          <p:nvSpPr>
+            <p:cNvPr id="3215" name="Oval 3214">
+              <a:extLst>
+                <a:ext uri="{FF2B5EF4-FFF2-40B4-BE49-F238E27FC236}">
+                  <a16:creationId xmlns:a16="http://schemas.microsoft.com/office/drawing/2014/main" id="{BD4EDADB-BF48-416B-BF28-54FDEC73C1EA}"/>
+                </a:ext>
+                <a:ext uri="{C183D7F6-B498-43B3-948B-1728B52AA6E4}">
+                  <adec:decorative xmlns:adec="http://schemas.microsoft.com/office/drawing/2017/decorative" val="1"/>
+                </a:ext>
+              </a:extLst>
+            </p:cNvPr>
+            <p:cNvSpPr/>
+            <p:nvPr>
+              <p:extLst>
+                <p:ext uri="{386F3935-93C4-4BCD-93E2-E3B085C9AB24}">
+                  <p16:designElem xmlns:p16="http://schemas.microsoft.com/office/powerpoint/2015/main" val="1"/>
+                </p:ext>
+              </p:extLst>
+            </p:nvPr>
+          </p:nvSpPr>
+          <p:spPr>
+            <a:xfrm>
+              <a:off x="7608370" y="6020880"/>
+              <a:ext cx="305780" cy="305780"/>
+            </a:xfrm>
+            <a:prstGeom prst="ellipse">
+              <a:avLst/>
+            </a:prstGeom>
+            <a:solidFill>
+              <a:schemeClr val="accent3"/>
+            </a:solidFill>
+            <a:ln>
+              <a:noFill/>
+            </a:ln>
+          </p:spPr>
+          <p:style>
+            <a:lnRef idx="2">
+              <a:schemeClr val="accent1">
+                <a:shade val="50000"/>
+              </a:schemeClr>
+            </a:lnRef>
+            <a:fillRef idx="1">
+              <a:schemeClr val="accent1"/>
+            </a:fillRef>
+            <a:effectRef idx="0">
+              <a:schemeClr val="accent1"/>
+            </a:effectRef>
+            <a:fontRef idx="minor">
+              <a:schemeClr val="lt1"/>
+            </a:fontRef>
+          </p:style>
+          <p:txBody>
+            <a:bodyPr rtlCol="0" anchor="ctr"/>
+            <a:lstStyle/>
+            <a:p>
+              <a:pPr algn="ctr"/>
+              <a:endParaRPr lang="en-US"/>
+            </a:p>
+          </p:txBody>
+        </p:sp>
+        <p:sp>
+          <p:nvSpPr>
+            <p:cNvPr id="3216" name="Oval 3215">
+              <a:extLst>
+                <a:ext uri="{FF2B5EF4-FFF2-40B4-BE49-F238E27FC236}">
+                  <a16:creationId xmlns:a16="http://schemas.microsoft.com/office/drawing/2014/main" id="{859C43BB-22FD-443F-9005-D49E36E2DF0B}"/>
+                </a:ext>
+                <a:ext uri="{C183D7F6-B498-43B3-948B-1728B52AA6E4}">
+                  <adec:decorative xmlns:adec="http://schemas.microsoft.com/office/drawing/2017/decorative" val="1"/>
+                </a:ext>
+              </a:extLst>
+            </p:cNvPr>
+            <p:cNvSpPr/>
+            <p:nvPr>
+              <p:extLst>
+                <p:ext uri="{386F3935-93C4-4BCD-93E2-E3B085C9AB24}">
+                  <p16:designElem xmlns:p16="http://schemas.microsoft.com/office/powerpoint/2015/main" val="1"/>
+                </p:ext>
+              </p:extLst>
+            </p:nvPr>
+          </p:nvSpPr>
+          <p:spPr>
+            <a:xfrm>
+              <a:off x="7098662" y="5787004"/>
+              <a:ext cx="113367" cy="113367"/>
+            </a:xfrm>
+            <a:prstGeom prst="ellipse">
+              <a:avLst/>
+            </a:prstGeom>
+            <a:solidFill>
+              <a:schemeClr val="accent5"/>
+            </a:solidFill>
+            <a:ln>
+              <a:noFill/>
+            </a:ln>
+          </p:spPr>
+          <p:style>
+            <a:lnRef idx="2">
+              <a:schemeClr val="accent1">
+                <a:shade val="50000"/>
+              </a:schemeClr>
+            </a:lnRef>
+            <a:fillRef idx="1">
+              <a:schemeClr val="accent1"/>
+            </a:fillRef>
+            <a:effectRef idx="0">
+              <a:schemeClr val="accent1"/>
+            </a:effectRef>
+            <a:fontRef idx="minor">
+              <a:schemeClr val="lt1"/>
+            </a:fontRef>
+          </p:style>
+          <p:txBody>
+            <a:bodyPr rtlCol="0" anchor="ctr"/>
+            <a:lstStyle/>
+            <a:p>
+              <a:pPr algn="ctr"/>
+              <a:endParaRPr lang="en-US"/>
+            </a:p>
+          </p:txBody>
+        </p:sp>
+        <p:sp>
+          <p:nvSpPr>
+            <p:cNvPr id="3217" name="Oval 3216">
+              <a:extLst>
+                <a:ext uri="{FF2B5EF4-FFF2-40B4-BE49-F238E27FC236}">
+                  <a16:creationId xmlns:a16="http://schemas.microsoft.com/office/drawing/2014/main" id="{106A992A-AE04-446D-A5C0-FBAC87842AE0}"/>
+                </a:ext>
+                <a:ext uri="{C183D7F6-B498-43B3-948B-1728B52AA6E4}">
+                  <adec:decorative xmlns:adec="http://schemas.microsoft.com/office/drawing/2017/decorative" val="1"/>
+                </a:ext>
+              </a:extLst>
+            </p:cNvPr>
+            <p:cNvSpPr/>
+            <p:nvPr>
+              <p:extLst>
+                <p:ext uri="{386F3935-93C4-4BCD-93E2-E3B085C9AB24}">
+                  <p16:designElem xmlns:p16="http://schemas.microsoft.com/office/powerpoint/2015/main" val="1"/>
+                </p:ext>
+              </p:extLst>
+            </p:nvPr>
+          </p:nvSpPr>
+          <p:spPr>
+            <a:xfrm>
+              <a:off x="8308481" y="310026"/>
+              <a:ext cx="226735" cy="226735"/>
+            </a:xfrm>
+            <a:prstGeom prst="ellipse">
+              <a:avLst/>
+            </a:prstGeom>
+            <a:solidFill>
+              <a:schemeClr val="tx2">
+                <a:lumMod val="10000"/>
+                <a:lumOff val="90000"/>
+              </a:schemeClr>
+            </a:solidFill>
+            <a:ln>
+              <a:noFill/>
+            </a:ln>
+          </p:spPr>
+          <p:style>
+            <a:lnRef idx="2">
+              <a:schemeClr val="accent1">
+                <a:shade val="50000"/>
+              </a:schemeClr>
+            </a:lnRef>
+            <a:fillRef idx="1">
+              <a:schemeClr val="accent1"/>
+            </a:fillRef>
+            <a:effectRef idx="0">
+              <a:schemeClr val="accent1"/>
+            </a:effectRef>
+            <a:fontRef idx="minor">
+              <a:schemeClr val="lt1"/>
+            </a:fontRef>
+          </p:style>
+          <p:txBody>
+            <a:bodyPr rtlCol="0" anchor="ctr"/>
+            <a:lstStyle/>
+            <a:p>
+              <a:pPr algn="ctr"/>
+              <a:endParaRPr lang="en-US"/>
+            </a:p>
+          </p:txBody>
+        </p:sp>
+        <p:sp>
+          <p:nvSpPr>
+            <p:cNvPr id="3218" name="Oval 3217">
+              <a:extLst>
+                <a:ext uri="{FF2B5EF4-FFF2-40B4-BE49-F238E27FC236}">
+                  <a16:creationId xmlns:a16="http://schemas.microsoft.com/office/drawing/2014/main" id="{61EC5C1C-D57A-4381-BC98-659491187039}"/>
+                </a:ext>
+                <a:ext uri="{C183D7F6-B498-43B3-948B-1728B52AA6E4}">
+                  <adec:decorative xmlns:adec="http://schemas.microsoft.com/office/drawing/2017/decorative" val="1"/>
+                </a:ext>
+              </a:extLst>
+            </p:cNvPr>
+            <p:cNvSpPr/>
+            <p:nvPr>
+              <p:extLst>
+                <p:ext uri="{386F3935-93C4-4BCD-93E2-E3B085C9AB24}">
+                  <p16:designElem xmlns:p16="http://schemas.microsoft.com/office/powerpoint/2015/main" val="1"/>
+                </p:ext>
+              </p:extLst>
+            </p:nvPr>
+          </p:nvSpPr>
+          <p:spPr>
+            <a:xfrm>
+              <a:off x="8535216" y="735547"/>
+              <a:ext cx="466441" cy="466441"/>
+            </a:xfrm>
+            <a:prstGeom prst="ellipse">
+              <a:avLst/>
+            </a:prstGeom>
+            <a:solidFill>
+              <a:schemeClr val="accent2">
+                <a:lumMod val="40000"/>
+                <a:lumOff val="60000"/>
+              </a:schemeClr>
+            </a:solidFill>
+            <a:ln>
+              <a:noFill/>
+            </a:ln>
+          </p:spPr>
+          <p:style>
+            <a:lnRef idx="2">
+              <a:schemeClr val="accent1">
+                <a:shade val="50000"/>
+              </a:schemeClr>
+            </a:lnRef>
+            <a:fillRef idx="1">
+              <a:schemeClr val="accent1"/>
+            </a:fillRef>
+            <a:effectRef idx="0">
+              <a:schemeClr val="accent1"/>
+            </a:effectRef>
+            <a:fontRef idx="minor">
+              <a:schemeClr val="lt1"/>
+            </a:fontRef>
+          </p:style>
+          <p:txBody>
+            <a:bodyPr rtlCol="0" anchor="ctr"/>
+            <a:lstStyle/>
+            <a:p>
+              <a:pPr algn="ctr"/>
+              <a:endParaRPr lang="en-US" dirty="0"/>
+            </a:p>
+          </p:txBody>
+        </p:sp>
+      </p:grpSp>
+      <p:sp>
+        <p:nvSpPr>
+          <p:cNvPr id="3220" name="Oval 3">
+            <a:extLst>
+              <a:ext uri="{FF2B5EF4-FFF2-40B4-BE49-F238E27FC236}">
+                <a16:creationId xmlns:a16="http://schemas.microsoft.com/office/drawing/2014/main" id="{13EB5962-23A4-45D9-A60C-2871274E321A}"/>
+              </a:ext>
+              <a:ext uri="{C183D7F6-B498-43B3-948B-1728B52AA6E4}">
+                <adec:decorative xmlns:adec="http://schemas.microsoft.com/office/drawing/2017/decorative" val="1"/>
+              </a:ext>
+            </a:extLst>
+          </p:cNvPr>
+          <p:cNvSpPr>
+            <a:spLocks noGrp="1" noRot="1" noChangeAspect="1" noMove="1" noResize="1" noEditPoints="1" noAdjustHandles="1" noChangeArrowheads="1" noChangeShapeType="1" noTextEdit="1"/>
+          </p:cNvSpPr>
+          <p:nvPr>
+            <p:extLst>
+              <p:ext uri="{386F3935-93C4-4BCD-93E2-E3B085C9AB24}">
+                <p16:designElem xmlns:p16="http://schemas.microsoft.com/office/powerpoint/2015/main" val="1"/>
+              </p:ext>
+            </p:extLst>
+          </p:nvPr>
+        </p:nvSpPr>
+        <p:spPr>
+          <a:xfrm>
+            <a:off x="6283310" y="284085"/>
+            <a:ext cx="1571298" cy="1571298"/>
+          </a:xfrm>
+          <a:prstGeom prst="ellipse">
+            <a:avLst/>
+          </a:prstGeom>
+          <a:solidFill>
+            <a:schemeClr val="accent5">
+              <a:lumMod val="20000"/>
+              <a:lumOff val="80000"/>
+            </a:schemeClr>
+          </a:solidFill>
+          <a:ln>
+            <a:noFill/>
+          </a:ln>
+        </p:spPr>
+        <p:style>
+          <a:lnRef idx="2">
+            <a:schemeClr val="accent1">
+              <a:shade val="50000"/>
+            </a:schemeClr>
+          </a:lnRef>
+          <a:fillRef idx="1">
+            <a:schemeClr val="accent1"/>
+          </a:fillRef>
+          <a:effectRef idx="0">
+            <a:schemeClr val="accent1"/>
+          </a:effectRef>
+          <a:fontRef idx="minor">
+            <a:schemeClr val="lt1"/>
+          </a:fontRef>
+        </p:style>
+        <p:txBody>
+          <a:bodyPr rtlCol="0" anchor="ctr"/>
+          <a:lstStyle/>
+          <a:p>
+            <a:pPr algn="ctr"/>
+            <a:endParaRPr lang="en-US"/>
+          </a:p>
+        </p:txBody>
+      </p:sp>
+      <p:pic>
+        <p:nvPicPr>
+          <p:cNvPr id="3222" name="Graphic 3221">
+            <a:extLst>
+              <a:ext uri="{FF2B5EF4-FFF2-40B4-BE49-F238E27FC236}">
+                <a16:creationId xmlns:a16="http://schemas.microsoft.com/office/drawing/2014/main" id="{CD8F8943-AC41-4DDB-89A9-D4C4D19AF524}"/>
+              </a:ext>
+              <a:ext uri="{C183D7F6-B498-43B3-948B-1728B52AA6E4}">
+                <adec:decorative xmlns:adec="http://schemas.microsoft.com/office/drawing/2017/decorative" val="1"/>
+              </a:ext>
+            </a:extLst>
+          </p:cNvPr>
+          <p:cNvPicPr>
+            <a:picLocks noGrp="1" noRot="1" noChangeAspect="1" noMove="1" noResize="1" noEditPoints="1" noAdjustHandles="1" noChangeArrowheads="1" noChangeShapeType="1" noCrop="1"/>
+          </p:cNvPicPr>
+          <p:nvPr>
+            <p:extLst>
+              <p:ext uri="{386F3935-93C4-4BCD-93E2-E3B085C9AB24}">
+                <p16:designElem xmlns:p16="http://schemas.microsoft.com/office/powerpoint/2015/main" val="1"/>
+              </p:ext>
+            </p:extLst>
+          </p:nvPr>
+        </p:nvPicPr>
+        <p:blipFill>
+          <a:blip r:embed="rId2">
+            <a:extLst>
+              <a:ext uri="{28A0092B-C50C-407E-A947-70E740481C1C}">
+                <a14:useLocalDpi xmlns:a14="http://schemas.microsoft.com/office/drawing/2010/main" val="0"/>
+              </a:ext>
+              <a:ext uri="{96DAC541-7B7A-43D3-8B79-37D633B846F1}">
+                <asvg:svgBlip xmlns:asvg="http://schemas.microsoft.com/office/drawing/2016/SVG/main" r:embed="rId3"/>
+              </a:ext>
+            </a:extLst>
+          </a:blip>
+          <a:stretch>
+            <a:fillRect/>
+          </a:stretch>
+        </p:blipFill>
+        <p:spPr>
+          <a:xfrm>
+            <a:off x="6273925" y="286187"/>
+            <a:ext cx="1571299" cy="1571299"/>
+          </a:xfrm>
+          <a:prstGeom prst="rect">
+            <a:avLst/>
+          </a:prstGeom>
+        </p:spPr>
+      </p:pic>
+      <p:pic>
+        <p:nvPicPr>
+          <p:cNvPr id="4" name="Picture 2" descr="Is Programming &amp; Coding a High-Income Skill? (Explored)">
+            <a:extLst>
+              <a:ext uri="{FF2B5EF4-FFF2-40B4-BE49-F238E27FC236}">
+                <a16:creationId xmlns:a16="http://schemas.microsoft.com/office/drawing/2014/main" id="{BDF2ECCC-7647-B60F-BAA6-40EFB604CE53}"/>
+              </a:ext>
+            </a:extLst>
+          </p:cNvPr>
+          <p:cNvPicPr>
+            <a:picLocks noChangeAspect="1" noChangeArrowheads="1"/>
+          </p:cNvPicPr>
+          <p:nvPr/>
+        </p:nvPicPr>
+        <p:blipFill>
+          <a:blip r:embed="rId4">
+            <a:extLst>
+              <a:ext uri="{28A0092B-C50C-407E-A947-70E740481C1C}">
+                <a14:useLocalDpi xmlns:a14="http://schemas.microsoft.com/office/drawing/2010/main" val="0"/>
+              </a:ext>
+            </a:extLst>
+          </a:blip>
+          <a:srcRect l="25319" r="22430" b="-2"/>
+          <a:stretch/>
+        </p:blipFill>
+        <p:spPr bwMode="auto">
+          <a:xfrm>
+            <a:off x="6600835" y="1889777"/>
+            <a:ext cx="3643375" cy="3643375"/>
+          </a:xfrm>
+          <a:custGeom>
+            <a:avLst/>
+            <a:gdLst/>
+            <a:ahLst/>
+            <a:cxnLst/>
+            <a:rect l="l" t="t" r="r" b="b"/>
+            <a:pathLst>
+              <a:path w="3111160" h="3111160">
+                <a:moveTo>
+                  <a:pt x="1555580" y="0"/>
+                </a:moveTo>
+                <a:cubicBezTo>
+                  <a:pt x="2414703" y="0"/>
+                  <a:pt x="3111160" y="696457"/>
+                  <a:pt x="3111160" y="1555580"/>
+                </a:cubicBezTo>
+                <a:cubicBezTo>
+                  <a:pt x="3111160" y="2414703"/>
+                  <a:pt x="2414703" y="3111160"/>
+                  <a:pt x="1555580" y="3111160"/>
+                </a:cubicBezTo>
+                <a:cubicBezTo>
+                  <a:pt x="696457" y="3111160"/>
+                  <a:pt x="0" y="2414703"/>
+                  <a:pt x="0" y="1555580"/>
+                </a:cubicBezTo>
+                <a:cubicBezTo>
+                  <a:pt x="0" y="696457"/>
+                  <a:pt x="696457" y="0"/>
+                  <a:pt x="1555580" y="0"/>
+                </a:cubicBezTo>
+                <a:close/>
+              </a:path>
+            </a:pathLst>
+          </a:custGeom>
+          <a:noFill/>
+          <a:extLst>
+            <a:ext uri="{909E8E84-426E-40DD-AFC4-6F175D3DCCD1}">
+              <a14:hiddenFill xmlns:a14="http://schemas.microsoft.com/office/drawing/2010/main">
+                <a:solidFill>
+                  <a:srgbClr val="FFFFFF"/>
+                </a:solidFill>
+              </a14:hiddenFill>
+            </a:ext>
+          </a:extLst>
+        </p:spPr>
+      </p:pic>
+      <p:pic>
+        <p:nvPicPr>
+          <p:cNvPr id="5" name="Picture 4" descr="A blue square with a white background&#10;&#10;Description automatically generated">
+            <a:extLst>
+              <a:ext uri="{FF2B5EF4-FFF2-40B4-BE49-F238E27FC236}">
+                <a16:creationId xmlns:a16="http://schemas.microsoft.com/office/drawing/2014/main" id="{1E1394E2-E731-44B3-F599-1E7AE3535017}"/>
+              </a:ext>
+            </a:extLst>
+          </p:cNvPr>
+          <p:cNvPicPr>
+            <a:picLocks noChangeAspect="1"/>
+          </p:cNvPicPr>
+          <p:nvPr/>
+        </p:nvPicPr>
+        <p:blipFill>
+          <a:blip r:embed="rId5">
+            <a:extLst>
+              <a:ext uri="{28A0092B-C50C-407E-A947-70E740481C1C}">
+                <a14:useLocalDpi xmlns:a14="http://schemas.microsoft.com/office/drawing/2010/main" val="0"/>
+              </a:ext>
+            </a:extLst>
+          </a:blip>
+          <a:srcRect l="59409" r="5841" b="1"/>
+          <a:stretch/>
+        </p:blipFill>
+        <p:spPr>
+          <a:xfrm>
+            <a:off x="9676394" y="433214"/>
+            <a:ext cx="2255677" cy="2255677"/>
+          </a:xfrm>
+          <a:custGeom>
+            <a:avLst/>
+            <a:gdLst/>
+            <a:ahLst/>
+            <a:cxnLst/>
+            <a:rect l="l" t="t" r="r" b="b"/>
+            <a:pathLst>
+              <a:path w="3111160" h="3111160">
+                <a:moveTo>
+                  <a:pt x="1555580" y="0"/>
+                </a:moveTo>
+                <a:cubicBezTo>
+                  <a:pt x="2414703" y="0"/>
+                  <a:pt x="3111160" y="696457"/>
+                  <a:pt x="3111160" y="1555580"/>
+                </a:cubicBezTo>
+                <a:cubicBezTo>
+                  <a:pt x="3111160" y="2414703"/>
+                  <a:pt x="2414703" y="3111160"/>
+                  <a:pt x="1555580" y="3111160"/>
+                </a:cubicBezTo>
+                <a:cubicBezTo>
+                  <a:pt x="696457" y="3111160"/>
+                  <a:pt x="0" y="2414703"/>
+                  <a:pt x="0" y="1555580"/>
+                </a:cubicBezTo>
+                <a:cubicBezTo>
+                  <a:pt x="0" y="696457"/>
+                  <a:pt x="696457" y="0"/>
+                  <a:pt x="1555580" y="0"/>
+                </a:cubicBezTo>
+                <a:close/>
+              </a:path>
+            </a:pathLst>
+          </a:custGeom>
+        </p:spPr>
+      </p:pic>
+      <p:pic>
+        <p:nvPicPr>
+          <p:cNvPr id="3076" name="Picture 4" descr="Honoring the life of Dennis Ritchie, UNIX co-creator and father of C |  Digital News Asia">
+            <a:extLst>
+              <a:ext uri="{FF2B5EF4-FFF2-40B4-BE49-F238E27FC236}">
+                <a16:creationId xmlns:a16="http://schemas.microsoft.com/office/drawing/2014/main" id="{1D371D33-37F6-10E1-09DF-0975D03A16D8}"/>
+              </a:ext>
+            </a:extLst>
+          </p:cNvPr>
+          <p:cNvPicPr>
+            <a:picLocks noChangeAspect="1" noChangeArrowheads="1"/>
+          </p:cNvPicPr>
+          <p:nvPr/>
+        </p:nvPicPr>
+        <p:blipFill>
+          <a:blip r:embed="rId6">
+            <a:extLst>
+              <a:ext uri="{28A0092B-C50C-407E-A947-70E740481C1C}">
+                <a14:useLocalDpi xmlns:a14="http://schemas.microsoft.com/office/drawing/2010/main" val="0"/>
+              </a:ext>
+            </a:extLst>
+          </a:blip>
+          <a:srcRect t="2264" r="3" b="26040"/>
+          <a:stretch/>
+        </p:blipFill>
+        <p:spPr bwMode="auto">
+          <a:xfrm>
+            <a:off x="9941494" y="4420665"/>
+            <a:ext cx="1990577" cy="1990577"/>
+          </a:xfrm>
+          <a:custGeom>
+            <a:avLst/>
+            <a:gdLst/>
+            <a:ahLst/>
+            <a:cxnLst/>
+            <a:rect l="l" t="t" r="r" b="b"/>
+            <a:pathLst>
+              <a:path w="3111160" h="3111160">
+                <a:moveTo>
+                  <a:pt x="1555580" y="0"/>
+                </a:moveTo>
+                <a:cubicBezTo>
+                  <a:pt x="2414703" y="0"/>
+                  <a:pt x="3111160" y="696457"/>
+                  <a:pt x="3111160" y="1555580"/>
+                </a:cubicBezTo>
+                <a:cubicBezTo>
+                  <a:pt x="3111160" y="2414703"/>
+                  <a:pt x="2414703" y="3111160"/>
+                  <a:pt x="1555580" y="3111160"/>
+                </a:cubicBezTo>
+                <a:cubicBezTo>
+                  <a:pt x="696457" y="3111160"/>
+                  <a:pt x="0" y="2414703"/>
+                  <a:pt x="0" y="1555580"/>
+                </a:cubicBezTo>
+                <a:cubicBezTo>
+                  <a:pt x="0" y="696457"/>
+                  <a:pt x="696457" y="0"/>
+                  <a:pt x="1555580" y="0"/>
+                </a:cubicBezTo>
+                <a:close/>
+              </a:path>
+            </a:pathLst>
+          </a:custGeom>
+          <a:noFill/>
+          <a:extLst>
+            <a:ext uri="{909E8E84-426E-40DD-AFC4-6F175D3DCCD1}">
+              <a14:hiddenFill xmlns:a14="http://schemas.microsoft.com/office/drawing/2010/main">
+                <a:solidFill>
+                  <a:srgbClr val="FFFFFF"/>
+                </a:solidFill>
+              </a14:hiddenFill>
+            </a:ext>
+          </a:extLst>
+        </p:spPr>
+      </p:pic>
+      <p:pic>
+        <p:nvPicPr>
+          <p:cNvPr id="9" name="Picture 8">
+            <a:extLst>
+              <a:ext uri="{FF2B5EF4-FFF2-40B4-BE49-F238E27FC236}">
+                <a16:creationId xmlns:a16="http://schemas.microsoft.com/office/drawing/2014/main" id="{BA37445F-CBB1-E915-2A29-54AC525BBD25}"/>
+              </a:ext>
+            </a:extLst>
+          </p:cNvPr>
+          <p:cNvPicPr>
+            <a:picLocks noChangeAspect="1"/>
+          </p:cNvPicPr>
+          <p:nvPr/>
+        </p:nvPicPr>
+        <p:blipFill>
+          <a:blip r:embed="rId7"/>
+          <a:stretch>
+            <a:fillRect/>
+          </a:stretch>
+        </p:blipFill>
+        <p:spPr>
+          <a:xfrm>
+            <a:off x="0" y="6321102"/>
+            <a:ext cx="1892887" cy="500523"/>
+          </a:xfrm>
+          <a:prstGeom prst="rect">
+            <a:avLst/>
+          </a:prstGeom>
+        </p:spPr>
+      </p:pic>
     </p:spTree>
     <p:extLst>
       <p:ext uri="{BB962C8B-B14F-4D97-AF65-F5344CB8AC3E}">
-        <p14:creationId xmlns:p14="http://schemas.microsoft.com/office/powerpoint/2010/main" val="875507987"/>
+        <p14:creationId xmlns:p14="http://schemas.microsoft.com/office/powerpoint/2010/main" val="4251617415"/>
+      </p:ext>
+    </p:extLst>
+  </p:cSld>
+  <p:clrMapOvr>
+    <a:masterClrMapping/>
+  </p:clrMapOvr>
+</p:sld>
+</file>
+
+<file path=ppt/slides/slide2.xml><?xml version="1.0" encoding="utf-8"?>
+<p:sld xmlns:a="http://schemas.openxmlformats.org/drawingml/2006/main" xmlns:r="http://schemas.openxmlformats.org/officeDocument/2006/relationships" xmlns:p="http://schemas.openxmlformats.org/presentationml/2006/main">
+  <p:cSld>
+    <p:spTree>
+      <p:nvGrpSpPr>
+        <p:cNvPr id="1" name=""/>
+        <p:cNvGrpSpPr/>
+        <p:nvPr/>
+      </p:nvGrpSpPr>
+      <p:grpSpPr>
+        <a:xfrm>
+          <a:off x="0" y="0"/>
+          <a:ext cx="0" cy="0"/>
+          <a:chOff x="0" y="0"/>
+          <a:chExt cx="0" cy="0"/>
+        </a:xfrm>
+      </p:grpSpPr>
+      <p:sp>
+        <p:nvSpPr>
+          <p:cNvPr id="3" name="Content Placeholder 2">
+            <a:extLst>
+              <a:ext uri="{FF2B5EF4-FFF2-40B4-BE49-F238E27FC236}">
+                <a16:creationId xmlns:a16="http://schemas.microsoft.com/office/drawing/2014/main" id="{B4FE8E85-8426-4AB7-AD5A-5C275C24FF8D}"/>
+              </a:ext>
+            </a:extLst>
+          </p:cNvPr>
+          <p:cNvSpPr>
+            <a:spLocks noGrp="1"/>
+          </p:cNvSpPr>
+          <p:nvPr>
+            <p:ph idx="1"/>
+          </p:nvPr>
+        </p:nvSpPr>
+        <p:spPr>
+          <a:xfrm>
+            <a:off x="702853" y="719137"/>
+            <a:ext cx="10900568" cy="5313801"/>
+          </a:xfrm>
+        </p:spPr>
+        <p:txBody>
+          <a:bodyPr>
+            <a:normAutofit/>
+          </a:bodyPr>
+          <a:lstStyle/>
+          <a:p>
+            <a:pPr marL="0" indent="0">
+              <a:buNone/>
+            </a:pPr>
+            <a:r>
+              <a:rPr lang="en-US" sz="3200" b="1" dirty="0">
+                <a:solidFill>
+                  <a:srgbClr val="C00000"/>
+                </a:solidFill>
+              </a:rPr>
+              <a:t>Module-1: BASICS OF C PROGRAMMING </a:t>
+            </a:r>
+            <a:r>
+              <a:rPr lang="en-IN" sz="3200" b="1" dirty="0">
+                <a:solidFill>
+                  <a:srgbClr val="C00000"/>
+                </a:solidFill>
+              </a:rPr>
+              <a:t>:</a:t>
+            </a:r>
+          </a:p>
+          <a:p>
+            <a:pPr marL="0" indent="0">
+              <a:buNone/>
+            </a:pPr>
+            <a:r>
+              <a:rPr lang="en-US" sz="3200" b="1" dirty="0"/>
+              <a:t>Introduction to programming paradigms:</a:t>
+            </a:r>
+            <a:r>
+              <a:rPr lang="en-US" sz="3200" dirty="0"/>
+              <a:t> Applications of C Language, Structure of C program</a:t>
+            </a:r>
+          </a:p>
+          <a:p>
+            <a:pPr marL="0" indent="0">
+              <a:buNone/>
+            </a:pPr>
+            <a:r>
+              <a:rPr lang="en-US" sz="3200" b="1" dirty="0"/>
+              <a:t>C programming: </a:t>
+            </a:r>
+            <a:r>
+              <a:rPr lang="en-US" sz="3200" dirty="0"/>
+              <a:t>Data Types, Constants,  Enumeration Constants,  Keywords.</a:t>
+            </a:r>
+          </a:p>
+          <a:p>
+            <a:pPr marL="0" indent="0">
+              <a:buNone/>
+            </a:pPr>
+            <a:r>
+              <a:rPr lang="en-US" sz="3200" b="1" dirty="0"/>
+              <a:t>Operators: </a:t>
+            </a:r>
+            <a:r>
+              <a:rPr lang="en-US" sz="3200" dirty="0"/>
+              <a:t>Precedence and Associativity, Expressions,  Input/Output statements, Assignment statements, Decision making statements, Switch statement, Looping statements Preprocessor directives, Compilation process.</a:t>
+            </a:r>
+            <a:endParaRPr lang="en-IN" sz="3200" dirty="0"/>
+          </a:p>
+        </p:txBody>
+      </p:sp>
+    </p:spTree>
+    <p:extLst>
+      <p:ext uri="{BB962C8B-B14F-4D97-AF65-F5344CB8AC3E}">
+        <p14:creationId xmlns:p14="http://schemas.microsoft.com/office/powerpoint/2010/main" val="707598842"/>
+      </p:ext>
+    </p:extLst>
+  </p:cSld>
+  <p:clrMapOvr>
+    <a:masterClrMapping/>
+  </p:clrMapOvr>
+</p:sld>
+</file>
+
+<file path=ppt/slides/slide3.xml><?xml version="1.0" encoding="utf-8"?>
+<p:sld xmlns:a="http://schemas.openxmlformats.org/drawingml/2006/main" xmlns:r="http://schemas.openxmlformats.org/officeDocument/2006/relationships" xmlns:p="http://schemas.openxmlformats.org/presentationml/2006/main">
+  <p:cSld>
+    <p:spTree>
+      <p:nvGrpSpPr>
+        <p:cNvPr id="1" name="">
+          <a:extLst>
+            <a:ext uri="{FF2B5EF4-FFF2-40B4-BE49-F238E27FC236}">
+              <a16:creationId xmlns:a16="http://schemas.microsoft.com/office/drawing/2014/main" id="{70EF4AB3-E7DC-A7CE-9D14-5BDEF3227342}"/>
+            </a:ext>
+          </a:extLst>
+        </p:cNvPr>
+        <p:cNvGrpSpPr/>
+        <p:nvPr/>
+      </p:nvGrpSpPr>
+      <p:grpSpPr>
+        <a:xfrm>
+          <a:off x="0" y="0"/>
+          <a:ext cx="0" cy="0"/>
+          <a:chOff x="0" y="0"/>
+          <a:chExt cx="0" cy="0"/>
+        </a:xfrm>
+      </p:grpSpPr>
+      <p:sp>
+        <p:nvSpPr>
+          <p:cNvPr id="3" name="Content Placeholder 2">
+            <a:extLst>
+              <a:ext uri="{FF2B5EF4-FFF2-40B4-BE49-F238E27FC236}">
+                <a16:creationId xmlns:a16="http://schemas.microsoft.com/office/drawing/2014/main" id="{892E5A9B-B287-0C94-62E0-A71FF1423639}"/>
+              </a:ext>
+            </a:extLst>
+          </p:cNvPr>
+          <p:cNvSpPr>
+            <a:spLocks noGrp="1"/>
+          </p:cNvSpPr>
+          <p:nvPr>
+            <p:ph idx="1"/>
+          </p:nvPr>
+        </p:nvSpPr>
+        <p:spPr>
+          <a:xfrm>
+            <a:off x="913059" y="1602006"/>
+            <a:ext cx="10732404" cy="3495511"/>
+          </a:xfrm>
+        </p:spPr>
+        <p:txBody>
+          <a:bodyPr>
+            <a:normAutofit/>
+          </a:bodyPr>
+          <a:lstStyle/>
+          <a:p>
+            <a:pPr marL="0" indent="0">
+              <a:buNone/>
+            </a:pPr>
+            <a:r>
+              <a:rPr lang="en-US" sz="3600" b="1" dirty="0">
+                <a:solidFill>
+                  <a:srgbClr val="C00000"/>
+                </a:solidFill>
+              </a:rPr>
+              <a:t>Module-2: ARRAYS AND STRINGS </a:t>
+            </a:r>
+            <a:r>
+              <a:rPr lang="en-IN" sz="3600" b="1" dirty="0">
+                <a:solidFill>
+                  <a:srgbClr val="C00000"/>
+                </a:solidFill>
+              </a:rPr>
+              <a:t>:</a:t>
+            </a:r>
+          </a:p>
+          <a:p>
+            <a:pPr marL="0" indent="0">
+              <a:buNone/>
+            </a:pPr>
+            <a:r>
+              <a:rPr lang="en-US" sz="3600" b="1" dirty="0"/>
+              <a:t>Introduction to Arrays: </a:t>
+            </a:r>
+            <a:r>
+              <a:rPr lang="en-US" sz="3600" dirty="0"/>
+              <a:t>Declaration, Initialization One dimensional array Two dimensional arrays.</a:t>
+            </a:r>
+          </a:p>
+          <a:p>
+            <a:pPr marL="0" indent="0">
+              <a:buNone/>
+            </a:pPr>
+            <a:r>
+              <a:rPr lang="en-US" sz="3600" b="1" dirty="0"/>
+              <a:t>String operations: </a:t>
+            </a:r>
+            <a:r>
+              <a:rPr lang="en-US" sz="3600" dirty="0"/>
+              <a:t>length, compare, concatenate, copy, Selection sort, linear and binary search.</a:t>
+            </a:r>
+            <a:endParaRPr lang="en-IN" sz="3600" dirty="0"/>
+          </a:p>
+        </p:txBody>
+      </p:sp>
+    </p:spTree>
+    <p:extLst>
+      <p:ext uri="{BB962C8B-B14F-4D97-AF65-F5344CB8AC3E}">
+        <p14:creationId xmlns:p14="http://schemas.microsoft.com/office/powerpoint/2010/main" val="3820529970"/>
+      </p:ext>
+    </p:extLst>
+  </p:cSld>
+  <p:clrMapOvr>
+    <a:masterClrMapping/>
+  </p:clrMapOvr>
+</p:sld>
+</file>
+
+<file path=ppt/slides/slide4.xml><?xml version="1.0" encoding="utf-8"?>
+<p:sld xmlns:a="http://schemas.openxmlformats.org/drawingml/2006/main" xmlns:r="http://schemas.openxmlformats.org/officeDocument/2006/relationships" xmlns:p="http://schemas.openxmlformats.org/presentationml/2006/main">
+  <p:cSld>
+    <p:spTree>
+      <p:nvGrpSpPr>
+        <p:cNvPr id="1" name="">
+          <a:extLst>
+            <a:ext uri="{FF2B5EF4-FFF2-40B4-BE49-F238E27FC236}">
+              <a16:creationId xmlns:a16="http://schemas.microsoft.com/office/drawing/2014/main" id="{D027FD6E-412A-B2F1-6441-073824C05963}"/>
+            </a:ext>
+          </a:extLst>
+        </p:cNvPr>
+        <p:cNvGrpSpPr/>
+        <p:nvPr/>
+      </p:nvGrpSpPr>
+      <p:grpSpPr>
+        <a:xfrm>
+          <a:off x="0" y="0"/>
+          <a:ext cx="0" cy="0"/>
+          <a:chOff x="0" y="0"/>
+          <a:chExt cx="0" cy="0"/>
+        </a:xfrm>
+      </p:grpSpPr>
+      <p:sp>
+        <p:nvSpPr>
+          <p:cNvPr id="3" name="Content Placeholder 2">
+            <a:extLst>
+              <a:ext uri="{FF2B5EF4-FFF2-40B4-BE49-F238E27FC236}">
+                <a16:creationId xmlns:a16="http://schemas.microsoft.com/office/drawing/2014/main" id="{086C5E49-D2B4-9EE3-D747-3EF6662842B5}"/>
+              </a:ext>
+            </a:extLst>
+          </p:cNvPr>
+          <p:cNvSpPr>
+            <a:spLocks noGrp="1"/>
+          </p:cNvSpPr>
+          <p:nvPr>
+            <p:ph idx="1"/>
+          </p:nvPr>
+        </p:nvSpPr>
+        <p:spPr>
+          <a:xfrm>
+            <a:off x="913058" y="1103586"/>
+            <a:ext cx="10795465" cy="4340773"/>
+          </a:xfrm>
+        </p:spPr>
+        <p:txBody>
+          <a:bodyPr>
+            <a:normAutofit/>
+          </a:bodyPr>
+          <a:lstStyle/>
+          <a:p>
+            <a:pPr marL="0" indent="0">
+              <a:buNone/>
+            </a:pPr>
+            <a:r>
+              <a:rPr lang="en-US" sz="3600" b="1" dirty="0">
+                <a:solidFill>
+                  <a:srgbClr val="C00000"/>
+                </a:solidFill>
+              </a:rPr>
+              <a:t>Module-3: FUNCTIONS AND POINTERS </a:t>
+            </a:r>
+            <a:r>
+              <a:rPr lang="en-IN" sz="3600" b="1" dirty="0">
+                <a:solidFill>
+                  <a:srgbClr val="C00000"/>
+                </a:solidFill>
+              </a:rPr>
+              <a:t>:</a:t>
+            </a:r>
+          </a:p>
+          <a:p>
+            <a:pPr marL="0" indent="0">
+              <a:buNone/>
+            </a:pPr>
+            <a:r>
+              <a:rPr lang="en-US" sz="3200" b="1" dirty="0"/>
+              <a:t>Modular programming :</a:t>
+            </a:r>
+            <a:r>
+              <a:rPr lang="en-US" sz="3200" dirty="0"/>
+              <a:t> Function prototype, function definition, function call, Built-in functions (string functions, math functions) Recursion, Binary Search using recursive functions.</a:t>
+            </a:r>
+          </a:p>
+          <a:p>
+            <a:pPr marL="0" indent="0">
+              <a:buNone/>
+            </a:pPr>
+            <a:r>
+              <a:rPr lang="en-US" sz="3200" b="1" dirty="0"/>
+              <a:t>Pointers:</a:t>
+            </a:r>
+            <a:r>
+              <a:rPr lang="en-US" sz="3200" dirty="0"/>
+              <a:t> Pointer operators, Pointer arithmetic, Arrays and pointers, Array of pointers.</a:t>
+            </a:r>
+          </a:p>
+          <a:p>
+            <a:pPr marL="0" indent="0">
+              <a:buNone/>
+            </a:pPr>
+            <a:r>
+              <a:rPr lang="en-US" sz="3200" b="1" dirty="0"/>
+              <a:t>Parameter passing: </a:t>
+            </a:r>
+            <a:r>
+              <a:rPr lang="en-US" sz="3200" dirty="0"/>
+              <a:t>Pass by value, Pass by reference. </a:t>
+            </a:r>
+            <a:endParaRPr lang="en-IN" sz="3600" dirty="0"/>
+          </a:p>
+        </p:txBody>
+      </p:sp>
+    </p:spTree>
+    <p:extLst>
+      <p:ext uri="{BB962C8B-B14F-4D97-AF65-F5344CB8AC3E}">
+        <p14:creationId xmlns:p14="http://schemas.microsoft.com/office/powerpoint/2010/main" val="1741904406"/>
+      </p:ext>
+    </p:extLst>
+  </p:cSld>
+  <p:clrMapOvr>
+    <a:masterClrMapping/>
+  </p:clrMapOvr>
+</p:sld>
+</file>
+
+<file path=ppt/slides/slide5.xml><?xml version="1.0" encoding="utf-8"?>
+<p:sld xmlns:a="http://schemas.openxmlformats.org/drawingml/2006/main" xmlns:r="http://schemas.openxmlformats.org/officeDocument/2006/relationships" xmlns:p="http://schemas.openxmlformats.org/presentationml/2006/main">
+  <p:cSld>
+    <p:spTree>
+      <p:nvGrpSpPr>
+        <p:cNvPr id="1" name="">
+          <a:extLst>
+            <a:ext uri="{FF2B5EF4-FFF2-40B4-BE49-F238E27FC236}">
+              <a16:creationId xmlns:a16="http://schemas.microsoft.com/office/drawing/2014/main" id="{5A586F5F-E3B6-C2E0-511F-712CC24C0971}"/>
+            </a:ext>
+          </a:extLst>
+        </p:cNvPr>
+        <p:cNvGrpSpPr/>
+        <p:nvPr/>
+      </p:nvGrpSpPr>
+      <p:grpSpPr>
+        <a:xfrm>
+          <a:off x="0" y="0"/>
+          <a:ext cx="0" cy="0"/>
+          <a:chOff x="0" y="0"/>
+          <a:chExt cx="0" cy="0"/>
+        </a:xfrm>
+      </p:grpSpPr>
+      <p:sp>
+        <p:nvSpPr>
+          <p:cNvPr id="3" name="Content Placeholder 2">
+            <a:extLst>
+              <a:ext uri="{FF2B5EF4-FFF2-40B4-BE49-F238E27FC236}">
+                <a16:creationId xmlns:a16="http://schemas.microsoft.com/office/drawing/2014/main" id="{86A8D5FB-2FB5-E6BC-C140-7910375D1950}"/>
+              </a:ext>
+            </a:extLst>
+          </p:cNvPr>
+          <p:cNvSpPr>
+            <a:spLocks noGrp="1"/>
+          </p:cNvSpPr>
+          <p:nvPr>
+            <p:ph idx="1"/>
+          </p:nvPr>
+        </p:nvSpPr>
+        <p:spPr>
+          <a:xfrm>
+            <a:off x="860506" y="746233"/>
+            <a:ext cx="10795465" cy="5433850"/>
+          </a:xfrm>
+        </p:spPr>
+        <p:txBody>
+          <a:bodyPr>
+            <a:normAutofit/>
+          </a:bodyPr>
+          <a:lstStyle/>
+          <a:p>
+            <a:pPr marL="0" indent="0">
+              <a:buNone/>
+            </a:pPr>
+            <a:r>
+              <a:rPr lang="en-US" sz="3200" b="1" dirty="0">
+                <a:solidFill>
+                  <a:srgbClr val="C00000"/>
+                </a:solidFill>
+              </a:rPr>
+              <a:t>Module-4: STRUCTURES AND UNION </a:t>
+            </a:r>
+            <a:r>
+              <a:rPr lang="en-IN" sz="3200" b="1" dirty="0">
+                <a:solidFill>
+                  <a:srgbClr val="C00000"/>
+                </a:solidFill>
+              </a:rPr>
+              <a:t>:</a:t>
+            </a:r>
+          </a:p>
+          <a:p>
+            <a:pPr marL="0" indent="0">
+              <a:buNone/>
+            </a:pPr>
+            <a:r>
+              <a:rPr lang="en-US" sz="3200" b="1" dirty="0"/>
+              <a:t>Structure: </a:t>
+            </a:r>
+            <a:r>
+              <a:rPr lang="en-US" sz="3200" dirty="0"/>
+              <a:t>Nested structures, Pointer and Structures, Array of structures, Self referential structures </a:t>
+            </a:r>
+          </a:p>
+          <a:p>
+            <a:pPr marL="0" indent="0">
+              <a:buNone/>
+            </a:pPr>
+            <a:r>
+              <a:rPr lang="en-US" sz="3200" b="1" dirty="0"/>
+              <a:t>Dynamic memory allocation:</a:t>
+            </a:r>
+            <a:r>
+              <a:rPr lang="en-US" sz="3200" dirty="0"/>
+              <a:t> Singly linked list, typedef </a:t>
+            </a:r>
+          </a:p>
+          <a:p>
+            <a:pPr marL="0" indent="0">
+              <a:buNone/>
+            </a:pPr>
+            <a:r>
+              <a:rPr lang="en-US" sz="3200" b="1" dirty="0"/>
+              <a:t>Union: </a:t>
+            </a:r>
+            <a:r>
+              <a:rPr lang="en-US" sz="3200" dirty="0"/>
+              <a:t>Storage classes and Visibility.</a:t>
+            </a:r>
+          </a:p>
+          <a:p>
+            <a:pPr marL="0" indent="0">
+              <a:buNone/>
+            </a:pPr>
+            <a:endParaRPr lang="en-US" sz="900" dirty="0"/>
+          </a:p>
+          <a:p>
+            <a:pPr marL="0" indent="0">
+              <a:buNone/>
+            </a:pPr>
+            <a:r>
+              <a:rPr lang="en-US" sz="3200" b="1" dirty="0">
+                <a:solidFill>
+                  <a:srgbClr val="C00000"/>
+                </a:solidFill>
+              </a:rPr>
+              <a:t>Module-5: FILE PROCESSING </a:t>
+            </a:r>
+            <a:r>
+              <a:rPr lang="en-IN" sz="3200" b="1" dirty="0">
+                <a:solidFill>
+                  <a:srgbClr val="C00000"/>
+                </a:solidFill>
+              </a:rPr>
+              <a:t>:</a:t>
+            </a:r>
+          </a:p>
+          <a:p>
+            <a:pPr marL="0" indent="0">
+              <a:buNone/>
+            </a:pPr>
+            <a:r>
+              <a:rPr lang="en-US" sz="3200" b="1" dirty="0"/>
+              <a:t>Files Types of file processing: </a:t>
+            </a:r>
+            <a:r>
+              <a:rPr lang="en-US" sz="3200" dirty="0"/>
+              <a:t>Sequential access, Random access Sequential access file - Random access file - Command line arguments.</a:t>
+            </a:r>
+            <a:endParaRPr lang="en-IN" sz="3600" dirty="0"/>
+          </a:p>
+          <a:p>
+            <a:pPr marL="0" indent="0">
+              <a:buNone/>
+            </a:pPr>
+            <a:endParaRPr lang="en-IN" sz="3200" dirty="0"/>
+          </a:p>
+        </p:txBody>
+      </p:sp>
+    </p:spTree>
+    <p:extLst>
+      <p:ext uri="{BB962C8B-B14F-4D97-AF65-F5344CB8AC3E}">
+        <p14:creationId xmlns:p14="http://schemas.microsoft.com/office/powerpoint/2010/main" val="911344345"/>
+      </p:ext>
+    </p:extLst>
+  </p:cSld>
+  <p:clrMapOvr>
+    <a:masterClrMapping/>
+  </p:clrMapOvr>
+</p:sld>
+</file>
+
+<file path=ppt/slides/slide6.xml><?xml version="1.0" encoding="utf-8"?>
+<p:sld xmlns:a="http://schemas.openxmlformats.org/drawingml/2006/main" xmlns:r="http://schemas.openxmlformats.org/officeDocument/2006/relationships" xmlns:p="http://schemas.openxmlformats.org/presentationml/2006/main">
+  <p:cSld>
+    <p:spTree>
+      <p:nvGrpSpPr>
+        <p:cNvPr id="1" name=""/>
+        <p:cNvGrpSpPr/>
+        <p:nvPr/>
+      </p:nvGrpSpPr>
+      <p:grpSpPr>
+        <a:xfrm>
+          <a:off x="0" y="0"/>
+          <a:ext cx="0" cy="0"/>
+          <a:chOff x="0" y="0"/>
+          <a:chExt cx="0" cy="0"/>
+        </a:xfrm>
+      </p:grpSpPr>
+      <p:sp>
+        <p:nvSpPr>
+          <p:cNvPr id="3" name="Content Placeholder 2">
+            <a:extLst>
+              <a:ext uri="{FF2B5EF4-FFF2-40B4-BE49-F238E27FC236}">
+                <a16:creationId xmlns:a16="http://schemas.microsoft.com/office/drawing/2014/main" id="{E42FB284-DAF2-8CB9-9090-285BF2A5822E}"/>
+              </a:ext>
+            </a:extLst>
+          </p:cNvPr>
+          <p:cNvSpPr>
+            <a:spLocks noGrp="1"/>
+          </p:cNvSpPr>
+          <p:nvPr>
+            <p:ph idx="1"/>
+          </p:nvPr>
+        </p:nvSpPr>
+        <p:spPr>
+          <a:xfrm>
+            <a:off x="353785" y="2284236"/>
+            <a:ext cx="11484429" cy="2289527"/>
+          </a:xfrm>
+        </p:spPr>
+        <p:txBody>
+          <a:bodyPr>
+            <a:normAutofit/>
+          </a:bodyPr>
+          <a:lstStyle/>
+          <a:p>
+            <a:pPr marL="0" indent="0" algn="ctr">
+              <a:buNone/>
+            </a:pPr>
+            <a:r>
+              <a:rPr lang="en-US" sz="6600" b="1" dirty="0">
+                <a:solidFill>
+                  <a:schemeClr val="tx2"/>
+                </a:solidFill>
+              </a:rPr>
+              <a:t>Module-1: </a:t>
+            </a:r>
+          </a:p>
+          <a:p>
+            <a:pPr marL="0" indent="0" algn="ctr">
+              <a:buNone/>
+            </a:pPr>
+            <a:r>
+              <a:rPr lang="en-IN" sz="6600" b="1" dirty="0">
+                <a:solidFill>
+                  <a:srgbClr val="C00000"/>
+                </a:solidFill>
+              </a:rPr>
+              <a:t>BASICS OF C PROGRAMMING</a:t>
+            </a:r>
+            <a:endParaRPr lang="en-IN" sz="6600" dirty="0"/>
+          </a:p>
+        </p:txBody>
+      </p:sp>
+    </p:spTree>
+    <p:extLst>
+      <p:ext uri="{BB962C8B-B14F-4D97-AF65-F5344CB8AC3E}">
+        <p14:creationId xmlns:p14="http://schemas.microsoft.com/office/powerpoint/2010/main" val="703384228"/>
+      </p:ext>
+    </p:extLst>
+  </p:cSld>
+  <p:clrMapOvr>
+    <a:masterClrMapping/>
+  </p:clrMapOvr>
+</p:sld>
+</file>
+
+<file path=ppt/slides/slide7.xml><?xml version="1.0" encoding="utf-8"?>
+<p:sld xmlns:a="http://schemas.openxmlformats.org/drawingml/2006/main" xmlns:r="http://schemas.openxmlformats.org/officeDocument/2006/relationships" xmlns:p="http://schemas.openxmlformats.org/presentationml/2006/main">
+  <p:cSld>
+    <p:spTree>
+      <p:nvGrpSpPr>
+        <p:cNvPr id="1" name=""/>
+        <p:cNvGrpSpPr/>
+        <p:nvPr/>
+      </p:nvGrpSpPr>
+      <p:grpSpPr>
+        <a:xfrm>
+          <a:off x="0" y="0"/>
+          <a:ext cx="0" cy="0"/>
+          <a:chOff x="0" y="0"/>
+          <a:chExt cx="0" cy="0"/>
+        </a:xfrm>
+      </p:grpSpPr>
+      <p:sp>
+        <p:nvSpPr>
+          <p:cNvPr id="3" name="Content Placeholder 2">
+            <a:extLst>
+              <a:ext uri="{FF2B5EF4-FFF2-40B4-BE49-F238E27FC236}">
+                <a16:creationId xmlns:a16="http://schemas.microsoft.com/office/drawing/2014/main" id="{B4FE8E85-8426-4AB7-AD5A-5C275C24FF8D}"/>
+              </a:ext>
+            </a:extLst>
+          </p:cNvPr>
+          <p:cNvSpPr>
+            <a:spLocks noGrp="1"/>
+          </p:cNvSpPr>
+          <p:nvPr>
+            <p:ph idx="1"/>
+          </p:nvPr>
+        </p:nvSpPr>
+        <p:spPr>
+          <a:xfrm>
+            <a:off x="710381" y="2247900"/>
+            <a:ext cx="10567219" cy="1181100"/>
+          </a:xfrm>
+        </p:spPr>
+        <p:txBody>
+          <a:bodyPr>
+            <a:noAutofit/>
+          </a:bodyPr>
+          <a:lstStyle/>
+          <a:p>
+            <a:pPr marL="0" indent="0" algn="ctr">
+              <a:buNone/>
+            </a:pPr>
+            <a:r>
+              <a:rPr lang="en-IN" sz="3600" b="1" dirty="0">
+                <a:solidFill>
+                  <a:schemeClr val="accent6">
+                    <a:lumMod val="50000"/>
+                  </a:schemeClr>
+                </a:solidFill>
+              </a:rPr>
+              <a:t>What is Programming?</a:t>
+            </a:r>
+          </a:p>
+          <a:p>
+            <a:pPr marL="0" indent="0" algn="ctr">
+              <a:buNone/>
+            </a:pPr>
+            <a:r>
+              <a:rPr lang="en-IN" sz="3600" b="1" dirty="0">
+                <a:solidFill>
+                  <a:schemeClr val="accent2">
+                    <a:lumMod val="50000"/>
+                  </a:schemeClr>
+                </a:solidFill>
+              </a:rPr>
+              <a:t>What is Programming Language?</a:t>
+            </a:r>
+          </a:p>
+        </p:txBody>
+      </p:sp>
+    </p:spTree>
+    <p:extLst>
+      <p:ext uri="{BB962C8B-B14F-4D97-AF65-F5344CB8AC3E}">
+        <p14:creationId xmlns:p14="http://schemas.microsoft.com/office/powerpoint/2010/main" val="2833866201"/>
+      </p:ext>
+    </p:extLst>
+  </p:cSld>
+  <p:clrMapOvr>
+    <a:masterClrMapping/>
+  </p:clrMapOvr>
+</p:sld>
+</file>
+
+<file path=ppt/slides/slide8.xml><?xml version="1.0" encoding="utf-8"?>
+<p:sld xmlns:a="http://schemas.openxmlformats.org/drawingml/2006/main" xmlns:r="http://schemas.openxmlformats.org/officeDocument/2006/relationships" xmlns:p="http://schemas.openxmlformats.org/presentationml/2006/main">
+  <p:cSld>
+    <p:spTree>
+      <p:nvGrpSpPr>
+        <p:cNvPr id="1" name=""/>
+        <p:cNvGrpSpPr/>
+        <p:nvPr/>
+      </p:nvGrpSpPr>
+      <p:grpSpPr>
+        <a:xfrm>
+          <a:off x="0" y="0"/>
+          <a:ext cx="0" cy="0"/>
+          <a:chOff x="0" y="0"/>
+          <a:chExt cx="0" cy="0"/>
+        </a:xfrm>
+      </p:grpSpPr>
+      <p:sp>
+        <p:nvSpPr>
+          <p:cNvPr id="3" name="Content Placeholder 2">
+            <a:extLst>
+              <a:ext uri="{FF2B5EF4-FFF2-40B4-BE49-F238E27FC236}">
+                <a16:creationId xmlns:a16="http://schemas.microsoft.com/office/drawing/2014/main" id="{B4FE8E85-8426-4AB7-AD5A-5C275C24FF8D}"/>
+              </a:ext>
+            </a:extLst>
+          </p:cNvPr>
+          <p:cNvSpPr>
+            <a:spLocks noGrp="1"/>
+          </p:cNvSpPr>
+          <p:nvPr>
+            <p:ph idx="1"/>
+          </p:nvPr>
+        </p:nvSpPr>
+        <p:spPr>
+          <a:xfrm>
+            <a:off x="710381" y="2247900"/>
+            <a:ext cx="10567219" cy="1181100"/>
+          </a:xfrm>
+        </p:spPr>
+        <p:txBody>
+          <a:bodyPr>
+            <a:noAutofit/>
+          </a:bodyPr>
+          <a:lstStyle/>
+          <a:p>
+            <a:pPr marL="0" indent="0" algn="ctr">
+              <a:buNone/>
+            </a:pPr>
+            <a:r>
+              <a:rPr lang="en-IN" sz="3200" b="1" dirty="0">
+                <a:solidFill>
+                  <a:schemeClr val="accent6">
+                    <a:lumMod val="50000"/>
+                  </a:schemeClr>
+                </a:solidFill>
+              </a:rPr>
+              <a:t>What is Programming? : </a:t>
+            </a:r>
+            <a:r>
+              <a:rPr lang="en-IN" sz="3200" dirty="0"/>
+              <a:t>Writing a Program</a:t>
+            </a:r>
+            <a:endParaRPr lang="en-IN" sz="3200" b="1" dirty="0">
+              <a:solidFill>
+                <a:schemeClr val="accent6">
+                  <a:lumMod val="50000"/>
+                </a:schemeClr>
+              </a:solidFill>
+            </a:endParaRPr>
+          </a:p>
+          <a:p>
+            <a:pPr marL="0" indent="0" algn="ctr">
+              <a:buNone/>
+            </a:pPr>
+            <a:r>
+              <a:rPr lang="en-IN" sz="3200" b="1" dirty="0">
+                <a:solidFill>
+                  <a:schemeClr val="accent2">
+                    <a:lumMod val="50000"/>
+                  </a:schemeClr>
+                </a:solidFill>
+              </a:rPr>
+              <a:t>What is Programming Language? : </a:t>
+            </a:r>
+            <a:r>
+              <a:rPr lang="en-IN" sz="3200" dirty="0"/>
+              <a:t>Is a Collection of </a:t>
+            </a:r>
+            <a:r>
+              <a:rPr lang="en-IN" sz="3200" b="1" dirty="0">
+                <a:solidFill>
+                  <a:srgbClr val="C00000"/>
+                </a:solidFill>
+              </a:rPr>
+              <a:t>Tokens</a:t>
+            </a:r>
+            <a:r>
+              <a:rPr lang="en-IN" sz="3200" dirty="0"/>
+              <a:t>.</a:t>
+            </a:r>
+            <a:endParaRPr lang="en-IN" sz="3200" b="1" dirty="0">
+              <a:solidFill>
+                <a:schemeClr val="accent2">
+                  <a:lumMod val="50000"/>
+                </a:schemeClr>
+              </a:solidFill>
+            </a:endParaRPr>
+          </a:p>
+        </p:txBody>
+      </p:sp>
+    </p:spTree>
+    <p:extLst>
+      <p:ext uri="{BB962C8B-B14F-4D97-AF65-F5344CB8AC3E}">
+        <p14:creationId xmlns:p14="http://schemas.microsoft.com/office/powerpoint/2010/main" val="1139735195"/>
       </p:ext>
     </p:extLst>
   </p:cSld>
@@ -3387,6 +6783,207 @@
 </file>
 
 <file path=ppt/theme/theme1.xml><?xml version="1.0" encoding="utf-8"?>
+<a:theme xmlns:a="http://schemas.openxmlformats.org/drawingml/2006/main" name="ConfettiVTI">
+  <a:themeElements>
+    <a:clrScheme name="Custom 30">
+      <a:dk1>
+        <a:sysClr val="windowText" lastClr="000000"/>
+      </a:dk1>
+      <a:lt1>
+        <a:sysClr val="window" lastClr="FFFFFF"/>
+      </a:lt1>
+      <a:dk2>
+        <a:srgbClr val="420023"/>
+      </a:dk2>
+      <a:lt2>
+        <a:srgbClr val="FDFBF9"/>
+      </a:lt2>
+      <a:accent1>
+        <a:srgbClr val="97446E"/>
+      </a:accent1>
+      <a:accent2>
+        <a:srgbClr val="A40056"/>
+      </a:accent2>
+      <a:accent3>
+        <a:srgbClr val="24BEEE"/>
+      </a:accent3>
+      <a:accent4>
+        <a:srgbClr val="91274F"/>
+      </a:accent4>
+      <a:accent5>
+        <a:srgbClr val="F39E29"/>
+      </a:accent5>
+      <a:accent6>
+        <a:srgbClr val="E87450"/>
+      </a:accent6>
+      <a:hlink>
+        <a:srgbClr val="F55D5D"/>
+      </a:hlink>
+      <a:folHlink>
+        <a:srgbClr val="EA3A60"/>
+      </a:folHlink>
+    </a:clrScheme>
+    <a:fontScheme name="Custom 10">
+      <a:majorFont>
+        <a:latin typeface="Gill Sans Nova"/>
+        <a:ea typeface=""/>
+        <a:cs typeface=""/>
+      </a:majorFont>
+      <a:minorFont>
+        <a:latin typeface="Calibri"/>
+        <a:ea typeface=""/>
+        <a:cs typeface=""/>
+      </a:minorFont>
+    </a:fontScheme>
+    <a:fmtScheme name="Office">
+      <a:fillStyleLst>
+        <a:solidFill>
+          <a:schemeClr val="phClr"/>
+        </a:solidFill>
+        <a:gradFill rotWithShape="1">
+          <a:gsLst>
+            <a:gs pos="0">
+              <a:schemeClr val="phClr">
+                <a:lumMod val="110000"/>
+                <a:satMod val="105000"/>
+                <a:tint val="67000"/>
+              </a:schemeClr>
+            </a:gs>
+            <a:gs pos="50000">
+              <a:schemeClr val="phClr">
+                <a:lumMod val="105000"/>
+                <a:satMod val="103000"/>
+                <a:tint val="73000"/>
+              </a:schemeClr>
+            </a:gs>
+            <a:gs pos="100000">
+              <a:schemeClr val="phClr">
+                <a:lumMod val="105000"/>
+                <a:satMod val="109000"/>
+                <a:tint val="81000"/>
+              </a:schemeClr>
+            </a:gs>
+          </a:gsLst>
+          <a:lin ang="5400000" scaled="0"/>
+        </a:gradFill>
+        <a:gradFill rotWithShape="1">
+          <a:gsLst>
+            <a:gs pos="0">
+              <a:schemeClr val="phClr">
+                <a:satMod val="103000"/>
+                <a:lumMod val="102000"/>
+                <a:tint val="94000"/>
+              </a:schemeClr>
+            </a:gs>
+            <a:gs pos="50000">
+              <a:schemeClr val="phClr">
+                <a:satMod val="110000"/>
+                <a:lumMod val="100000"/>
+                <a:shade val="100000"/>
+              </a:schemeClr>
+            </a:gs>
+            <a:gs pos="100000">
+              <a:schemeClr val="phClr">
+                <a:lumMod val="99000"/>
+                <a:satMod val="120000"/>
+                <a:shade val="78000"/>
+              </a:schemeClr>
+            </a:gs>
+          </a:gsLst>
+          <a:lin ang="5400000" scaled="0"/>
+        </a:gradFill>
+      </a:fillStyleLst>
+      <a:lnStyleLst>
+        <a:ln w="6350" cap="flat" cmpd="sng" algn="ctr">
+          <a:solidFill>
+            <a:schemeClr val="phClr"/>
+          </a:solidFill>
+          <a:prstDash val="solid"/>
+          <a:miter lim="800000"/>
+        </a:ln>
+        <a:ln w="12700" cap="flat" cmpd="sng" algn="ctr">
+          <a:solidFill>
+            <a:schemeClr val="phClr"/>
+          </a:solidFill>
+          <a:prstDash val="solid"/>
+          <a:miter lim="800000"/>
+        </a:ln>
+        <a:ln w="19050" cap="flat" cmpd="sng" algn="ctr">
+          <a:solidFill>
+            <a:schemeClr val="phClr"/>
+          </a:solidFill>
+          <a:prstDash val="solid"/>
+          <a:miter lim="800000"/>
+        </a:ln>
+      </a:lnStyleLst>
+      <a:effectStyleLst>
+        <a:effectStyle>
+          <a:effectLst/>
+        </a:effectStyle>
+        <a:effectStyle>
+          <a:effectLst/>
+        </a:effectStyle>
+        <a:effectStyle>
+          <a:effectLst>
+            <a:outerShdw blurRad="57150" dist="19050" dir="5400000" algn="ctr" rotWithShape="0">
+              <a:srgbClr val="000000">
+                <a:alpha val="63000"/>
+              </a:srgbClr>
+            </a:outerShdw>
+          </a:effectLst>
+        </a:effectStyle>
+      </a:effectStyleLst>
+      <a:bgFillStyleLst>
+        <a:solidFill>
+          <a:schemeClr val="phClr"/>
+        </a:solidFill>
+        <a:solidFill>
+          <a:schemeClr val="phClr">
+            <a:tint val="95000"/>
+            <a:satMod val="170000"/>
+          </a:schemeClr>
+        </a:solidFill>
+        <a:gradFill rotWithShape="1">
+          <a:gsLst>
+            <a:gs pos="0">
+              <a:schemeClr val="phClr">
+                <a:tint val="93000"/>
+                <a:satMod val="150000"/>
+                <a:shade val="98000"/>
+                <a:lumMod val="102000"/>
+              </a:schemeClr>
+            </a:gs>
+            <a:gs pos="50000">
+              <a:schemeClr val="phClr">
+                <a:tint val="98000"/>
+                <a:satMod val="130000"/>
+                <a:shade val="90000"/>
+                <a:lumMod val="103000"/>
+              </a:schemeClr>
+            </a:gs>
+            <a:gs pos="100000">
+              <a:schemeClr val="phClr">
+                <a:shade val="63000"/>
+                <a:satMod val="120000"/>
+              </a:schemeClr>
+            </a:gs>
+          </a:gsLst>
+          <a:lin ang="5400000" scaled="0"/>
+        </a:gradFill>
+      </a:bgFillStyleLst>
+    </a:fmtScheme>
+  </a:themeElements>
+  <a:objectDefaults/>
+  <a:extraClrSchemeLst/>
+  <a:extLst>
+    <a:ext uri="{05A4C25C-085E-4340-85A3-A5531E510DB2}">
+      <thm15:themeFamily xmlns:thm15="http://schemas.microsoft.com/office/thememl/2012/main" name="ConfettiVTI" id="{B5618F7C-B4F0-4D28-83B4-440D0519681F}" vid="{5F84EFDF-E14E-48C6-955C-990A32085A7F}"/>
+    </a:ext>
+  </a:extLst>
+</a:theme>
+</file>
+
+<file path=ppt/theme/theme2.xml><?xml version="1.0" encoding="utf-8"?>
 <a:theme xmlns:a="http://schemas.openxmlformats.org/drawingml/2006/main" name="Office Theme">
   <a:themeElements>
     <a:clrScheme name="Office">
